--- a/我神真偉大.pptx
+++ b/我神真偉大.pptx
@@ -296,7 +296,7 @@
           <a:p>
             <a:fld id="{3E20FAF3-3B72-4A77-81E3-3A42C1E04649}" type="datetimeFigureOut">
               <a:rPr lang="zh-TW" altLang="en-US" smtClean="0"/>
-              <a:t>2019/10/17</a:t>
+              <a:t>2019/10/19</a:t>
             </a:fld>
             <a:endParaRPr lang="zh-TW" altLang="en-US"/>
           </a:p>
@@ -466,7 +466,7 @@
           <a:p>
             <a:fld id="{3E20FAF3-3B72-4A77-81E3-3A42C1E04649}" type="datetimeFigureOut">
               <a:rPr lang="zh-TW" altLang="en-US" smtClean="0"/>
-              <a:t>2019/10/17</a:t>
+              <a:t>2019/10/19</a:t>
             </a:fld>
             <a:endParaRPr lang="zh-TW" altLang="en-US"/>
           </a:p>
@@ -646,7 +646,7 @@
           <a:p>
             <a:fld id="{3E20FAF3-3B72-4A77-81E3-3A42C1E04649}" type="datetimeFigureOut">
               <a:rPr lang="zh-TW" altLang="en-US" smtClean="0"/>
-              <a:t>2019/10/17</a:t>
+              <a:t>2019/10/19</a:t>
             </a:fld>
             <a:endParaRPr lang="zh-TW" altLang="en-US"/>
           </a:p>
@@ -816,7 +816,7 @@
           <a:p>
             <a:fld id="{3E20FAF3-3B72-4A77-81E3-3A42C1E04649}" type="datetimeFigureOut">
               <a:rPr lang="zh-TW" altLang="en-US" smtClean="0"/>
-              <a:t>2019/10/17</a:t>
+              <a:t>2019/10/19</a:t>
             </a:fld>
             <a:endParaRPr lang="zh-TW" altLang="en-US"/>
           </a:p>
@@ -1062,7 +1062,7 @@
           <a:p>
             <a:fld id="{3E20FAF3-3B72-4A77-81E3-3A42C1E04649}" type="datetimeFigureOut">
               <a:rPr lang="zh-TW" altLang="en-US" smtClean="0"/>
-              <a:t>2019/10/17</a:t>
+              <a:t>2019/10/19</a:t>
             </a:fld>
             <a:endParaRPr lang="zh-TW" altLang="en-US"/>
           </a:p>
@@ -1350,7 +1350,7 @@
           <a:p>
             <a:fld id="{3E20FAF3-3B72-4A77-81E3-3A42C1E04649}" type="datetimeFigureOut">
               <a:rPr lang="zh-TW" altLang="en-US" smtClean="0"/>
-              <a:t>2019/10/17</a:t>
+              <a:t>2019/10/19</a:t>
             </a:fld>
             <a:endParaRPr lang="zh-TW" altLang="en-US"/>
           </a:p>
@@ -1772,7 +1772,7 @@
           <a:p>
             <a:fld id="{3E20FAF3-3B72-4A77-81E3-3A42C1E04649}" type="datetimeFigureOut">
               <a:rPr lang="zh-TW" altLang="en-US" smtClean="0"/>
-              <a:t>2019/10/17</a:t>
+              <a:t>2019/10/19</a:t>
             </a:fld>
             <a:endParaRPr lang="zh-TW" altLang="en-US"/>
           </a:p>
@@ -1890,7 +1890,7 @@
           <a:p>
             <a:fld id="{3E20FAF3-3B72-4A77-81E3-3A42C1E04649}" type="datetimeFigureOut">
               <a:rPr lang="zh-TW" altLang="en-US" smtClean="0"/>
-              <a:t>2019/10/17</a:t>
+              <a:t>2019/10/19</a:t>
             </a:fld>
             <a:endParaRPr lang="zh-TW" altLang="en-US"/>
           </a:p>
@@ -1985,7 +1985,7 @@
           <a:p>
             <a:fld id="{3E20FAF3-3B72-4A77-81E3-3A42C1E04649}" type="datetimeFigureOut">
               <a:rPr lang="zh-TW" altLang="en-US" smtClean="0"/>
-              <a:t>2019/10/17</a:t>
+              <a:t>2019/10/19</a:t>
             </a:fld>
             <a:endParaRPr lang="zh-TW" altLang="en-US"/>
           </a:p>
@@ -2262,7 +2262,7 @@
           <a:p>
             <a:fld id="{3E20FAF3-3B72-4A77-81E3-3A42C1E04649}" type="datetimeFigureOut">
               <a:rPr lang="zh-TW" altLang="en-US" smtClean="0"/>
-              <a:t>2019/10/17</a:t>
+              <a:t>2019/10/19</a:t>
             </a:fld>
             <a:endParaRPr lang="zh-TW" altLang="en-US"/>
           </a:p>
@@ -2519,7 +2519,7 @@
           <a:p>
             <a:fld id="{3E20FAF3-3B72-4A77-81E3-3A42C1E04649}" type="datetimeFigureOut">
               <a:rPr lang="zh-TW" altLang="en-US" smtClean="0"/>
-              <a:t>2019/10/17</a:t>
+              <a:t>2019/10/19</a:t>
             </a:fld>
             <a:endParaRPr lang="zh-TW" altLang="en-US"/>
           </a:p>
@@ -2737,7 +2737,7 @@
           <a:p>
             <a:fld id="{3E20FAF3-3B72-4A77-81E3-3A42C1E04649}" type="datetimeFigureOut">
               <a:rPr lang="zh-TW" altLang="en-US" smtClean="0"/>
-              <a:t>2019/10/17</a:t>
+              <a:t>2019/10/19</a:t>
             </a:fld>
             <a:endParaRPr lang="zh-TW" altLang="en-US"/>
           </a:p>
@@ -3169,18 +3169,55 @@
               <a:buNone/>
             </a:pPr>
             <a:r>
+              <a:rPr lang="zh-TW" altLang="zh-TW" sz="6000" b="1" dirty="0" smtClean="0">
+                <a:latin typeface="微軟正黑體" panose="020B0604030504040204" pitchFamily="34" charset="-120"/>
+                <a:ea typeface="微軟正黑體" panose="020B0604030504040204" pitchFamily="34" charset="-120"/>
+              </a:rPr>
+              <a:t>尊</a:t>
+            </a:r>
+            <a:r>
+              <a:rPr lang="zh-TW" altLang="zh-TW" sz="6000" b="1" dirty="0" smtClean="0">
+                <a:latin typeface="微軟正黑體" panose="020B0604030504040204" pitchFamily="34" charset="-120"/>
+                <a:ea typeface="微軟正黑體" panose="020B0604030504040204" pitchFamily="34" charset="-120"/>
+              </a:rPr>
+              <a:t>貴</a:t>
+            </a:r>
+            <a:r>
               <a:rPr lang="zh-TW" altLang="zh-TW" sz="6000" b="1" dirty="0">
                 <a:latin typeface="微軟正黑體" panose="020B0604030504040204" pitchFamily="34" charset="-120"/>
                 <a:ea typeface="微軟正黑體" panose="020B0604030504040204" pitchFamily="34" charset="-120"/>
               </a:rPr>
-              <a:t>我神真</a:t>
-            </a:r>
+              <a:t>榮耀君王 </a:t>
+            </a:r>
+            <a:endParaRPr lang="en-US" altLang="zh-TW" sz="6000" b="1" dirty="0" smtClean="0">
+              <a:latin typeface="微軟正黑體" panose="020B0604030504040204" pitchFamily="34" charset="-120"/>
+              <a:ea typeface="微軟正黑體" panose="020B0604030504040204" pitchFamily="34" charset="-120"/>
+            </a:endParaRPr>
+          </a:p>
+          <a:p>
+            <a:pPr marL="0" indent="0" algn="ctr">
+              <a:buNone/>
+            </a:pPr>
             <a:r>
               <a:rPr lang="zh-TW" altLang="zh-TW" sz="6000" b="1" dirty="0" smtClean="0">
                 <a:latin typeface="微軟正黑體" panose="020B0604030504040204" pitchFamily="34" charset="-120"/>
                 <a:ea typeface="微軟正黑體" panose="020B0604030504040204" pitchFamily="34" charset="-120"/>
               </a:rPr>
-              <a:t>偉大</a:t>
+              <a:t>在</a:t>
+            </a:r>
+            <a:r>
+              <a:rPr lang="zh-TW" altLang="zh-TW" sz="6000" b="1" dirty="0">
+                <a:latin typeface="微軟正黑體" panose="020B0604030504040204" pitchFamily="34" charset="-120"/>
+                <a:ea typeface="微軟正黑體" panose="020B0604030504040204" pitchFamily="34" charset="-120"/>
+              </a:rPr>
+              <a:t>全地</a:t>
+            </a:r>
+            <a:r>
+              <a:rPr lang="zh-TW" altLang="zh-TW" sz="6000" b="1" dirty="0" smtClean="0">
+                <a:latin typeface="微軟正黑體" panose="020B0604030504040204" pitchFamily="34" charset="-120"/>
+                <a:ea typeface="微軟正黑體" panose="020B0604030504040204" pitchFamily="34" charset="-120"/>
+              </a:rPr>
+              <a:t>之上</a:t>
             </a:r>
             <a:endParaRPr lang="en-US" altLang="zh-TW" sz="6000" b="1" dirty="0">
               <a:latin typeface="微軟正黑體" panose="020B0604030504040204" pitchFamily="34" charset="-120"/>
@@ -3196,14 +3233,21 @@
                 <a:latin typeface="微軟正黑體" panose="020B0604030504040204" pitchFamily="34" charset="-120"/>
                 <a:ea typeface="微軟正黑體" panose="020B0604030504040204" pitchFamily="34" charset="-120"/>
               </a:rPr>
-              <a:t>尊貴</a:t>
+              <a:t>願</a:t>
             </a:r>
             <a:r>
               <a:rPr lang="zh-TW" altLang="zh-TW" sz="6000" b="1" dirty="0">
                 <a:latin typeface="微軟正黑體" panose="020B0604030504040204" pitchFamily="34" charset="-120"/>
                 <a:ea typeface="微軟正黑體" panose="020B0604030504040204" pitchFamily="34" charset="-120"/>
               </a:rPr>
-              <a:t>榮耀君王 </a:t>
+              <a:t>萬民都喜</a:t>
+            </a:r>
+            <a:r>
+              <a:rPr lang="zh-TW" altLang="zh-TW" sz="6000" b="1" dirty="0" smtClean="0">
+                <a:latin typeface="微軟正黑體" panose="020B0604030504040204" pitchFamily="34" charset="-120"/>
+                <a:ea typeface="微軟正黑體" panose="020B0604030504040204" pitchFamily="34" charset="-120"/>
+              </a:rPr>
+              <a:t>樂</a:t>
             </a:r>
             <a:endParaRPr lang="en-US" altLang="zh-TW" sz="6000" b="1" dirty="0" smtClean="0">
               <a:latin typeface="微軟正黑體" panose="020B0604030504040204" pitchFamily="34" charset="-120"/>
@@ -3215,50 +3259,20 @@
               <a:buNone/>
             </a:pPr>
             <a:r>
+              <a:rPr lang="zh-TW" altLang="zh-TW" sz="6000" b="1" dirty="0">
+                <a:latin typeface="微軟正黑體" panose="020B0604030504040204" pitchFamily="34" charset="-120"/>
+                <a:ea typeface="微軟正黑體" panose="020B0604030504040204" pitchFamily="34" charset="-120"/>
+              </a:rPr>
+              <a:t>全地都喜</a:t>
+            </a:r>
+            <a:r>
               <a:rPr lang="zh-TW" altLang="zh-TW" sz="6000" b="1" dirty="0" smtClean="0">
                 <a:latin typeface="微軟正黑體" panose="020B0604030504040204" pitchFamily="34" charset="-120"/>
                 <a:ea typeface="微軟正黑體" panose="020B0604030504040204" pitchFamily="34" charset="-120"/>
               </a:rPr>
-              <a:t>在</a:t>
-            </a:r>
-            <a:r>
-              <a:rPr lang="zh-TW" altLang="zh-TW" sz="6000" b="1" dirty="0">
-                <a:latin typeface="微軟正黑體" panose="020B0604030504040204" pitchFamily="34" charset="-120"/>
-                <a:ea typeface="微軟正黑體" panose="020B0604030504040204" pitchFamily="34" charset="-120"/>
-              </a:rPr>
-              <a:t>全地</a:t>
-            </a:r>
-            <a:r>
-              <a:rPr lang="zh-TW" altLang="zh-TW" sz="6000" b="1" dirty="0" smtClean="0">
-                <a:latin typeface="微軟正黑體" panose="020B0604030504040204" pitchFamily="34" charset="-120"/>
-                <a:ea typeface="微軟正黑體" panose="020B0604030504040204" pitchFamily="34" charset="-120"/>
-              </a:rPr>
-              <a:t>之上</a:t>
+              <a:t>樂</a:t>
             </a:r>
             <a:endParaRPr lang="en-US" altLang="zh-TW" sz="6000" b="1" dirty="0">
-              <a:latin typeface="微軟正黑體" panose="020B0604030504040204" pitchFamily="34" charset="-120"/>
-              <a:ea typeface="微軟正黑體" panose="020B0604030504040204" pitchFamily="34" charset="-120"/>
-            </a:endParaRPr>
-          </a:p>
-          <a:p>
-            <a:pPr marL="0" indent="0" algn="ctr">
-              <a:buNone/>
-            </a:pPr>
-            <a:r>
-              <a:rPr lang="zh-TW" altLang="zh-TW" sz="6000" b="1" dirty="0" smtClean="0">
-                <a:latin typeface="微軟正黑體" panose="020B0604030504040204" pitchFamily="34" charset="-120"/>
-                <a:ea typeface="微軟正黑體" panose="020B0604030504040204" pitchFamily="34" charset="-120"/>
-              </a:rPr>
-              <a:t>願</a:t>
-            </a:r>
-            <a:r>
-              <a:rPr lang="zh-TW" altLang="zh-TW" sz="6000" b="1" dirty="0">
-                <a:latin typeface="微軟正黑體" panose="020B0604030504040204" pitchFamily="34" charset="-120"/>
-                <a:ea typeface="微軟正黑體" panose="020B0604030504040204" pitchFamily="34" charset="-120"/>
-              </a:rPr>
-              <a:t>萬民都喜樂</a:t>
-            </a:r>
-            <a:endParaRPr lang="zh-TW" altLang="en-US" sz="6000" b="1" dirty="0">
               <a:latin typeface="微軟正黑體" panose="020B0604030504040204" pitchFamily="34" charset="-120"/>
               <a:ea typeface="微軟正黑體" panose="020B0604030504040204" pitchFamily="34" charset="-120"/>
             </a:endParaRPr>
@@ -3388,18 +3402,18 @@
               <a:buNone/>
             </a:pPr>
             <a:r>
+              <a:rPr lang="zh-TW" altLang="zh-TW" sz="6000" b="1" dirty="0" smtClean="0">
+                <a:latin typeface="微軟正黑體" panose="020B0604030504040204" pitchFamily="34" charset="-120"/>
+                <a:ea typeface="微軟正黑體" panose="020B0604030504040204" pitchFamily="34" charset="-120"/>
+              </a:rPr>
+              <a:t>主</a:t>
+            </a:r>
+            <a:r>
               <a:rPr lang="zh-TW" altLang="zh-TW" sz="6000" b="1" dirty="0">
                 <a:latin typeface="微軟正黑體" panose="020B0604030504040204" pitchFamily="34" charset="-120"/>
                 <a:ea typeface="微軟正黑體" panose="020B0604030504040204" pitchFamily="34" charset="-120"/>
               </a:rPr>
-              <a:t>全地都</a:t>
-            </a:r>
-            <a:r>
-              <a:rPr lang="zh-TW" altLang="zh-TW" sz="6000" b="1" dirty="0">
-                <a:latin typeface="微軟正黑體" panose="020B0604030504040204" pitchFamily="34" charset="-120"/>
-                <a:ea typeface="微軟正黑體" panose="020B0604030504040204" pitchFamily="34" charset="-120"/>
-              </a:rPr>
-              <a:t>喜樂</a:t>
+              <a:t>你滿有榮光 </a:t>
             </a:r>
             <a:endParaRPr lang="en-US" altLang="zh-TW" sz="6000" b="1" dirty="0">
               <a:latin typeface="微軟正黑體" panose="020B0604030504040204" pitchFamily="34" charset="-120"/>
@@ -3415,14 +3429,7 @@
                 <a:latin typeface="微軟正黑體" panose="020B0604030504040204" pitchFamily="34" charset="-120"/>
                 <a:ea typeface="微軟正黑體" panose="020B0604030504040204" pitchFamily="34" charset="-120"/>
               </a:rPr>
-              <a:t>主</a:t>
-            </a:r>
-            <a:r>
-              <a:rPr lang="zh-TW" altLang="zh-TW" sz="6000" b="1" dirty="0">
-                <a:latin typeface="微軟正黑體" panose="020B0604030504040204" pitchFamily="34" charset="-120"/>
-                <a:ea typeface="微軟正黑體" panose="020B0604030504040204" pitchFamily="34" charset="-120"/>
-              </a:rPr>
-              <a:t>你滿有榮光 </a:t>
+              <a:t>黑暗都躲藏</a:t>
             </a:r>
             <a:endParaRPr lang="en-US" altLang="zh-TW" sz="6000" b="1" dirty="0">
               <a:latin typeface="微軟正黑體" panose="020B0604030504040204" pitchFamily="34" charset="-120"/>
@@ -3438,23 +3445,16 @@
                 <a:latin typeface="微軟正黑體" panose="020B0604030504040204" pitchFamily="34" charset="-120"/>
                 <a:ea typeface="微軟正黑體" panose="020B0604030504040204" pitchFamily="34" charset="-120"/>
               </a:rPr>
-              <a:t>黑暗</a:t>
-            </a:r>
-            <a:r>
-              <a:rPr lang="zh-TW" altLang="zh-TW" sz="6000" b="1" dirty="0">
-                <a:latin typeface="微軟正黑體" panose="020B0604030504040204" pitchFamily="34" charset="-120"/>
-                <a:ea typeface="微軟正黑體" panose="020B0604030504040204" pitchFamily="34" charset="-120"/>
-              </a:rPr>
-              <a:t>都</a:t>
-            </a:r>
-            <a:r>
-              <a:rPr lang="zh-TW" altLang="zh-TW" sz="6000" b="1" dirty="0">
-                <a:latin typeface="微軟正黑體" panose="020B0604030504040204" pitchFamily="34" charset="-120"/>
-                <a:ea typeface="微軟正黑體" panose="020B0604030504040204" pitchFamily="34" charset="-120"/>
-              </a:rPr>
-              <a:t>躲藏</a:t>
-            </a:r>
-            <a:endParaRPr lang="en-US" altLang="zh-TW" sz="6000" b="1" dirty="0">
+              <a:t>萬民高聲唱</a:t>
+            </a:r>
+            <a:r>
+              <a:rPr lang="en-US" altLang="zh-TW" sz="6000" b="1" dirty="0">
+                <a:latin typeface="微軟正黑體" panose="020B0604030504040204" pitchFamily="34" charset="-120"/>
+                <a:ea typeface="微軟正黑體" panose="020B0604030504040204" pitchFamily="34" charset="-120"/>
+              </a:rPr>
+              <a:t>  </a:t>
+            </a:r>
+            <a:endParaRPr lang="en-US" altLang="zh-TW" sz="6000" b="1" dirty="0" smtClean="0">
               <a:latin typeface="微軟正黑體" panose="020B0604030504040204" pitchFamily="34" charset="-120"/>
               <a:ea typeface="微軟正黑體" panose="020B0604030504040204" pitchFamily="34" charset="-120"/>
             </a:endParaRPr>
@@ -3464,35 +3464,7 @@
               <a:buNone/>
             </a:pPr>
             <a:r>
-              <a:rPr lang="zh-TW" altLang="zh-TW" sz="6000" b="1" dirty="0">
-                <a:latin typeface="微軟正黑體" panose="020B0604030504040204" pitchFamily="34" charset="-120"/>
-                <a:ea typeface="微軟正黑體" panose="020B0604030504040204" pitchFamily="34" charset="-120"/>
-              </a:rPr>
-              <a:t>萬</a:t>
-            </a:r>
-            <a:r>
-              <a:rPr lang="zh-TW" altLang="zh-TW" sz="6000" b="1" dirty="0">
-                <a:latin typeface="微軟正黑體" panose="020B0604030504040204" pitchFamily="34" charset="-120"/>
-                <a:ea typeface="微軟正黑體" panose="020B0604030504040204" pitchFamily="34" charset="-120"/>
-              </a:rPr>
-              <a:t>民高聲</a:t>
-            </a:r>
-            <a:r>
-              <a:rPr lang="zh-TW" altLang="zh-TW" sz="6000" b="1" dirty="0">
-                <a:latin typeface="微軟正黑體" panose="020B0604030504040204" pitchFamily="34" charset="-120"/>
-                <a:ea typeface="微軟正黑體" panose="020B0604030504040204" pitchFamily="34" charset="-120"/>
-              </a:rPr>
-              <a:t>唱</a:t>
-            </a:r>
-            <a:r>
-              <a:rPr lang="en-US" altLang="zh-TW" sz="6000" b="1" dirty="0">
-                <a:latin typeface="微軟正黑體" panose="020B0604030504040204" pitchFamily="34" charset="-120"/>
-                <a:ea typeface="微軟正黑體" panose="020B0604030504040204" pitchFamily="34" charset="-120"/>
-              </a:rPr>
-              <a:t>  </a:t>
-            </a:r>
-            <a:r>
-              <a:rPr lang="zh-TW" altLang="zh-TW" sz="6000" b="1" dirty="0">
+              <a:rPr lang="zh-TW" altLang="zh-TW" sz="6000" b="1" dirty="0" smtClean="0">
                 <a:latin typeface="微軟正黑體" panose="020B0604030504040204" pitchFamily="34" charset="-120"/>
                 <a:ea typeface="微軟正黑體" panose="020B0604030504040204" pitchFamily="34" charset="-120"/>
               </a:rPr>
@@ -3639,14 +3611,33 @@
                 <a:latin typeface="微軟正黑體" panose="020B0604030504040204" pitchFamily="34" charset="-120"/>
                 <a:ea typeface="微軟正黑體" panose="020B0604030504040204" pitchFamily="34" charset="-120"/>
               </a:rPr>
-              <a:t>我</a:t>
+              <a:t>我神</a:t>
+            </a:r>
+            <a:r>
+              <a:rPr lang="en-US" altLang="zh-TW" sz="6000" b="1" dirty="0">
+                <a:latin typeface="微軟正黑體" panose="020B0604030504040204" pitchFamily="34" charset="-120"/>
+                <a:ea typeface="微軟正黑體" panose="020B0604030504040204" pitchFamily="34" charset="-120"/>
+              </a:rPr>
+              <a:t>  </a:t>
             </a:r>
             <a:r>
               <a:rPr lang="zh-TW" altLang="zh-TW" sz="6000" b="1" dirty="0">
                 <a:latin typeface="微軟正黑體" panose="020B0604030504040204" pitchFamily="34" charset="-120"/>
                 <a:ea typeface="微軟正黑體" panose="020B0604030504040204" pitchFamily="34" charset="-120"/>
               </a:rPr>
-              <a:t>神</a:t>
+              <a:t>真偉大</a:t>
+            </a:r>
+          </a:p>
+          <a:p>
+            <a:pPr marL="0" indent="0" algn="ctr">
+              <a:buNone/>
+            </a:pPr>
+            <a:r>
+              <a:rPr lang="zh-TW" altLang="zh-TW" sz="6000" b="1" dirty="0">
+                <a:latin typeface="微軟正黑體" panose="020B0604030504040204" pitchFamily="34" charset="-120"/>
+                <a:ea typeface="微軟正黑體" panose="020B0604030504040204" pitchFamily="34" charset="-120"/>
+              </a:rPr>
+              <a:t>歌頌你聖名</a:t>
             </a:r>
             <a:r>
               <a:rPr lang="en-US" altLang="zh-TW" sz="6000" b="1" dirty="0">
@@ -3662,10 +3653,6 @@
               </a:rPr>
               <a:t>真偉大</a:t>
             </a:r>
-            <a:endParaRPr lang="zh-TW" altLang="zh-TW" sz="6000" b="1" dirty="0">
-              <a:latin typeface="微軟正黑體" panose="020B0604030504040204" pitchFamily="34" charset="-120"/>
-              <a:ea typeface="微軟正黑體" panose="020B0604030504040204" pitchFamily="34" charset="-120"/>
-            </a:endParaRPr>
           </a:p>
           <a:p>
             <a:pPr marL="0" indent="0" algn="ctr">
@@ -3676,54 +3663,7 @@
                 <a:latin typeface="微軟正黑體" panose="020B0604030504040204" pitchFamily="34" charset="-120"/>
                 <a:ea typeface="微軟正黑體" panose="020B0604030504040204" pitchFamily="34" charset="-120"/>
               </a:rPr>
-              <a:t>歌頌你聖</a:t>
-            </a:r>
-            <a:r>
-              <a:rPr lang="zh-TW" altLang="zh-TW" sz="6000" b="1" dirty="0">
-                <a:latin typeface="微軟正黑體" panose="020B0604030504040204" pitchFamily="34" charset="-120"/>
-                <a:ea typeface="微軟正黑體" panose="020B0604030504040204" pitchFamily="34" charset="-120"/>
-              </a:rPr>
-              <a:t>名</a:t>
-            </a:r>
-            <a:r>
-              <a:rPr lang="en-US" altLang="zh-TW" sz="6000" b="1" dirty="0">
-                <a:latin typeface="微軟正黑體" panose="020B0604030504040204" pitchFamily="34" charset="-120"/>
-                <a:ea typeface="微軟正黑體" panose="020B0604030504040204" pitchFamily="34" charset="-120"/>
-              </a:rPr>
-              <a:t>  </a:t>
-            </a:r>
-            <a:r>
-              <a:rPr lang="zh-TW" altLang="zh-TW" sz="6000" b="1" dirty="0">
-                <a:latin typeface="微軟正黑體" panose="020B0604030504040204" pitchFamily="34" charset="-120"/>
-                <a:ea typeface="微軟正黑體" panose="020B0604030504040204" pitchFamily="34" charset="-120"/>
-              </a:rPr>
-              <a:t>真</a:t>
-            </a:r>
-            <a:r>
-              <a:rPr lang="zh-TW" altLang="zh-TW" sz="6000" b="1" dirty="0">
-                <a:latin typeface="微軟正黑體" panose="020B0604030504040204" pitchFamily="34" charset="-120"/>
-                <a:ea typeface="微軟正黑體" panose="020B0604030504040204" pitchFamily="34" charset="-120"/>
-              </a:rPr>
-              <a:t>偉大</a:t>
-            </a:r>
-          </a:p>
-          <a:p>
-            <a:pPr marL="0" indent="0" algn="ctr">
-              <a:buNone/>
-            </a:pPr>
-            <a:r>
-              <a:rPr lang="zh-TW" altLang="zh-TW" sz="6000" b="1" dirty="0">
-                <a:latin typeface="微軟正黑體" panose="020B0604030504040204" pitchFamily="34" charset="-120"/>
-                <a:ea typeface="微軟正黑體" panose="020B0604030504040204" pitchFamily="34" charset="-120"/>
-              </a:rPr>
-              <a:t>全地都</a:t>
-            </a:r>
-            <a:r>
-              <a:rPr lang="zh-TW" altLang="zh-TW" sz="6000" b="1" dirty="0">
-                <a:latin typeface="微軟正黑體" panose="020B0604030504040204" pitchFamily="34" charset="-120"/>
-                <a:ea typeface="微軟正黑體" panose="020B0604030504040204" pitchFamily="34" charset="-120"/>
-              </a:rPr>
-              <a:t>看見我神</a:t>
+              <a:t>全地都看見我神</a:t>
             </a:r>
             <a:r>
               <a:rPr lang="en-US" altLang="zh-TW" sz="6000" b="1" dirty="0">
@@ -3846,14 +3786,7 @@
                 <a:latin typeface="微軟正黑體" panose="020B0604030504040204" pitchFamily="34" charset="-120"/>
                 <a:ea typeface="微軟正黑體" panose="020B0604030504040204" pitchFamily="34" charset="-120"/>
               </a:rPr>
-              <a:t>你至聖尊</a:t>
-            </a:r>
-            <a:r>
-              <a:rPr lang="zh-TW" altLang="zh-TW" sz="6000" b="1" dirty="0">
-                <a:latin typeface="微軟正黑體" panose="020B0604030504040204" pitchFamily="34" charset="-120"/>
-                <a:ea typeface="微軟正黑體" panose="020B0604030504040204" pitchFamily="34" charset="-120"/>
-              </a:rPr>
-              <a:t>名</a:t>
+              <a:t>你至聖尊名</a:t>
             </a:r>
             <a:endParaRPr lang="en-US" altLang="zh-TW" sz="6000" b="1" dirty="0">
               <a:latin typeface="微軟正黑體" panose="020B0604030504040204" pitchFamily="34" charset="-120"/>
@@ -3869,21 +3802,7 @@
                 <a:latin typeface="微軟正黑體" panose="020B0604030504040204" pitchFamily="34" charset="-120"/>
                 <a:ea typeface="微軟正黑體" panose="020B0604030504040204" pitchFamily="34" charset="-120"/>
               </a:rPr>
-              <a:t>配</a:t>
-            </a:r>
-            <a:r>
-              <a:rPr lang="zh-TW" altLang="zh-TW" sz="6000" b="1" dirty="0">
-                <a:latin typeface="微軟正黑體" panose="020B0604030504040204" pitchFamily="34" charset="-120"/>
-                <a:ea typeface="微軟正黑體" panose="020B0604030504040204" pitchFamily="34" charset="-120"/>
-              </a:rPr>
-              <a:t>受大</a:t>
-            </a:r>
-            <a:r>
-              <a:rPr lang="zh-TW" altLang="zh-TW" sz="6000" b="1" dirty="0">
-                <a:latin typeface="微軟正黑體" panose="020B0604030504040204" pitchFamily="34" charset="-120"/>
-                <a:ea typeface="微軟正黑體" panose="020B0604030504040204" pitchFamily="34" charset="-120"/>
-              </a:rPr>
-              <a:t>讚美</a:t>
+              <a:t>配受大讚美</a:t>
             </a:r>
             <a:endParaRPr lang="en-US" altLang="zh-TW" sz="6000" b="1" dirty="0">
               <a:latin typeface="微軟正黑體" panose="020B0604030504040204" pitchFamily="34" charset="-120"/>
@@ -3899,14 +3818,7 @@
                 <a:latin typeface="微軟正黑體" panose="020B0604030504040204" pitchFamily="34" charset="-120"/>
                 <a:ea typeface="微軟正黑體" panose="020B0604030504040204" pitchFamily="34" charset="-120"/>
               </a:rPr>
-              <a:t>全心</a:t>
-            </a:r>
-            <a:r>
-              <a:rPr lang="zh-TW" altLang="zh-TW" sz="6000" b="1" dirty="0">
-                <a:latin typeface="微軟正黑體" panose="020B0604030504040204" pitchFamily="34" charset="-120"/>
-                <a:ea typeface="微軟正黑體" panose="020B0604030504040204" pitchFamily="34" charset="-120"/>
-              </a:rPr>
-              <a:t>歌頌</a:t>
+              <a:t>全心歌頌</a:t>
             </a:r>
             <a:r>
               <a:rPr lang="en-US" altLang="zh-TW" sz="6000" b="1" dirty="0">
@@ -4057,21 +3969,7 @@
                 <a:latin typeface="微軟正黑體" panose="020B0604030504040204" pitchFamily="34" charset="-120"/>
                 <a:ea typeface="微軟正黑體" panose="020B0604030504040204" pitchFamily="34" charset="-120"/>
               </a:rPr>
-              <a:t>從</a:t>
-            </a:r>
-            <a:r>
-              <a:rPr lang="zh-TW" altLang="zh-TW" sz="6000" b="1" dirty="0">
-                <a:latin typeface="微軟正黑體" panose="020B0604030504040204" pitchFamily="34" charset="-120"/>
-                <a:ea typeface="微軟正黑體" panose="020B0604030504040204" pitchFamily="34" charset="-120"/>
-              </a:rPr>
-              <a:t>今直到</a:t>
-            </a:r>
-            <a:r>
-              <a:rPr lang="zh-TW" altLang="zh-TW" sz="6000" b="1" dirty="0">
-                <a:latin typeface="微軟正黑體" panose="020B0604030504040204" pitchFamily="34" charset="-120"/>
-                <a:ea typeface="微軟正黑體" panose="020B0604030504040204" pitchFamily="34" charset="-120"/>
-              </a:rPr>
-              <a:t>永遠</a:t>
+              <a:t>從今直到永遠</a:t>
             </a:r>
             <a:endParaRPr lang="en-US" altLang="zh-TW" sz="6000" b="1" dirty="0">
               <a:latin typeface="微軟正黑體" panose="020B0604030504040204" pitchFamily="34" charset="-120"/>
@@ -4087,14 +3985,7 @@
                 <a:latin typeface="微軟正黑體" panose="020B0604030504040204" pitchFamily="34" charset="-120"/>
                 <a:ea typeface="微軟正黑體" panose="020B0604030504040204" pitchFamily="34" charset="-120"/>
               </a:rPr>
-              <a:t>你</a:t>
-            </a:r>
-            <a:r>
-              <a:rPr lang="zh-TW" altLang="zh-TW" sz="6000" b="1" dirty="0">
-                <a:latin typeface="微軟正黑體" panose="020B0604030504040204" pitchFamily="34" charset="-120"/>
-                <a:ea typeface="微軟正黑體" panose="020B0604030504040204" pitchFamily="34" charset="-120"/>
-              </a:rPr>
-              <a:t>從不曾改變 </a:t>
+              <a:t>你從不曾改變 </a:t>
             </a:r>
             <a:endParaRPr lang="en-US" altLang="zh-TW" sz="6000" b="1" dirty="0">
               <a:latin typeface="微軟正黑體" panose="020B0604030504040204" pitchFamily="34" charset="-120"/>
@@ -4110,14 +4001,7 @@
                 <a:latin typeface="微軟正黑體" panose="020B0604030504040204" pitchFamily="34" charset="-120"/>
                 <a:ea typeface="微軟正黑體" panose="020B0604030504040204" pitchFamily="34" charset="-120"/>
               </a:rPr>
-              <a:t>永</a:t>
-            </a:r>
-            <a:r>
-              <a:rPr lang="zh-TW" altLang="zh-TW" sz="6000" b="1" dirty="0">
-                <a:latin typeface="微軟正黑體" panose="020B0604030504040204" pitchFamily="34" charset="-120"/>
-                <a:ea typeface="微軟正黑體" panose="020B0604030504040204" pitchFamily="34" charset="-120"/>
-              </a:rPr>
-              <a:t>存在天地間</a:t>
+              <a:t>永存在天地間</a:t>
             </a:r>
             <a:endParaRPr lang="zh-TW" altLang="en-US" sz="6000" b="1" dirty="0">
               <a:latin typeface="微軟正黑體" panose="020B0604030504040204" pitchFamily="34" charset="-120"/>
@@ -4276,21 +4160,7 @@
                 <a:latin typeface="微軟正黑體" panose="020B0604030504040204" pitchFamily="34" charset="-120"/>
                 <a:ea typeface="微軟正黑體" panose="020B0604030504040204" pitchFamily="34" charset="-120"/>
               </a:rPr>
-              <a:t>父子</a:t>
-            </a:r>
-            <a:r>
-              <a:rPr lang="zh-TW" altLang="zh-TW" sz="6000" b="1" dirty="0">
-                <a:latin typeface="微軟正黑體" panose="020B0604030504040204" pitchFamily="34" charset="-120"/>
-                <a:ea typeface="微軟正黑體" panose="020B0604030504040204" pitchFamily="34" charset="-120"/>
-              </a:rPr>
-              <a:t>與</a:t>
-            </a:r>
-            <a:r>
-              <a:rPr lang="zh-TW" altLang="zh-TW" sz="6000" b="1" dirty="0">
-                <a:latin typeface="微軟正黑體" panose="020B0604030504040204" pitchFamily="34" charset="-120"/>
-                <a:ea typeface="微軟正黑體" panose="020B0604030504040204" pitchFamily="34" charset="-120"/>
-              </a:rPr>
-              <a:t>聖靈</a:t>
+              <a:t>父子與聖靈</a:t>
             </a:r>
             <a:endParaRPr lang="en-US" altLang="zh-TW" sz="6000" b="1" dirty="0">
               <a:latin typeface="微軟正黑體" panose="020B0604030504040204" pitchFamily="34" charset="-120"/>
@@ -4306,14 +4176,7 @@
                 <a:latin typeface="微軟正黑體" panose="020B0604030504040204" pitchFamily="34" charset="-120"/>
                 <a:ea typeface="微軟正黑體" panose="020B0604030504040204" pitchFamily="34" charset="-120"/>
               </a:rPr>
-              <a:t>真神</a:t>
-            </a:r>
-            <a:r>
-              <a:rPr lang="zh-TW" altLang="zh-TW" sz="6000" b="1" dirty="0">
-                <a:latin typeface="微軟正黑體" panose="020B0604030504040204" pitchFamily="34" charset="-120"/>
-                <a:ea typeface="微軟正黑體" panose="020B0604030504040204" pitchFamily="34" charset="-120"/>
-              </a:rPr>
-              <a:t>的羔羊 </a:t>
+              <a:t>真神的羔羊 </a:t>
             </a:r>
             <a:endParaRPr lang="en-US" altLang="zh-TW" sz="6000" b="1" dirty="0">
               <a:latin typeface="微軟正黑體" panose="020B0604030504040204" pitchFamily="34" charset="-120"/>
@@ -4329,14 +4192,7 @@
                 <a:latin typeface="微軟正黑體" panose="020B0604030504040204" pitchFamily="34" charset="-120"/>
                 <a:ea typeface="微軟正黑體" panose="020B0604030504040204" pitchFamily="34" charset="-120"/>
               </a:rPr>
-              <a:t>全能</a:t>
-            </a:r>
-            <a:r>
-              <a:rPr lang="zh-TW" altLang="zh-TW" sz="6000" b="1" dirty="0">
-                <a:latin typeface="微軟正黑體" panose="020B0604030504040204" pitchFamily="34" charset="-120"/>
-                <a:ea typeface="微軟正黑體" panose="020B0604030504040204" pitchFamily="34" charset="-120"/>
-              </a:rPr>
-              <a:t>神羔羊</a:t>
+              <a:t>全能神羔羊</a:t>
             </a:r>
             <a:endParaRPr lang="zh-TW" altLang="en-US" sz="6000" b="1" dirty="0">
               <a:latin typeface="微軟正黑體" panose="020B0604030504040204" pitchFamily="34" charset="-120"/>
@@ -4479,14 +4335,33 @@
                 <a:latin typeface="微軟正黑體" panose="020B0604030504040204" pitchFamily="34" charset="-120"/>
                 <a:ea typeface="微軟正黑體" panose="020B0604030504040204" pitchFamily="34" charset="-120"/>
               </a:rPr>
-              <a:t>我</a:t>
+              <a:t>我神</a:t>
+            </a:r>
+            <a:r>
+              <a:rPr lang="en-US" altLang="zh-TW" sz="6000" b="1" dirty="0">
+                <a:latin typeface="微軟正黑體" panose="020B0604030504040204" pitchFamily="34" charset="-120"/>
+                <a:ea typeface="微軟正黑體" panose="020B0604030504040204" pitchFamily="34" charset="-120"/>
+              </a:rPr>
+              <a:t>  </a:t>
             </a:r>
             <a:r>
               <a:rPr lang="zh-TW" altLang="zh-TW" sz="6000" b="1" dirty="0">
                 <a:latin typeface="微軟正黑體" panose="020B0604030504040204" pitchFamily="34" charset="-120"/>
                 <a:ea typeface="微軟正黑體" panose="020B0604030504040204" pitchFamily="34" charset="-120"/>
               </a:rPr>
-              <a:t>神</a:t>
+              <a:t>真偉大</a:t>
+            </a:r>
+          </a:p>
+          <a:p>
+            <a:pPr marL="0" indent="0" algn="ctr">
+              <a:buNone/>
+            </a:pPr>
+            <a:r>
+              <a:rPr lang="zh-TW" altLang="zh-TW" sz="6000" b="1" dirty="0">
+                <a:latin typeface="微軟正黑體" panose="020B0604030504040204" pitchFamily="34" charset="-120"/>
+                <a:ea typeface="微軟正黑體" panose="020B0604030504040204" pitchFamily="34" charset="-120"/>
+              </a:rPr>
+              <a:t>歌頌你聖名</a:t>
             </a:r>
             <a:r>
               <a:rPr lang="en-US" altLang="zh-TW" sz="6000" b="1" dirty="0">
@@ -4502,10 +4377,6 @@
               </a:rPr>
               <a:t>真偉大</a:t>
             </a:r>
-            <a:endParaRPr lang="zh-TW" altLang="zh-TW" sz="6000" b="1" dirty="0">
-              <a:latin typeface="微軟正黑體" panose="020B0604030504040204" pitchFamily="34" charset="-120"/>
-              <a:ea typeface="微軟正黑體" panose="020B0604030504040204" pitchFamily="34" charset="-120"/>
-            </a:endParaRPr>
           </a:p>
           <a:p>
             <a:pPr marL="0" indent="0" algn="ctr">
@@ -4516,54 +4387,7 @@
                 <a:latin typeface="微軟正黑體" panose="020B0604030504040204" pitchFamily="34" charset="-120"/>
                 <a:ea typeface="微軟正黑體" panose="020B0604030504040204" pitchFamily="34" charset="-120"/>
               </a:rPr>
-              <a:t>歌頌你聖</a:t>
-            </a:r>
-            <a:r>
-              <a:rPr lang="zh-TW" altLang="zh-TW" sz="6000" b="1" dirty="0">
-                <a:latin typeface="微軟正黑體" panose="020B0604030504040204" pitchFamily="34" charset="-120"/>
-                <a:ea typeface="微軟正黑體" panose="020B0604030504040204" pitchFamily="34" charset="-120"/>
-              </a:rPr>
-              <a:t>名</a:t>
-            </a:r>
-            <a:r>
-              <a:rPr lang="en-US" altLang="zh-TW" sz="6000" b="1" dirty="0">
-                <a:latin typeface="微軟正黑體" panose="020B0604030504040204" pitchFamily="34" charset="-120"/>
-                <a:ea typeface="微軟正黑體" panose="020B0604030504040204" pitchFamily="34" charset="-120"/>
-              </a:rPr>
-              <a:t>  </a:t>
-            </a:r>
-            <a:r>
-              <a:rPr lang="zh-TW" altLang="zh-TW" sz="6000" b="1" dirty="0">
-                <a:latin typeface="微軟正黑體" panose="020B0604030504040204" pitchFamily="34" charset="-120"/>
-                <a:ea typeface="微軟正黑體" panose="020B0604030504040204" pitchFamily="34" charset="-120"/>
-              </a:rPr>
-              <a:t>真</a:t>
-            </a:r>
-            <a:r>
-              <a:rPr lang="zh-TW" altLang="zh-TW" sz="6000" b="1" dirty="0">
-                <a:latin typeface="微軟正黑體" panose="020B0604030504040204" pitchFamily="34" charset="-120"/>
-                <a:ea typeface="微軟正黑體" panose="020B0604030504040204" pitchFamily="34" charset="-120"/>
-              </a:rPr>
-              <a:t>偉大</a:t>
-            </a:r>
-          </a:p>
-          <a:p>
-            <a:pPr marL="0" indent="0" algn="ctr">
-              <a:buNone/>
-            </a:pPr>
-            <a:r>
-              <a:rPr lang="zh-TW" altLang="zh-TW" sz="6000" b="1" dirty="0">
-                <a:latin typeface="微軟正黑體" panose="020B0604030504040204" pitchFamily="34" charset="-120"/>
-                <a:ea typeface="微軟正黑體" panose="020B0604030504040204" pitchFamily="34" charset="-120"/>
-              </a:rPr>
-              <a:t>全地都</a:t>
-            </a:r>
-            <a:r>
-              <a:rPr lang="zh-TW" altLang="zh-TW" sz="6000" b="1" dirty="0">
-                <a:latin typeface="微軟正黑體" panose="020B0604030504040204" pitchFamily="34" charset="-120"/>
-                <a:ea typeface="微軟正黑體" panose="020B0604030504040204" pitchFamily="34" charset="-120"/>
-              </a:rPr>
-              <a:t>看見我神</a:t>
+              <a:t>全地都看見我神</a:t>
             </a:r>
             <a:r>
               <a:rPr lang="en-US" altLang="zh-TW" sz="6000" b="1" dirty="0">
@@ -4686,14 +4510,7 @@
                 <a:latin typeface="微軟正黑體" panose="020B0604030504040204" pitchFamily="34" charset="-120"/>
                 <a:ea typeface="微軟正黑體" panose="020B0604030504040204" pitchFamily="34" charset="-120"/>
               </a:rPr>
-              <a:t>你至聖尊</a:t>
-            </a:r>
-            <a:r>
-              <a:rPr lang="zh-TW" altLang="zh-TW" sz="6000" b="1" dirty="0">
-                <a:latin typeface="微軟正黑體" panose="020B0604030504040204" pitchFamily="34" charset="-120"/>
-                <a:ea typeface="微軟正黑體" panose="020B0604030504040204" pitchFamily="34" charset="-120"/>
-              </a:rPr>
-              <a:t>名</a:t>
+              <a:t>你至聖尊名</a:t>
             </a:r>
             <a:endParaRPr lang="en-US" altLang="zh-TW" sz="6000" b="1" dirty="0">
               <a:latin typeface="微軟正黑體" panose="020B0604030504040204" pitchFamily="34" charset="-120"/>
@@ -4709,21 +4526,7 @@
                 <a:latin typeface="微軟正黑體" panose="020B0604030504040204" pitchFamily="34" charset="-120"/>
                 <a:ea typeface="微軟正黑體" panose="020B0604030504040204" pitchFamily="34" charset="-120"/>
               </a:rPr>
-              <a:t>配</a:t>
-            </a:r>
-            <a:r>
-              <a:rPr lang="zh-TW" altLang="zh-TW" sz="6000" b="1" dirty="0">
-                <a:latin typeface="微軟正黑體" panose="020B0604030504040204" pitchFamily="34" charset="-120"/>
-                <a:ea typeface="微軟正黑體" panose="020B0604030504040204" pitchFamily="34" charset="-120"/>
-              </a:rPr>
-              <a:t>受大</a:t>
-            </a:r>
-            <a:r>
-              <a:rPr lang="zh-TW" altLang="zh-TW" sz="6000" b="1" dirty="0">
-                <a:latin typeface="微軟正黑體" panose="020B0604030504040204" pitchFamily="34" charset="-120"/>
-                <a:ea typeface="微軟正黑體" panose="020B0604030504040204" pitchFamily="34" charset="-120"/>
-              </a:rPr>
-              <a:t>讚美</a:t>
+              <a:t>配受大讚美</a:t>
             </a:r>
             <a:endParaRPr lang="en-US" altLang="zh-TW" sz="6000" b="1" dirty="0">
               <a:latin typeface="微軟正黑體" panose="020B0604030504040204" pitchFamily="34" charset="-120"/>
@@ -4739,14 +4542,7 @@
                 <a:latin typeface="微軟正黑體" panose="020B0604030504040204" pitchFamily="34" charset="-120"/>
                 <a:ea typeface="微軟正黑體" panose="020B0604030504040204" pitchFamily="34" charset="-120"/>
               </a:rPr>
-              <a:t>全心</a:t>
-            </a:r>
-            <a:r>
-              <a:rPr lang="zh-TW" altLang="zh-TW" sz="6000" b="1" dirty="0">
-                <a:latin typeface="微軟正黑體" panose="020B0604030504040204" pitchFamily="34" charset="-120"/>
-                <a:ea typeface="微軟正黑體" panose="020B0604030504040204" pitchFamily="34" charset="-120"/>
-              </a:rPr>
-              <a:t>歌頌</a:t>
+              <a:t>全心歌頌</a:t>
             </a:r>
             <a:r>
               <a:rPr lang="en-US" altLang="zh-TW" sz="6000" b="1" dirty="0">
@@ -4897,14 +4693,7 @@
                 <a:latin typeface="微軟正黑體" panose="020B0604030504040204" pitchFamily="34" charset="-120"/>
                 <a:ea typeface="微軟正黑體" panose="020B0604030504040204" pitchFamily="34" charset="-120"/>
               </a:rPr>
-              <a:t>配</a:t>
-            </a:r>
-            <a:r>
-              <a:rPr lang="zh-TW" altLang="zh-TW" sz="6000" b="1" dirty="0">
-                <a:latin typeface="微軟正黑體" panose="020B0604030504040204" pitchFamily="34" charset="-120"/>
-                <a:ea typeface="微軟正黑體" panose="020B0604030504040204" pitchFamily="34" charset="-120"/>
-              </a:rPr>
-              <a:t>受大讚美</a:t>
+              <a:t>配受大讚美</a:t>
             </a:r>
           </a:p>
           <a:p>
@@ -4932,14 +4721,7 @@
                 <a:latin typeface="微軟正黑體" panose="020B0604030504040204" pitchFamily="34" charset="-120"/>
                 <a:ea typeface="微軟正黑體" panose="020B0604030504040204" pitchFamily="34" charset="-120"/>
               </a:rPr>
-              <a:t>我</a:t>
-            </a:r>
-            <a:r>
-              <a:rPr lang="zh-TW" altLang="zh-TW" sz="6000" b="1" dirty="0">
-                <a:latin typeface="微軟正黑體" panose="020B0604030504040204" pitchFamily="34" charset="-120"/>
-                <a:ea typeface="微軟正黑體" panose="020B0604030504040204" pitchFamily="34" charset="-120"/>
-              </a:rPr>
-              <a:t>神 真偉大</a:t>
+              <a:t>我神 真偉大</a:t>
             </a:r>
             <a:endParaRPr lang="zh-TW" altLang="en-US" sz="6000" b="1" dirty="0">
               <a:latin typeface="微軟正黑體" panose="020B0604030504040204" pitchFamily="34" charset="-120"/>

--- a/我神真偉大.pptx
+++ b/我神真偉大.pptx
@@ -13,13 +13,12 @@
     <p:sldId id="262" r:id="rId7"/>
     <p:sldId id="263" r:id="rId8"/>
     <p:sldId id="264" r:id="rId9"/>
-    <p:sldId id="265" r:id="rId10"/>
   </p:sldIdLst>
   <p:sldSz cx="12192000" cy="6858000"/>
   <p:notesSz cx="6858000" cy="9144000"/>
   <p:defaultTextStyle>
     <a:defPPr>
-      <a:defRPr lang="zh-TW"/>
+      <a:defRPr lang="vi-VN"/>
     </a:defPPr>
     <a:lvl1pPr marL="0" algn="l" defTabSz="914400" rtl="0" eaLnBrk="1" latinLnBrk="0" hangingPunct="1">
       <a:defRPr sz="1800" kern="1200">
@@ -153,8 +152,8 @@
           <a:lstStyle/>
           <a:p>
             <a:r>
-              <a:rPr lang="zh-TW" altLang="en-US" smtClean="0"/>
-              <a:t>按一下以編輯母片標題樣式</a:t>
+              <a:rPr lang="en-US" altLang="zh-TW" smtClean="0"/>
+              <a:t>Click to edit Master title style</a:t>
             </a:r>
             <a:endParaRPr lang="zh-TW" altLang="en-US"/>
           </a:p>
@@ -189,7 +188,7 @@
                 </a:solidFill>
               </a:defRPr>
             </a:lvl1pPr>
-            <a:lvl2pPr marL="457200" indent="0" algn="ctr">
+            <a:lvl2pPr marL="609585" indent="0" algn="ctr">
               <a:buNone/>
               <a:defRPr>
                 <a:solidFill>
@@ -199,7 +198,7 @@
                 </a:solidFill>
               </a:defRPr>
             </a:lvl2pPr>
-            <a:lvl3pPr marL="914400" indent="0" algn="ctr">
+            <a:lvl3pPr marL="1219170" indent="0" algn="ctr">
               <a:buNone/>
               <a:defRPr>
                 <a:solidFill>
@@ -209,7 +208,7 @@
                 </a:solidFill>
               </a:defRPr>
             </a:lvl3pPr>
-            <a:lvl4pPr marL="1371600" indent="0" algn="ctr">
+            <a:lvl4pPr marL="1828754" indent="0" algn="ctr">
               <a:buNone/>
               <a:defRPr>
                 <a:solidFill>
@@ -219,7 +218,7 @@
                 </a:solidFill>
               </a:defRPr>
             </a:lvl4pPr>
-            <a:lvl5pPr marL="1828800" indent="0" algn="ctr">
+            <a:lvl5pPr marL="2438339" indent="0" algn="ctr">
               <a:buNone/>
               <a:defRPr>
                 <a:solidFill>
@@ -229,7 +228,7 @@
                 </a:solidFill>
               </a:defRPr>
             </a:lvl5pPr>
-            <a:lvl6pPr marL="2286000" indent="0" algn="ctr">
+            <a:lvl6pPr marL="3047924" indent="0" algn="ctr">
               <a:buNone/>
               <a:defRPr>
                 <a:solidFill>
@@ -239,7 +238,7 @@
                 </a:solidFill>
               </a:defRPr>
             </a:lvl6pPr>
-            <a:lvl7pPr marL="2743200" indent="0" algn="ctr">
+            <a:lvl7pPr marL="3657509" indent="0" algn="ctr">
               <a:buNone/>
               <a:defRPr>
                 <a:solidFill>
@@ -249,7 +248,7 @@
                 </a:solidFill>
               </a:defRPr>
             </a:lvl7pPr>
-            <a:lvl8pPr marL="3200400" indent="0" algn="ctr">
+            <a:lvl8pPr marL="4267093" indent="0" algn="ctr">
               <a:buNone/>
               <a:defRPr>
                 <a:solidFill>
@@ -259,7 +258,7 @@
                 </a:solidFill>
               </a:defRPr>
             </a:lvl8pPr>
-            <a:lvl9pPr marL="3657600" indent="0" algn="ctr">
+            <a:lvl9pPr marL="4876678" indent="0" algn="ctr">
               <a:buNone/>
               <a:defRPr>
                 <a:solidFill>
@@ -272,8 +271,8 @@
           </a:lstStyle>
           <a:p>
             <a:r>
-              <a:rPr lang="zh-TW" altLang="en-US" smtClean="0"/>
-              <a:t>按一下以編輯母片副標題樣式</a:t>
+              <a:rPr lang="en-US" altLang="zh-TW" smtClean="0"/>
+              <a:t>Click to edit Master subtitle style</a:t>
             </a:r>
             <a:endParaRPr lang="zh-TW" altLang="en-US"/>
           </a:p>
@@ -294,11 +293,11 @@
           <a:bodyPr/>
           <a:lstStyle/>
           <a:p>
-            <a:fld id="{3E20FAF3-3B72-4A77-81E3-3A42C1E04649}" type="datetimeFigureOut">
-              <a:rPr lang="zh-TW" altLang="en-US" smtClean="0"/>
-              <a:t>2019/10/19</a:t>
+            <a:fld id="{E10093AE-C997-4515-AFDB-F32315071889}" type="datetimeFigureOut">
+              <a:rPr lang="vi-VN" smtClean="0"/>
+              <a:t>29/04/2022</a:t>
             </a:fld>
-            <a:endParaRPr lang="zh-TW" altLang="en-US"/>
+            <a:endParaRPr lang="vi-VN"/>
           </a:p>
         </p:txBody>
       </p:sp>
@@ -317,7 +316,7 @@
           <a:bodyPr/>
           <a:lstStyle/>
           <a:p>
-            <a:endParaRPr lang="zh-TW" altLang="en-US"/>
+            <a:endParaRPr lang="vi-VN"/>
           </a:p>
         </p:txBody>
       </p:sp>
@@ -336,18 +335,18 @@
           <a:bodyPr/>
           <a:lstStyle/>
           <a:p>
-            <a:fld id="{B3A30FE4-FA66-45D5-A040-3046D9CB4A42}" type="slidenum">
-              <a:rPr lang="zh-TW" altLang="en-US" smtClean="0"/>
+            <a:fld id="{87013BA9-E363-4992-95EA-E134D527EE7F}" type="slidenum">
+              <a:rPr lang="vi-VN" smtClean="0"/>
               <a:t>‹#›</a:t>
             </a:fld>
-            <a:endParaRPr lang="zh-TW" altLang="en-US"/>
+            <a:endParaRPr lang="vi-VN"/>
           </a:p>
         </p:txBody>
       </p:sp>
     </p:spTree>
     <p:extLst>
       <p:ext uri="{BB962C8B-B14F-4D97-AF65-F5344CB8AC3E}">
-        <p14:creationId xmlns:p14="http://schemas.microsoft.com/office/powerpoint/2010/main" val="2059781173"/>
+        <p14:creationId xmlns:p14="http://schemas.microsoft.com/office/powerpoint/2010/main" val="115024532"/>
       </p:ext>
     </p:extLst>
   </p:cSld>
@@ -390,8 +389,8 @@
           <a:lstStyle/>
           <a:p>
             <a:r>
-              <a:rPr lang="zh-TW" altLang="en-US" smtClean="0"/>
-              <a:t>按一下以編輯母片標題樣式</a:t>
+              <a:rPr lang="en-US" altLang="zh-TW" smtClean="0"/>
+              <a:t>Click to edit Master title style</a:t>
             </a:r>
             <a:endParaRPr lang="zh-TW" altLang="en-US"/>
           </a:p>
@@ -414,36 +413,36 @@
           <a:p>
             <a:pPr lvl="0"/>
             <a:r>
-              <a:rPr lang="zh-TW" altLang="en-US" smtClean="0"/>
-              <a:t>按一下以編輯母片文字樣式</a:t>
+              <a:rPr lang="en-US" altLang="zh-TW" smtClean="0"/>
+              <a:t>Edit Master text styles</a:t>
             </a:r>
           </a:p>
           <a:p>
             <a:pPr lvl="1"/>
             <a:r>
-              <a:rPr lang="zh-TW" altLang="en-US" smtClean="0"/>
-              <a:t>第二層</a:t>
+              <a:rPr lang="en-US" altLang="zh-TW" smtClean="0"/>
+              <a:t>Second level</a:t>
             </a:r>
           </a:p>
           <a:p>
             <a:pPr lvl="2"/>
             <a:r>
-              <a:rPr lang="zh-TW" altLang="en-US" smtClean="0"/>
-              <a:t>第三層</a:t>
+              <a:rPr lang="en-US" altLang="zh-TW" smtClean="0"/>
+              <a:t>Third level</a:t>
             </a:r>
           </a:p>
           <a:p>
             <a:pPr lvl="3"/>
             <a:r>
-              <a:rPr lang="zh-TW" altLang="en-US" smtClean="0"/>
-              <a:t>第四層</a:t>
+              <a:rPr lang="en-US" altLang="zh-TW" smtClean="0"/>
+              <a:t>Fourth level</a:t>
             </a:r>
           </a:p>
           <a:p>
             <a:pPr lvl="4"/>
             <a:r>
-              <a:rPr lang="zh-TW" altLang="en-US" smtClean="0"/>
-              <a:t>第五層</a:t>
+              <a:rPr lang="en-US" altLang="zh-TW" smtClean="0"/>
+              <a:t>Fifth level</a:t>
             </a:r>
             <a:endParaRPr lang="zh-TW" altLang="en-US"/>
           </a:p>
@@ -464,11 +463,11 @@
           <a:bodyPr/>
           <a:lstStyle/>
           <a:p>
-            <a:fld id="{3E20FAF3-3B72-4A77-81E3-3A42C1E04649}" type="datetimeFigureOut">
-              <a:rPr lang="zh-TW" altLang="en-US" smtClean="0"/>
-              <a:t>2019/10/19</a:t>
+            <a:fld id="{E10093AE-C997-4515-AFDB-F32315071889}" type="datetimeFigureOut">
+              <a:rPr lang="vi-VN" smtClean="0"/>
+              <a:t>29/04/2022</a:t>
             </a:fld>
-            <a:endParaRPr lang="zh-TW" altLang="en-US"/>
+            <a:endParaRPr lang="vi-VN"/>
           </a:p>
         </p:txBody>
       </p:sp>
@@ -487,7 +486,7 @@
           <a:bodyPr/>
           <a:lstStyle/>
           <a:p>
-            <a:endParaRPr lang="zh-TW" altLang="en-US"/>
+            <a:endParaRPr lang="vi-VN"/>
           </a:p>
         </p:txBody>
       </p:sp>
@@ -506,18 +505,18 @@
           <a:bodyPr/>
           <a:lstStyle/>
           <a:p>
-            <a:fld id="{B3A30FE4-FA66-45D5-A040-3046D9CB4A42}" type="slidenum">
-              <a:rPr lang="zh-TW" altLang="en-US" smtClean="0"/>
+            <a:fld id="{87013BA9-E363-4992-95EA-E134D527EE7F}" type="slidenum">
+              <a:rPr lang="vi-VN" smtClean="0"/>
               <a:t>‹#›</a:t>
             </a:fld>
-            <a:endParaRPr lang="zh-TW" altLang="en-US"/>
+            <a:endParaRPr lang="vi-VN"/>
           </a:p>
         </p:txBody>
       </p:sp>
     </p:spTree>
     <p:extLst>
       <p:ext uri="{BB962C8B-B14F-4D97-AF65-F5344CB8AC3E}">
-        <p14:creationId xmlns:p14="http://schemas.microsoft.com/office/powerpoint/2010/main" val="1443432594"/>
+        <p14:creationId xmlns:p14="http://schemas.microsoft.com/office/powerpoint/2010/main" val="2863493104"/>
       </p:ext>
     </p:extLst>
   </p:cSld>
@@ -565,8 +564,8 @@
           <a:lstStyle/>
           <a:p>
             <a:r>
-              <a:rPr lang="zh-TW" altLang="en-US" smtClean="0"/>
-              <a:t>按一下以編輯母片標題樣式</a:t>
+              <a:rPr lang="en-US" altLang="zh-TW" smtClean="0"/>
+              <a:t>Click to edit Master title style</a:t>
             </a:r>
             <a:endParaRPr lang="zh-TW" altLang="en-US"/>
           </a:p>
@@ -594,36 +593,36 @@
           <a:p>
             <a:pPr lvl="0"/>
             <a:r>
-              <a:rPr lang="zh-TW" altLang="en-US" smtClean="0"/>
-              <a:t>按一下以編輯母片文字樣式</a:t>
+              <a:rPr lang="en-US" altLang="zh-TW" smtClean="0"/>
+              <a:t>Edit Master text styles</a:t>
             </a:r>
           </a:p>
           <a:p>
             <a:pPr lvl="1"/>
             <a:r>
-              <a:rPr lang="zh-TW" altLang="en-US" smtClean="0"/>
-              <a:t>第二層</a:t>
+              <a:rPr lang="en-US" altLang="zh-TW" smtClean="0"/>
+              <a:t>Second level</a:t>
             </a:r>
           </a:p>
           <a:p>
             <a:pPr lvl="2"/>
             <a:r>
-              <a:rPr lang="zh-TW" altLang="en-US" smtClean="0"/>
-              <a:t>第三層</a:t>
+              <a:rPr lang="en-US" altLang="zh-TW" smtClean="0"/>
+              <a:t>Third level</a:t>
             </a:r>
           </a:p>
           <a:p>
             <a:pPr lvl="3"/>
             <a:r>
-              <a:rPr lang="zh-TW" altLang="en-US" smtClean="0"/>
-              <a:t>第四層</a:t>
+              <a:rPr lang="en-US" altLang="zh-TW" smtClean="0"/>
+              <a:t>Fourth level</a:t>
             </a:r>
           </a:p>
           <a:p>
             <a:pPr lvl="4"/>
             <a:r>
-              <a:rPr lang="zh-TW" altLang="en-US" smtClean="0"/>
-              <a:t>第五層</a:t>
+              <a:rPr lang="en-US" altLang="zh-TW" smtClean="0"/>
+              <a:t>Fifth level</a:t>
             </a:r>
             <a:endParaRPr lang="zh-TW" altLang="en-US"/>
           </a:p>
@@ -644,11 +643,11 @@
           <a:bodyPr/>
           <a:lstStyle/>
           <a:p>
-            <a:fld id="{3E20FAF3-3B72-4A77-81E3-3A42C1E04649}" type="datetimeFigureOut">
-              <a:rPr lang="zh-TW" altLang="en-US" smtClean="0"/>
-              <a:t>2019/10/19</a:t>
+            <a:fld id="{E10093AE-C997-4515-AFDB-F32315071889}" type="datetimeFigureOut">
+              <a:rPr lang="vi-VN" smtClean="0"/>
+              <a:t>29/04/2022</a:t>
             </a:fld>
-            <a:endParaRPr lang="zh-TW" altLang="en-US"/>
+            <a:endParaRPr lang="vi-VN"/>
           </a:p>
         </p:txBody>
       </p:sp>
@@ -667,7 +666,7 @@
           <a:bodyPr/>
           <a:lstStyle/>
           <a:p>
-            <a:endParaRPr lang="zh-TW" altLang="en-US"/>
+            <a:endParaRPr lang="vi-VN"/>
           </a:p>
         </p:txBody>
       </p:sp>
@@ -686,18 +685,18 @@
           <a:bodyPr/>
           <a:lstStyle/>
           <a:p>
-            <a:fld id="{B3A30FE4-FA66-45D5-A040-3046D9CB4A42}" type="slidenum">
-              <a:rPr lang="zh-TW" altLang="en-US" smtClean="0"/>
+            <a:fld id="{87013BA9-E363-4992-95EA-E134D527EE7F}" type="slidenum">
+              <a:rPr lang="vi-VN" smtClean="0"/>
               <a:t>‹#›</a:t>
             </a:fld>
-            <a:endParaRPr lang="zh-TW" altLang="en-US"/>
+            <a:endParaRPr lang="vi-VN"/>
           </a:p>
         </p:txBody>
       </p:sp>
     </p:spTree>
     <p:extLst>
       <p:ext uri="{BB962C8B-B14F-4D97-AF65-F5344CB8AC3E}">
-        <p14:creationId xmlns:p14="http://schemas.microsoft.com/office/powerpoint/2010/main" val="3749218399"/>
+        <p14:creationId xmlns:p14="http://schemas.microsoft.com/office/powerpoint/2010/main" val="148433388"/>
       </p:ext>
     </p:extLst>
   </p:cSld>
@@ -740,8 +739,8 @@
           <a:lstStyle/>
           <a:p>
             <a:r>
-              <a:rPr lang="zh-TW" altLang="en-US" smtClean="0"/>
-              <a:t>按一下以編輯母片標題樣式</a:t>
+              <a:rPr lang="en-US" altLang="zh-TW" smtClean="0"/>
+              <a:t>Click to edit Master title style</a:t>
             </a:r>
             <a:endParaRPr lang="zh-TW" altLang="en-US"/>
           </a:p>
@@ -764,36 +763,36 @@
           <a:p>
             <a:pPr lvl="0"/>
             <a:r>
-              <a:rPr lang="zh-TW" altLang="en-US" smtClean="0"/>
-              <a:t>按一下以編輯母片文字樣式</a:t>
+              <a:rPr lang="en-US" altLang="zh-TW" smtClean="0"/>
+              <a:t>Edit Master text styles</a:t>
             </a:r>
           </a:p>
           <a:p>
             <a:pPr lvl="1"/>
             <a:r>
-              <a:rPr lang="zh-TW" altLang="en-US" smtClean="0"/>
-              <a:t>第二層</a:t>
+              <a:rPr lang="en-US" altLang="zh-TW" smtClean="0"/>
+              <a:t>Second level</a:t>
             </a:r>
           </a:p>
           <a:p>
             <a:pPr lvl="2"/>
             <a:r>
-              <a:rPr lang="zh-TW" altLang="en-US" smtClean="0"/>
-              <a:t>第三層</a:t>
+              <a:rPr lang="en-US" altLang="zh-TW" smtClean="0"/>
+              <a:t>Third level</a:t>
             </a:r>
           </a:p>
           <a:p>
             <a:pPr lvl="3"/>
             <a:r>
-              <a:rPr lang="zh-TW" altLang="en-US" smtClean="0"/>
-              <a:t>第四層</a:t>
+              <a:rPr lang="en-US" altLang="zh-TW" smtClean="0"/>
+              <a:t>Fourth level</a:t>
             </a:r>
           </a:p>
           <a:p>
             <a:pPr lvl="4"/>
             <a:r>
-              <a:rPr lang="zh-TW" altLang="en-US" smtClean="0"/>
-              <a:t>第五層</a:t>
+              <a:rPr lang="en-US" altLang="zh-TW" smtClean="0"/>
+              <a:t>Fifth level</a:t>
             </a:r>
             <a:endParaRPr lang="zh-TW" altLang="en-US"/>
           </a:p>
@@ -814,11 +813,11 @@
           <a:bodyPr/>
           <a:lstStyle/>
           <a:p>
-            <a:fld id="{3E20FAF3-3B72-4A77-81E3-3A42C1E04649}" type="datetimeFigureOut">
-              <a:rPr lang="zh-TW" altLang="en-US" smtClean="0"/>
-              <a:t>2019/10/19</a:t>
+            <a:fld id="{E10093AE-C997-4515-AFDB-F32315071889}" type="datetimeFigureOut">
+              <a:rPr lang="vi-VN" smtClean="0"/>
+              <a:t>29/04/2022</a:t>
             </a:fld>
-            <a:endParaRPr lang="zh-TW" altLang="en-US"/>
+            <a:endParaRPr lang="vi-VN"/>
           </a:p>
         </p:txBody>
       </p:sp>
@@ -837,7 +836,7 @@
           <a:bodyPr/>
           <a:lstStyle/>
           <a:p>
-            <a:endParaRPr lang="zh-TW" altLang="en-US"/>
+            <a:endParaRPr lang="vi-VN"/>
           </a:p>
         </p:txBody>
       </p:sp>
@@ -856,18 +855,18 @@
           <a:bodyPr/>
           <a:lstStyle/>
           <a:p>
-            <a:fld id="{B3A30FE4-FA66-45D5-A040-3046D9CB4A42}" type="slidenum">
-              <a:rPr lang="zh-TW" altLang="en-US" smtClean="0"/>
+            <a:fld id="{87013BA9-E363-4992-95EA-E134D527EE7F}" type="slidenum">
+              <a:rPr lang="vi-VN" smtClean="0"/>
               <a:t>‹#›</a:t>
             </a:fld>
-            <a:endParaRPr lang="zh-TW" altLang="en-US"/>
+            <a:endParaRPr lang="vi-VN"/>
           </a:p>
         </p:txBody>
       </p:sp>
     </p:spTree>
     <p:extLst>
       <p:ext uri="{BB962C8B-B14F-4D97-AF65-F5344CB8AC3E}">
-        <p14:creationId xmlns:p14="http://schemas.microsoft.com/office/powerpoint/2010/main" val="2396145030"/>
+        <p14:creationId xmlns:p14="http://schemas.microsoft.com/office/powerpoint/2010/main" val="4151808077"/>
       </p:ext>
     </p:extLst>
   </p:cSld>
@@ -914,13 +913,13 @@
           <a:bodyPr anchor="t"/>
           <a:lstStyle>
             <a:lvl1pPr algn="l">
-              <a:defRPr sz="4000" b="1" cap="all"/>
+              <a:defRPr sz="5333" b="1" cap="all"/>
             </a:lvl1pPr>
           </a:lstStyle>
           <a:p>
             <a:r>
-              <a:rPr lang="zh-TW" altLang="en-US" smtClean="0"/>
-              <a:t>按一下以編輯母片標題樣式</a:t>
+              <a:rPr lang="en-US" altLang="zh-TW" smtClean="0"/>
+              <a:t>Click to edit Master title style</a:t>
             </a:r>
             <a:endParaRPr lang="zh-TW" altLang="en-US"/>
           </a:p>
@@ -947,7 +946,7 @@
           <a:lstStyle>
             <a:lvl1pPr marL="0" indent="0">
               <a:buNone/>
-              <a:defRPr sz="2000">
+              <a:defRPr sz="2667">
                 <a:solidFill>
                   <a:schemeClr val="tx1">
                     <a:tint val="75000"/>
@@ -955,9 +954,9 @@
                 </a:solidFill>
               </a:defRPr>
             </a:lvl1pPr>
-            <a:lvl2pPr marL="457200" indent="0">
-              <a:buNone/>
-              <a:defRPr sz="1800">
+            <a:lvl2pPr marL="609585" indent="0">
+              <a:buNone/>
+              <a:defRPr sz="2400">
                 <a:solidFill>
                   <a:schemeClr val="tx1">
                     <a:tint val="75000"/>
@@ -965,9 +964,9 @@
                 </a:solidFill>
               </a:defRPr>
             </a:lvl2pPr>
-            <a:lvl3pPr marL="914400" indent="0">
-              <a:buNone/>
-              <a:defRPr sz="1600">
+            <a:lvl3pPr marL="1219170" indent="0">
+              <a:buNone/>
+              <a:defRPr sz="2133">
                 <a:solidFill>
                   <a:schemeClr val="tx1">
                     <a:tint val="75000"/>
@@ -975,9 +974,9 @@
                 </a:solidFill>
               </a:defRPr>
             </a:lvl3pPr>
-            <a:lvl4pPr marL="1371600" indent="0">
-              <a:buNone/>
-              <a:defRPr sz="1400">
+            <a:lvl4pPr marL="1828754" indent="0">
+              <a:buNone/>
+              <a:defRPr sz="1867">
                 <a:solidFill>
                   <a:schemeClr val="tx1">
                     <a:tint val="75000"/>
@@ -985,9 +984,9 @@
                 </a:solidFill>
               </a:defRPr>
             </a:lvl4pPr>
-            <a:lvl5pPr marL="1828800" indent="0">
-              <a:buNone/>
-              <a:defRPr sz="1400">
+            <a:lvl5pPr marL="2438339" indent="0">
+              <a:buNone/>
+              <a:defRPr sz="1867">
                 <a:solidFill>
                   <a:schemeClr val="tx1">
                     <a:tint val="75000"/>
@@ -995,9 +994,9 @@
                 </a:solidFill>
               </a:defRPr>
             </a:lvl5pPr>
-            <a:lvl6pPr marL="2286000" indent="0">
-              <a:buNone/>
-              <a:defRPr sz="1400">
+            <a:lvl6pPr marL="3047924" indent="0">
+              <a:buNone/>
+              <a:defRPr sz="1867">
                 <a:solidFill>
                   <a:schemeClr val="tx1">
                     <a:tint val="75000"/>
@@ -1005,9 +1004,9 @@
                 </a:solidFill>
               </a:defRPr>
             </a:lvl6pPr>
-            <a:lvl7pPr marL="2743200" indent="0">
-              <a:buNone/>
-              <a:defRPr sz="1400">
+            <a:lvl7pPr marL="3657509" indent="0">
+              <a:buNone/>
+              <a:defRPr sz="1867">
                 <a:solidFill>
                   <a:schemeClr val="tx1">
                     <a:tint val="75000"/>
@@ -1015,9 +1014,9 @@
                 </a:solidFill>
               </a:defRPr>
             </a:lvl7pPr>
-            <a:lvl8pPr marL="3200400" indent="0">
-              <a:buNone/>
-              <a:defRPr sz="1400">
+            <a:lvl8pPr marL="4267093" indent="0">
+              <a:buNone/>
+              <a:defRPr sz="1867">
                 <a:solidFill>
                   <a:schemeClr val="tx1">
                     <a:tint val="75000"/>
@@ -1025,9 +1024,9 @@
                 </a:solidFill>
               </a:defRPr>
             </a:lvl8pPr>
-            <a:lvl9pPr marL="3657600" indent="0">
-              <a:buNone/>
-              <a:defRPr sz="1400">
+            <a:lvl9pPr marL="4876678" indent="0">
+              <a:buNone/>
+              <a:defRPr sz="1867">
                 <a:solidFill>
                   <a:schemeClr val="tx1">
                     <a:tint val="75000"/>
@@ -1039,8 +1038,8 @@
           <a:p>
             <a:pPr lvl="0"/>
             <a:r>
-              <a:rPr lang="zh-TW" altLang="en-US" smtClean="0"/>
-              <a:t>按一下以編輯母片文字樣式</a:t>
+              <a:rPr lang="en-US" altLang="zh-TW" smtClean="0"/>
+              <a:t>Edit Master text styles</a:t>
             </a:r>
           </a:p>
         </p:txBody>
@@ -1060,11 +1059,11 @@
           <a:bodyPr/>
           <a:lstStyle/>
           <a:p>
-            <a:fld id="{3E20FAF3-3B72-4A77-81E3-3A42C1E04649}" type="datetimeFigureOut">
-              <a:rPr lang="zh-TW" altLang="en-US" smtClean="0"/>
-              <a:t>2019/10/19</a:t>
+            <a:fld id="{E10093AE-C997-4515-AFDB-F32315071889}" type="datetimeFigureOut">
+              <a:rPr lang="vi-VN" smtClean="0"/>
+              <a:t>29/04/2022</a:t>
             </a:fld>
-            <a:endParaRPr lang="zh-TW" altLang="en-US"/>
+            <a:endParaRPr lang="vi-VN"/>
           </a:p>
         </p:txBody>
       </p:sp>
@@ -1083,7 +1082,7 @@
           <a:bodyPr/>
           <a:lstStyle/>
           <a:p>
-            <a:endParaRPr lang="zh-TW" altLang="en-US"/>
+            <a:endParaRPr lang="vi-VN"/>
           </a:p>
         </p:txBody>
       </p:sp>
@@ -1102,18 +1101,18 @@
           <a:bodyPr/>
           <a:lstStyle/>
           <a:p>
-            <a:fld id="{B3A30FE4-FA66-45D5-A040-3046D9CB4A42}" type="slidenum">
-              <a:rPr lang="zh-TW" altLang="en-US" smtClean="0"/>
+            <a:fld id="{87013BA9-E363-4992-95EA-E134D527EE7F}" type="slidenum">
+              <a:rPr lang="vi-VN" smtClean="0"/>
               <a:t>‹#›</a:t>
             </a:fld>
-            <a:endParaRPr lang="zh-TW" altLang="en-US"/>
+            <a:endParaRPr lang="vi-VN"/>
           </a:p>
         </p:txBody>
       </p:sp>
     </p:spTree>
     <p:extLst>
       <p:ext uri="{BB962C8B-B14F-4D97-AF65-F5344CB8AC3E}">
-        <p14:creationId xmlns:p14="http://schemas.microsoft.com/office/powerpoint/2010/main" val="985117699"/>
+        <p14:creationId xmlns:p14="http://schemas.microsoft.com/office/powerpoint/2010/main" val="3267988463"/>
       </p:ext>
     </p:extLst>
   </p:cSld>
@@ -1156,8 +1155,8 @@
           <a:lstStyle/>
           <a:p>
             <a:r>
-              <a:rPr lang="zh-TW" altLang="en-US" smtClean="0"/>
-              <a:t>按一下以編輯母片標題樣式</a:t>
+              <a:rPr lang="en-US" altLang="zh-TW" smtClean="0"/>
+              <a:t>Click to edit Master title style</a:t>
             </a:r>
             <a:endParaRPr lang="zh-TW" altLang="en-US"/>
           </a:p>
@@ -1183,66 +1182,66 @@
           <a:bodyPr/>
           <a:lstStyle>
             <a:lvl1pPr>
-              <a:defRPr sz="2800"/>
+              <a:defRPr sz="3733"/>
             </a:lvl1pPr>
             <a:lvl2pPr>
-              <a:defRPr sz="2400"/>
+              <a:defRPr sz="3200"/>
             </a:lvl2pPr>
             <a:lvl3pPr>
-              <a:defRPr sz="2000"/>
+              <a:defRPr sz="2667"/>
             </a:lvl3pPr>
             <a:lvl4pPr>
-              <a:defRPr sz="1800"/>
+              <a:defRPr sz="2400"/>
             </a:lvl4pPr>
             <a:lvl5pPr>
-              <a:defRPr sz="1800"/>
+              <a:defRPr sz="2400"/>
             </a:lvl5pPr>
             <a:lvl6pPr>
-              <a:defRPr sz="1800"/>
+              <a:defRPr sz="2400"/>
             </a:lvl6pPr>
             <a:lvl7pPr>
-              <a:defRPr sz="1800"/>
+              <a:defRPr sz="2400"/>
             </a:lvl7pPr>
             <a:lvl8pPr>
-              <a:defRPr sz="1800"/>
+              <a:defRPr sz="2400"/>
             </a:lvl8pPr>
             <a:lvl9pPr>
-              <a:defRPr sz="1800"/>
+              <a:defRPr sz="2400"/>
             </a:lvl9pPr>
           </a:lstStyle>
           <a:p>
             <a:pPr lvl="0"/>
             <a:r>
-              <a:rPr lang="zh-TW" altLang="en-US" smtClean="0"/>
-              <a:t>按一下以編輯母片文字樣式</a:t>
+              <a:rPr lang="en-US" altLang="zh-TW" smtClean="0"/>
+              <a:t>Edit Master text styles</a:t>
             </a:r>
           </a:p>
           <a:p>
             <a:pPr lvl="1"/>
             <a:r>
-              <a:rPr lang="zh-TW" altLang="en-US" smtClean="0"/>
-              <a:t>第二層</a:t>
+              <a:rPr lang="en-US" altLang="zh-TW" smtClean="0"/>
+              <a:t>Second level</a:t>
             </a:r>
           </a:p>
           <a:p>
             <a:pPr lvl="2"/>
             <a:r>
-              <a:rPr lang="zh-TW" altLang="en-US" smtClean="0"/>
-              <a:t>第三層</a:t>
+              <a:rPr lang="en-US" altLang="zh-TW" smtClean="0"/>
+              <a:t>Third level</a:t>
             </a:r>
           </a:p>
           <a:p>
             <a:pPr lvl="3"/>
             <a:r>
-              <a:rPr lang="zh-TW" altLang="en-US" smtClean="0"/>
-              <a:t>第四層</a:t>
+              <a:rPr lang="en-US" altLang="zh-TW" smtClean="0"/>
+              <a:t>Fourth level</a:t>
             </a:r>
           </a:p>
           <a:p>
             <a:pPr lvl="4"/>
             <a:r>
-              <a:rPr lang="zh-TW" altLang="en-US" smtClean="0"/>
-              <a:t>第五層</a:t>
+              <a:rPr lang="en-US" altLang="zh-TW" smtClean="0"/>
+              <a:t>Fifth level</a:t>
             </a:r>
             <a:endParaRPr lang="zh-TW" altLang="en-US"/>
           </a:p>
@@ -1268,66 +1267,66 @@
           <a:bodyPr/>
           <a:lstStyle>
             <a:lvl1pPr>
-              <a:defRPr sz="2800"/>
+              <a:defRPr sz="3733"/>
             </a:lvl1pPr>
             <a:lvl2pPr>
-              <a:defRPr sz="2400"/>
+              <a:defRPr sz="3200"/>
             </a:lvl2pPr>
             <a:lvl3pPr>
-              <a:defRPr sz="2000"/>
+              <a:defRPr sz="2667"/>
             </a:lvl3pPr>
             <a:lvl4pPr>
-              <a:defRPr sz="1800"/>
+              <a:defRPr sz="2400"/>
             </a:lvl4pPr>
             <a:lvl5pPr>
-              <a:defRPr sz="1800"/>
+              <a:defRPr sz="2400"/>
             </a:lvl5pPr>
             <a:lvl6pPr>
-              <a:defRPr sz="1800"/>
+              <a:defRPr sz="2400"/>
             </a:lvl6pPr>
             <a:lvl7pPr>
-              <a:defRPr sz="1800"/>
+              <a:defRPr sz="2400"/>
             </a:lvl7pPr>
             <a:lvl8pPr>
-              <a:defRPr sz="1800"/>
+              <a:defRPr sz="2400"/>
             </a:lvl8pPr>
             <a:lvl9pPr>
-              <a:defRPr sz="1800"/>
+              <a:defRPr sz="2400"/>
             </a:lvl9pPr>
           </a:lstStyle>
           <a:p>
             <a:pPr lvl="0"/>
             <a:r>
-              <a:rPr lang="zh-TW" altLang="en-US" smtClean="0"/>
-              <a:t>按一下以編輯母片文字樣式</a:t>
+              <a:rPr lang="en-US" altLang="zh-TW" smtClean="0"/>
+              <a:t>Edit Master text styles</a:t>
             </a:r>
           </a:p>
           <a:p>
             <a:pPr lvl="1"/>
             <a:r>
-              <a:rPr lang="zh-TW" altLang="en-US" smtClean="0"/>
-              <a:t>第二層</a:t>
+              <a:rPr lang="en-US" altLang="zh-TW" smtClean="0"/>
+              <a:t>Second level</a:t>
             </a:r>
           </a:p>
           <a:p>
             <a:pPr lvl="2"/>
             <a:r>
-              <a:rPr lang="zh-TW" altLang="en-US" smtClean="0"/>
-              <a:t>第三層</a:t>
+              <a:rPr lang="en-US" altLang="zh-TW" smtClean="0"/>
+              <a:t>Third level</a:t>
             </a:r>
           </a:p>
           <a:p>
             <a:pPr lvl="3"/>
             <a:r>
-              <a:rPr lang="zh-TW" altLang="en-US" smtClean="0"/>
-              <a:t>第四層</a:t>
+              <a:rPr lang="en-US" altLang="zh-TW" smtClean="0"/>
+              <a:t>Fourth level</a:t>
             </a:r>
           </a:p>
           <a:p>
             <a:pPr lvl="4"/>
             <a:r>
-              <a:rPr lang="zh-TW" altLang="en-US" smtClean="0"/>
-              <a:t>第五層</a:t>
+              <a:rPr lang="en-US" altLang="zh-TW" smtClean="0"/>
+              <a:t>Fifth level</a:t>
             </a:r>
             <a:endParaRPr lang="zh-TW" altLang="en-US"/>
           </a:p>
@@ -1348,11 +1347,11 @@
           <a:bodyPr/>
           <a:lstStyle/>
           <a:p>
-            <a:fld id="{3E20FAF3-3B72-4A77-81E3-3A42C1E04649}" type="datetimeFigureOut">
-              <a:rPr lang="zh-TW" altLang="en-US" smtClean="0"/>
-              <a:t>2019/10/19</a:t>
+            <a:fld id="{E10093AE-C997-4515-AFDB-F32315071889}" type="datetimeFigureOut">
+              <a:rPr lang="vi-VN" smtClean="0"/>
+              <a:t>29/04/2022</a:t>
             </a:fld>
-            <a:endParaRPr lang="zh-TW" altLang="en-US"/>
+            <a:endParaRPr lang="vi-VN"/>
           </a:p>
         </p:txBody>
       </p:sp>
@@ -1371,7 +1370,7 @@
           <a:bodyPr/>
           <a:lstStyle/>
           <a:p>
-            <a:endParaRPr lang="zh-TW" altLang="en-US"/>
+            <a:endParaRPr lang="vi-VN"/>
           </a:p>
         </p:txBody>
       </p:sp>
@@ -1390,18 +1389,18 @@
           <a:bodyPr/>
           <a:lstStyle/>
           <a:p>
-            <a:fld id="{B3A30FE4-FA66-45D5-A040-3046D9CB4A42}" type="slidenum">
-              <a:rPr lang="zh-TW" altLang="en-US" smtClean="0"/>
+            <a:fld id="{87013BA9-E363-4992-95EA-E134D527EE7F}" type="slidenum">
+              <a:rPr lang="vi-VN" smtClean="0"/>
               <a:t>‹#›</a:t>
             </a:fld>
-            <a:endParaRPr lang="zh-TW" altLang="en-US"/>
+            <a:endParaRPr lang="vi-VN"/>
           </a:p>
         </p:txBody>
       </p:sp>
     </p:spTree>
     <p:extLst>
       <p:ext uri="{BB962C8B-B14F-4D97-AF65-F5344CB8AC3E}">
-        <p14:creationId xmlns:p14="http://schemas.microsoft.com/office/powerpoint/2010/main" val="2434941898"/>
+        <p14:creationId xmlns:p14="http://schemas.microsoft.com/office/powerpoint/2010/main" val="1588022280"/>
       </p:ext>
     </p:extLst>
   </p:cSld>
@@ -1448,8 +1447,8 @@
           </a:lstStyle>
           <a:p>
             <a:r>
-              <a:rPr lang="zh-TW" altLang="en-US" smtClean="0"/>
-              <a:t>按一下以編輯母片標題樣式</a:t>
+              <a:rPr lang="en-US" altLang="zh-TW" smtClean="0"/>
+              <a:t>Click to edit Master title style</a:t>
             </a:r>
             <a:endParaRPr lang="zh-TW" altLang="en-US"/>
           </a:p>
@@ -1468,7 +1467,7 @@
         <p:spPr>
           <a:xfrm>
             <a:off x="609600" y="1535113"/>
-            <a:ext cx="5386917" cy="639762"/>
+            <a:ext cx="5386917" cy="639763"/>
           </a:xfrm>
         </p:spPr>
         <p:txBody>
@@ -1476,46 +1475,46 @@
           <a:lstStyle>
             <a:lvl1pPr marL="0" indent="0">
               <a:buNone/>
+              <a:defRPr sz="3200" b="1"/>
+            </a:lvl1pPr>
+            <a:lvl2pPr marL="609585" indent="0">
+              <a:buNone/>
+              <a:defRPr sz="2667" b="1"/>
+            </a:lvl2pPr>
+            <a:lvl3pPr marL="1219170" indent="0">
+              <a:buNone/>
               <a:defRPr sz="2400" b="1"/>
-            </a:lvl1pPr>
-            <a:lvl2pPr marL="457200" indent="0">
-              <a:buNone/>
-              <a:defRPr sz="2000" b="1"/>
-            </a:lvl2pPr>
-            <a:lvl3pPr marL="914400" indent="0">
-              <a:buNone/>
-              <a:defRPr sz="1800" b="1"/>
             </a:lvl3pPr>
-            <a:lvl4pPr marL="1371600" indent="0">
-              <a:buNone/>
-              <a:defRPr sz="1600" b="1"/>
+            <a:lvl4pPr marL="1828754" indent="0">
+              <a:buNone/>
+              <a:defRPr sz="2133" b="1"/>
             </a:lvl4pPr>
-            <a:lvl5pPr marL="1828800" indent="0">
-              <a:buNone/>
-              <a:defRPr sz="1600" b="1"/>
+            <a:lvl5pPr marL="2438339" indent="0">
+              <a:buNone/>
+              <a:defRPr sz="2133" b="1"/>
             </a:lvl5pPr>
-            <a:lvl6pPr marL="2286000" indent="0">
-              <a:buNone/>
-              <a:defRPr sz="1600" b="1"/>
+            <a:lvl6pPr marL="3047924" indent="0">
+              <a:buNone/>
+              <a:defRPr sz="2133" b="1"/>
             </a:lvl6pPr>
-            <a:lvl7pPr marL="2743200" indent="0">
-              <a:buNone/>
-              <a:defRPr sz="1600" b="1"/>
+            <a:lvl7pPr marL="3657509" indent="0">
+              <a:buNone/>
+              <a:defRPr sz="2133" b="1"/>
             </a:lvl7pPr>
-            <a:lvl8pPr marL="3200400" indent="0">
-              <a:buNone/>
-              <a:defRPr sz="1600" b="1"/>
+            <a:lvl8pPr marL="4267093" indent="0">
+              <a:buNone/>
+              <a:defRPr sz="2133" b="1"/>
             </a:lvl8pPr>
-            <a:lvl9pPr marL="3657600" indent="0">
-              <a:buNone/>
-              <a:defRPr sz="1600" b="1"/>
+            <a:lvl9pPr marL="4876678" indent="0">
+              <a:buNone/>
+              <a:defRPr sz="2133" b="1"/>
             </a:lvl9pPr>
           </a:lstStyle>
           <a:p>
             <a:pPr lvl="0"/>
             <a:r>
-              <a:rPr lang="zh-TW" altLang="en-US" smtClean="0"/>
-              <a:t>按一下以編輯母片文字樣式</a:t>
+              <a:rPr lang="en-US" altLang="zh-TW" smtClean="0"/>
+              <a:t>Edit Master text styles</a:t>
             </a:r>
           </a:p>
         </p:txBody>
@@ -1540,66 +1539,66 @@
           <a:bodyPr/>
           <a:lstStyle>
             <a:lvl1pPr>
-              <a:defRPr sz="2400"/>
+              <a:defRPr sz="3200"/>
             </a:lvl1pPr>
             <a:lvl2pPr>
-              <a:defRPr sz="2000"/>
+              <a:defRPr sz="2667"/>
             </a:lvl2pPr>
             <a:lvl3pPr>
-              <a:defRPr sz="1800"/>
+              <a:defRPr sz="2400"/>
             </a:lvl3pPr>
             <a:lvl4pPr>
-              <a:defRPr sz="1600"/>
+              <a:defRPr sz="2133"/>
             </a:lvl4pPr>
             <a:lvl5pPr>
-              <a:defRPr sz="1600"/>
+              <a:defRPr sz="2133"/>
             </a:lvl5pPr>
             <a:lvl6pPr>
-              <a:defRPr sz="1600"/>
+              <a:defRPr sz="2133"/>
             </a:lvl6pPr>
             <a:lvl7pPr>
-              <a:defRPr sz="1600"/>
+              <a:defRPr sz="2133"/>
             </a:lvl7pPr>
             <a:lvl8pPr>
-              <a:defRPr sz="1600"/>
+              <a:defRPr sz="2133"/>
             </a:lvl8pPr>
             <a:lvl9pPr>
-              <a:defRPr sz="1600"/>
+              <a:defRPr sz="2133"/>
             </a:lvl9pPr>
           </a:lstStyle>
           <a:p>
             <a:pPr lvl="0"/>
             <a:r>
-              <a:rPr lang="zh-TW" altLang="en-US" smtClean="0"/>
-              <a:t>按一下以編輯母片文字樣式</a:t>
+              <a:rPr lang="en-US" altLang="zh-TW" smtClean="0"/>
+              <a:t>Edit Master text styles</a:t>
             </a:r>
           </a:p>
           <a:p>
             <a:pPr lvl="1"/>
             <a:r>
-              <a:rPr lang="zh-TW" altLang="en-US" smtClean="0"/>
-              <a:t>第二層</a:t>
+              <a:rPr lang="en-US" altLang="zh-TW" smtClean="0"/>
+              <a:t>Second level</a:t>
             </a:r>
           </a:p>
           <a:p>
             <a:pPr lvl="2"/>
             <a:r>
-              <a:rPr lang="zh-TW" altLang="en-US" smtClean="0"/>
-              <a:t>第三層</a:t>
+              <a:rPr lang="en-US" altLang="zh-TW" smtClean="0"/>
+              <a:t>Third level</a:t>
             </a:r>
           </a:p>
           <a:p>
             <a:pPr lvl="3"/>
             <a:r>
-              <a:rPr lang="zh-TW" altLang="en-US" smtClean="0"/>
-              <a:t>第四層</a:t>
+              <a:rPr lang="en-US" altLang="zh-TW" smtClean="0"/>
+              <a:t>Fourth level</a:t>
             </a:r>
           </a:p>
           <a:p>
             <a:pPr lvl="4"/>
             <a:r>
-              <a:rPr lang="zh-TW" altLang="en-US" smtClean="0"/>
-              <a:t>第五層</a:t>
+              <a:rPr lang="en-US" altLang="zh-TW" smtClean="0"/>
+              <a:t>Fifth level</a:t>
             </a:r>
             <a:endParaRPr lang="zh-TW" altLang="en-US"/>
           </a:p>
@@ -1617,8 +1616,8 @@
         </p:nvSpPr>
         <p:spPr>
           <a:xfrm>
-            <a:off x="6193368" y="1535113"/>
-            <a:ext cx="5389033" cy="639762"/>
+            <a:off x="6193369" y="1535113"/>
+            <a:ext cx="5389033" cy="639763"/>
           </a:xfrm>
         </p:spPr>
         <p:txBody>
@@ -1626,46 +1625,46 @@
           <a:lstStyle>
             <a:lvl1pPr marL="0" indent="0">
               <a:buNone/>
+              <a:defRPr sz="3200" b="1"/>
+            </a:lvl1pPr>
+            <a:lvl2pPr marL="609585" indent="0">
+              <a:buNone/>
+              <a:defRPr sz="2667" b="1"/>
+            </a:lvl2pPr>
+            <a:lvl3pPr marL="1219170" indent="0">
+              <a:buNone/>
               <a:defRPr sz="2400" b="1"/>
-            </a:lvl1pPr>
-            <a:lvl2pPr marL="457200" indent="0">
-              <a:buNone/>
-              <a:defRPr sz="2000" b="1"/>
-            </a:lvl2pPr>
-            <a:lvl3pPr marL="914400" indent="0">
-              <a:buNone/>
-              <a:defRPr sz="1800" b="1"/>
             </a:lvl3pPr>
-            <a:lvl4pPr marL="1371600" indent="0">
-              <a:buNone/>
-              <a:defRPr sz="1600" b="1"/>
+            <a:lvl4pPr marL="1828754" indent="0">
+              <a:buNone/>
+              <a:defRPr sz="2133" b="1"/>
             </a:lvl4pPr>
-            <a:lvl5pPr marL="1828800" indent="0">
-              <a:buNone/>
-              <a:defRPr sz="1600" b="1"/>
+            <a:lvl5pPr marL="2438339" indent="0">
+              <a:buNone/>
+              <a:defRPr sz="2133" b="1"/>
             </a:lvl5pPr>
-            <a:lvl6pPr marL="2286000" indent="0">
-              <a:buNone/>
-              <a:defRPr sz="1600" b="1"/>
+            <a:lvl6pPr marL="3047924" indent="0">
+              <a:buNone/>
+              <a:defRPr sz="2133" b="1"/>
             </a:lvl6pPr>
-            <a:lvl7pPr marL="2743200" indent="0">
-              <a:buNone/>
-              <a:defRPr sz="1600" b="1"/>
+            <a:lvl7pPr marL="3657509" indent="0">
+              <a:buNone/>
+              <a:defRPr sz="2133" b="1"/>
             </a:lvl7pPr>
-            <a:lvl8pPr marL="3200400" indent="0">
-              <a:buNone/>
-              <a:defRPr sz="1600" b="1"/>
+            <a:lvl8pPr marL="4267093" indent="0">
+              <a:buNone/>
+              <a:defRPr sz="2133" b="1"/>
             </a:lvl8pPr>
-            <a:lvl9pPr marL="3657600" indent="0">
-              <a:buNone/>
-              <a:defRPr sz="1600" b="1"/>
+            <a:lvl9pPr marL="4876678" indent="0">
+              <a:buNone/>
+              <a:defRPr sz="2133" b="1"/>
             </a:lvl9pPr>
           </a:lstStyle>
           <a:p>
             <a:pPr lvl="0"/>
             <a:r>
-              <a:rPr lang="zh-TW" altLang="en-US" smtClean="0"/>
-              <a:t>按一下以編輯母片文字樣式</a:t>
+              <a:rPr lang="en-US" altLang="zh-TW" smtClean="0"/>
+              <a:t>Edit Master text styles</a:t>
             </a:r>
           </a:p>
         </p:txBody>
@@ -1682,7 +1681,7 @@
         </p:nvSpPr>
         <p:spPr>
           <a:xfrm>
-            <a:off x="6193368" y="2174875"/>
+            <a:off x="6193369" y="2174875"/>
             <a:ext cx="5389033" cy="3951288"/>
           </a:xfrm>
         </p:spPr>
@@ -1690,66 +1689,66 @@
           <a:bodyPr/>
           <a:lstStyle>
             <a:lvl1pPr>
-              <a:defRPr sz="2400"/>
+              <a:defRPr sz="3200"/>
             </a:lvl1pPr>
             <a:lvl2pPr>
-              <a:defRPr sz="2000"/>
+              <a:defRPr sz="2667"/>
             </a:lvl2pPr>
             <a:lvl3pPr>
-              <a:defRPr sz="1800"/>
+              <a:defRPr sz="2400"/>
             </a:lvl3pPr>
             <a:lvl4pPr>
-              <a:defRPr sz="1600"/>
+              <a:defRPr sz="2133"/>
             </a:lvl4pPr>
             <a:lvl5pPr>
-              <a:defRPr sz="1600"/>
+              <a:defRPr sz="2133"/>
             </a:lvl5pPr>
             <a:lvl6pPr>
-              <a:defRPr sz="1600"/>
+              <a:defRPr sz="2133"/>
             </a:lvl6pPr>
             <a:lvl7pPr>
-              <a:defRPr sz="1600"/>
+              <a:defRPr sz="2133"/>
             </a:lvl7pPr>
             <a:lvl8pPr>
-              <a:defRPr sz="1600"/>
+              <a:defRPr sz="2133"/>
             </a:lvl8pPr>
             <a:lvl9pPr>
-              <a:defRPr sz="1600"/>
+              <a:defRPr sz="2133"/>
             </a:lvl9pPr>
           </a:lstStyle>
           <a:p>
             <a:pPr lvl="0"/>
             <a:r>
-              <a:rPr lang="zh-TW" altLang="en-US" smtClean="0"/>
-              <a:t>按一下以編輯母片文字樣式</a:t>
+              <a:rPr lang="en-US" altLang="zh-TW" smtClean="0"/>
+              <a:t>Edit Master text styles</a:t>
             </a:r>
           </a:p>
           <a:p>
             <a:pPr lvl="1"/>
             <a:r>
-              <a:rPr lang="zh-TW" altLang="en-US" smtClean="0"/>
-              <a:t>第二層</a:t>
+              <a:rPr lang="en-US" altLang="zh-TW" smtClean="0"/>
+              <a:t>Second level</a:t>
             </a:r>
           </a:p>
           <a:p>
             <a:pPr lvl="2"/>
             <a:r>
-              <a:rPr lang="zh-TW" altLang="en-US" smtClean="0"/>
-              <a:t>第三層</a:t>
+              <a:rPr lang="en-US" altLang="zh-TW" smtClean="0"/>
+              <a:t>Third level</a:t>
             </a:r>
           </a:p>
           <a:p>
             <a:pPr lvl="3"/>
             <a:r>
-              <a:rPr lang="zh-TW" altLang="en-US" smtClean="0"/>
-              <a:t>第四層</a:t>
+              <a:rPr lang="en-US" altLang="zh-TW" smtClean="0"/>
+              <a:t>Fourth level</a:t>
             </a:r>
           </a:p>
           <a:p>
             <a:pPr lvl="4"/>
             <a:r>
-              <a:rPr lang="zh-TW" altLang="en-US" smtClean="0"/>
-              <a:t>第五層</a:t>
+              <a:rPr lang="en-US" altLang="zh-TW" smtClean="0"/>
+              <a:t>Fifth level</a:t>
             </a:r>
             <a:endParaRPr lang="zh-TW" altLang="en-US"/>
           </a:p>
@@ -1770,11 +1769,11 @@
           <a:bodyPr/>
           <a:lstStyle/>
           <a:p>
-            <a:fld id="{3E20FAF3-3B72-4A77-81E3-3A42C1E04649}" type="datetimeFigureOut">
-              <a:rPr lang="zh-TW" altLang="en-US" smtClean="0"/>
-              <a:t>2019/10/19</a:t>
+            <a:fld id="{E10093AE-C997-4515-AFDB-F32315071889}" type="datetimeFigureOut">
+              <a:rPr lang="vi-VN" smtClean="0"/>
+              <a:t>29/04/2022</a:t>
             </a:fld>
-            <a:endParaRPr lang="zh-TW" altLang="en-US"/>
+            <a:endParaRPr lang="vi-VN"/>
           </a:p>
         </p:txBody>
       </p:sp>
@@ -1793,7 +1792,7 @@
           <a:bodyPr/>
           <a:lstStyle/>
           <a:p>
-            <a:endParaRPr lang="zh-TW" altLang="en-US"/>
+            <a:endParaRPr lang="vi-VN"/>
           </a:p>
         </p:txBody>
       </p:sp>
@@ -1812,18 +1811,18 @@
           <a:bodyPr/>
           <a:lstStyle/>
           <a:p>
-            <a:fld id="{B3A30FE4-FA66-45D5-A040-3046D9CB4A42}" type="slidenum">
-              <a:rPr lang="zh-TW" altLang="en-US" smtClean="0"/>
+            <a:fld id="{87013BA9-E363-4992-95EA-E134D527EE7F}" type="slidenum">
+              <a:rPr lang="vi-VN" smtClean="0"/>
               <a:t>‹#›</a:t>
             </a:fld>
-            <a:endParaRPr lang="zh-TW" altLang="en-US"/>
+            <a:endParaRPr lang="vi-VN"/>
           </a:p>
         </p:txBody>
       </p:sp>
     </p:spTree>
     <p:extLst>
       <p:ext uri="{BB962C8B-B14F-4D97-AF65-F5344CB8AC3E}">
-        <p14:creationId xmlns:p14="http://schemas.microsoft.com/office/powerpoint/2010/main" val="2700061050"/>
+        <p14:creationId xmlns:p14="http://schemas.microsoft.com/office/powerpoint/2010/main" val="778582688"/>
       </p:ext>
     </p:extLst>
   </p:cSld>
@@ -1866,8 +1865,8 @@
           <a:lstStyle/>
           <a:p>
             <a:r>
-              <a:rPr lang="zh-TW" altLang="en-US" smtClean="0"/>
-              <a:t>按一下以編輯母片標題樣式</a:t>
+              <a:rPr lang="en-US" altLang="zh-TW" smtClean="0"/>
+              <a:t>Click to edit Master title style</a:t>
             </a:r>
             <a:endParaRPr lang="zh-TW" altLang="en-US"/>
           </a:p>
@@ -1888,11 +1887,11 @@
           <a:bodyPr/>
           <a:lstStyle/>
           <a:p>
-            <a:fld id="{3E20FAF3-3B72-4A77-81E3-3A42C1E04649}" type="datetimeFigureOut">
-              <a:rPr lang="zh-TW" altLang="en-US" smtClean="0"/>
-              <a:t>2019/10/19</a:t>
+            <a:fld id="{E10093AE-C997-4515-AFDB-F32315071889}" type="datetimeFigureOut">
+              <a:rPr lang="vi-VN" smtClean="0"/>
+              <a:t>29/04/2022</a:t>
             </a:fld>
-            <a:endParaRPr lang="zh-TW" altLang="en-US"/>
+            <a:endParaRPr lang="vi-VN"/>
           </a:p>
         </p:txBody>
       </p:sp>
@@ -1911,7 +1910,7 @@
           <a:bodyPr/>
           <a:lstStyle/>
           <a:p>
-            <a:endParaRPr lang="zh-TW" altLang="en-US"/>
+            <a:endParaRPr lang="vi-VN"/>
           </a:p>
         </p:txBody>
       </p:sp>
@@ -1930,18 +1929,18 @@
           <a:bodyPr/>
           <a:lstStyle/>
           <a:p>
-            <a:fld id="{B3A30FE4-FA66-45D5-A040-3046D9CB4A42}" type="slidenum">
-              <a:rPr lang="zh-TW" altLang="en-US" smtClean="0"/>
+            <a:fld id="{87013BA9-E363-4992-95EA-E134D527EE7F}" type="slidenum">
+              <a:rPr lang="vi-VN" smtClean="0"/>
               <a:t>‹#›</a:t>
             </a:fld>
-            <a:endParaRPr lang="zh-TW" altLang="en-US"/>
+            <a:endParaRPr lang="vi-VN"/>
           </a:p>
         </p:txBody>
       </p:sp>
     </p:spTree>
     <p:extLst>
       <p:ext uri="{BB962C8B-B14F-4D97-AF65-F5344CB8AC3E}">
-        <p14:creationId xmlns:p14="http://schemas.microsoft.com/office/powerpoint/2010/main" val="3655790412"/>
+        <p14:creationId xmlns:p14="http://schemas.microsoft.com/office/powerpoint/2010/main" val="3193780823"/>
       </p:ext>
     </p:extLst>
   </p:cSld>
@@ -1983,11 +1982,11 @@
           <a:bodyPr/>
           <a:lstStyle/>
           <a:p>
-            <a:fld id="{3E20FAF3-3B72-4A77-81E3-3A42C1E04649}" type="datetimeFigureOut">
-              <a:rPr lang="zh-TW" altLang="en-US" smtClean="0"/>
-              <a:t>2019/10/19</a:t>
+            <a:fld id="{E10093AE-C997-4515-AFDB-F32315071889}" type="datetimeFigureOut">
+              <a:rPr lang="vi-VN" smtClean="0"/>
+              <a:t>29/04/2022</a:t>
             </a:fld>
-            <a:endParaRPr lang="zh-TW" altLang="en-US"/>
+            <a:endParaRPr lang="vi-VN"/>
           </a:p>
         </p:txBody>
       </p:sp>
@@ -2006,7 +2005,7 @@
           <a:bodyPr/>
           <a:lstStyle/>
           <a:p>
-            <a:endParaRPr lang="zh-TW" altLang="en-US"/>
+            <a:endParaRPr lang="vi-VN"/>
           </a:p>
         </p:txBody>
       </p:sp>
@@ -2025,18 +2024,18 @@
           <a:bodyPr/>
           <a:lstStyle/>
           <a:p>
-            <a:fld id="{B3A30FE4-FA66-45D5-A040-3046D9CB4A42}" type="slidenum">
-              <a:rPr lang="zh-TW" altLang="en-US" smtClean="0"/>
+            <a:fld id="{87013BA9-E363-4992-95EA-E134D527EE7F}" type="slidenum">
+              <a:rPr lang="vi-VN" smtClean="0"/>
               <a:t>‹#›</a:t>
             </a:fld>
-            <a:endParaRPr lang="zh-TW" altLang="en-US"/>
+            <a:endParaRPr lang="vi-VN"/>
           </a:p>
         </p:txBody>
       </p:sp>
     </p:spTree>
     <p:extLst>
       <p:ext uri="{BB962C8B-B14F-4D97-AF65-F5344CB8AC3E}">
-        <p14:creationId xmlns:p14="http://schemas.microsoft.com/office/powerpoint/2010/main" val="2832132974"/>
+        <p14:creationId xmlns:p14="http://schemas.microsoft.com/office/powerpoint/2010/main" val="1446748221"/>
       </p:ext>
     </p:extLst>
   </p:cSld>
@@ -2075,21 +2074,21 @@
         </p:nvSpPr>
         <p:spPr>
           <a:xfrm>
-            <a:off x="609601" y="273050"/>
-            <a:ext cx="4011084" cy="1162050"/>
+            <a:off x="609602" y="273049"/>
+            <a:ext cx="4011084" cy="1162051"/>
           </a:xfrm>
         </p:spPr>
         <p:txBody>
           <a:bodyPr anchor="b"/>
           <a:lstStyle>
             <a:lvl1pPr algn="l">
-              <a:defRPr sz="2000" b="1"/>
+              <a:defRPr sz="2667" b="1"/>
             </a:lvl1pPr>
           </a:lstStyle>
           <a:p>
             <a:r>
-              <a:rPr lang="zh-TW" altLang="en-US" smtClean="0"/>
-              <a:t>按一下以編輯母片標題樣式</a:t>
+              <a:rPr lang="en-US" altLang="zh-TW" smtClean="0"/>
+              <a:t>Click to edit Master title style</a:t>
             </a:r>
             <a:endParaRPr lang="zh-TW" altLang="en-US"/>
           </a:p>
@@ -2107,7 +2106,7 @@
         </p:nvSpPr>
         <p:spPr>
           <a:xfrm>
-            <a:off x="4766733" y="273051"/>
+            <a:off x="4766733" y="273052"/>
             <a:ext cx="6815667" cy="5853113"/>
           </a:xfrm>
         </p:spPr>
@@ -2115,66 +2114,66 @@
           <a:bodyPr/>
           <a:lstStyle>
             <a:lvl1pPr>
-              <a:defRPr sz="3200"/>
+              <a:defRPr sz="4267"/>
             </a:lvl1pPr>
             <a:lvl2pPr>
-              <a:defRPr sz="2800"/>
+              <a:defRPr sz="3733"/>
             </a:lvl2pPr>
             <a:lvl3pPr>
-              <a:defRPr sz="2400"/>
+              <a:defRPr sz="3200"/>
             </a:lvl3pPr>
             <a:lvl4pPr>
-              <a:defRPr sz="2000"/>
+              <a:defRPr sz="2667"/>
             </a:lvl4pPr>
             <a:lvl5pPr>
-              <a:defRPr sz="2000"/>
+              <a:defRPr sz="2667"/>
             </a:lvl5pPr>
             <a:lvl6pPr>
-              <a:defRPr sz="2000"/>
+              <a:defRPr sz="2667"/>
             </a:lvl6pPr>
             <a:lvl7pPr>
-              <a:defRPr sz="2000"/>
+              <a:defRPr sz="2667"/>
             </a:lvl7pPr>
             <a:lvl8pPr>
-              <a:defRPr sz="2000"/>
+              <a:defRPr sz="2667"/>
             </a:lvl8pPr>
             <a:lvl9pPr>
-              <a:defRPr sz="2000"/>
+              <a:defRPr sz="2667"/>
             </a:lvl9pPr>
           </a:lstStyle>
           <a:p>
             <a:pPr lvl="0"/>
             <a:r>
-              <a:rPr lang="zh-TW" altLang="en-US" smtClean="0"/>
-              <a:t>按一下以編輯母片文字樣式</a:t>
+              <a:rPr lang="en-US" altLang="zh-TW" smtClean="0"/>
+              <a:t>Edit Master text styles</a:t>
             </a:r>
           </a:p>
           <a:p>
             <a:pPr lvl="1"/>
             <a:r>
-              <a:rPr lang="zh-TW" altLang="en-US" smtClean="0"/>
-              <a:t>第二層</a:t>
+              <a:rPr lang="en-US" altLang="zh-TW" smtClean="0"/>
+              <a:t>Second level</a:t>
             </a:r>
           </a:p>
           <a:p>
             <a:pPr lvl="2"/>
             <a:r>
-              <a:rPr lang="zh-TW" altLang="en-US" smtClean="0"/>
-              <a:t>第三層</a:t>
+              <a:rPr lang="en-US" altLang="zh-TW" smtClean="0"/>
+              <a:t>Third level</a:t>
             </a:r>
           </a:p>
           <a:p>
             <a:pPr lvl="3"/>
             <a:r>
-              <a:rPr lang="zh-TW" altLang="en-US" smtClean="0"/>
-              <a:t>第四層</a:t>
+              <a:rPr lang="en-US" altLang="zh-TW" smtClean="0"/>
+              <a:t>Fourth level</a:t>
             </a:r>
           </a:p>
           <a:p>
             <a:pPr lvl="4"/>
             <a:r>
-              <a:rPr lang="zh-TW" altLang="en-US" smtClean="0"/>
-              <a:t>第五層</a:t>
+              <a:rPr lang="en-US" altLang="zh-TW" smtClean="0"/>
+              <a:t>Fifth level</a:t>
             </a:r>
             <a:endParaRPr lang="zh-TW" altLang="en-US"/>
           </a:p>
@@ -2192,7 +2191,7 @@
         </p:nvSpPr>
         <p:spPr>
           <a:xfrm>
-            <a:off x="609601" y="1435101"/>
+            <a:off x="609602" y="1435102"/>
             <a:ext cx="4011084" cy="4691063"/>
           </a:xfrm>
         </p:spPr>
@@ -2201,46 +2200,46 @@
           <a:lstStyle>
             <a:lvl1pPr marL="0" indent="0">
               <a:buNone/>
-              <a:defRPr sz="1400"/>
+              <a:defRPr sz="1867"/>
             </a:lvl1pPr>
-            <a:lvl2pPr marL="457200" indent="0">
+            <a:lvl2pPr marL="609585" indent="0">
+              <a:buNone/>
+              <a:defRPr sz="1600"/>
+            </a:lvl2pPr>
+            <a:lvl3pPr marL="1219170" indent="0">
+              <a:buNone/>
+              <a:defRPr sz="1333"/>
+            </a:lvl3pPr>
+            <a:lvl4pPr marL="1828754" indent="0">
               <a:buNone/>
               <a:defRPr sz="1200"/>
-            </a:lvl2pPr>
-            <a:lvl3pPr marL="914400" indent="0">
-              <a:buNone/>
-              <a:defRPr sz="1000"/>
-            </a:lvl3pPr>
-            <a:lvl4pPr marL="1371600" indent="0">
-              <a:buNone/>
-              <a:defRPr sz="900"/>
             </a:lvl4pPr>
-            <a:lvl5pPr marL="1828800" indent="0">
-              <a:buNone/>
-              <a:defRPr sz="900"/>
+            <a:lvl5pPr marL="2438339" indent="0">
+              <a:buNone/>
+              <a:defRPr sz="1200"/>
             </a:lvl5pPr>
-            <a:lvl6pPr marL="2286000" indent="0">
-              <a:buNone/>
-              <a:defRPr sz="900"/>
+            <a:lvl6pPr marL="3047924" indent="0">
+              <a:buNone/>
+              <a:defRPr sz="1200"/>
             </a:lvl6pPr>
-            <a:lvl7pPr marL="2743200" indent="0">
-              <a:buNone/>
-              <a:defRPr sz="900"/>
+            <a:lvl7pPr marL="3657509" indent="0">
+              <a:buNone/>
+              <a:defRPr sz="1200"/>
             </a:lvl7pPr>
-            <a:lvl8pPr marL="3200400" indent="0">
-              <a:buNone/>
-              <a:defRPr sz="900"/>
+            <a:lvl8pPr marL="4267093" indent="0">
+              <a:buNone/>
+              <a:defRPr sz="1200"/>
             </a:lvl8pPr>
-            <a:lvl9pPr marL="3657600" indent="0">
-              <a:buNone/>
-              <a:defRPr sz="900"/>
+            <a:lvl9pPr marL="4876678" indent="0">
+              <a:buNone/>
+              <a:defRPr sz="1200"/>
             </a:lvl9pPr>
           </a:lstStyle>
           <a:p>
             <a:pPr lvl="0"/>
             <a:r>
-              <a:rPr lang="zh-TW" altLang="en-US" smtClean="0"/>
-              <a:t>按一下以編輯母片文字樣式</a:t>
+              <a:rPr lang="en-US" altLang="zh-TW" smtClean="0"/>
+              <a:t>Edit Master text styles</a:t>
             </a:r>
           </a:p>
         </p:txBody>
@@ -2260,11 +2259,11 @@
           <a:bodyPr/>
           <a:lstStyle/>
           <a:p>
-            <a:fld id="{3E20FAF3-3B72-4A77-81E3-3A42C1E04649}" type="datetimeFigureOut">
-              <a:rPr lang="zh-TW" altLang="en-US" smtClean="0"/>
-              <a:t>2019/10/19</a:t>
+            <a:fld id="{E10093AE-C997-4515-AFDB-F32315071889}" type="datetimeFigureOut">
+              <a:rPr lang="vi-VN" smtClean="0"/>
+              <a:t>29/04/2022</a:t>
             </a:fld>
-            <a:endParaRPr lang="zh-TW" altLang="en-US"/>
+            <a:endParaRPr lang="vi-VN"/>
           </a:p>
         </p:txBody>
       </p:sp>
@@ -2283,7 +2282,7 @@
           <a:bodyPr/>
           <a:lstStyle/>
           <a:p>
-            <a:endParaRPr lang="zh-TW" altLang="en-US"/>
+            <a:endParaRPr lang="vi-VN"/>
           </a:p>
         </p:txBody>
       </p:sp>
@@ -2302,18 +2301,18 @@
           <a:bodyPr/>
           <a:lstStyle/>
           <a:p>
-            <a:fld id="{B3A30FE4-FA66-45D5-A040-3046D9CB4A42}" type="slidenum">
-              <a:rPr lang="zh-TW" altLang="en-US" smtClean="0"/>
+            <a:fld id="{87013BA9-E363-4992-95EA-E134D527EE7F}" type="slidenum">
+              <a:rPr lang="vi-VN" smtClean="0"/>
               <a:t>‹#›</a:t>
             </a:fld>
-            <a:endParaRPr lang="zh-TW" altLang="en-US"/>
+            <a:endParaRPr lang="vi-VN"/>
           </a:p>
         </p:txBody>
       </p:sp>
     </p:spTree>
     <p:extLst>
       <p:ext uri="{BB962C8B-B14F-4D97-AF65-F5344CB8AC3E}">
-        <p14:creationId xmlns:p14="http://schemas.microsoft.com/office/powerpoint/2010/main" val="2173211376"/>
+        <p14:creationId xmlns:p14="http://schemas.microsoft.com/office/powerpoint/2010/main" val="2348764991"/>
       </p:ext>
     </p:extLst>
   </p:cSld>
@@ -2353,20 +2352,20 @@
         <p:spPr>
           <a:xfrm>
             <a:off x="2389717" y="4800600"/>
-            <a:ext cx="7315200" cy="566738"/>
+            <a:ext cx="7315200" cy="566739"/>
           </a:xfrm>
         </p:spPr>
         <p:txBody>
           <a:bodyPr anchor="b"/>
           <a:lstStyle>
             <a:lvl1pPr algn="l">
-              <a:defRPr sz="2000" b="1"/>
+              <a:defRPr sz="2667" b="1"/>
             </a:lvl1pPr>
           </a:lstStyle>
           <a:p>
             <a:r>
-              <a:rPr lang="zh-TW" altLang="en-US" smtClean="0"/>
-              <a:t>按一下以編輯母片標題樣式</a:t>
+              <a:rPr lang="en-US" altLang="zh-TW" smtClean="0"/>
+              <a:t>Click to edit Master title style</a:t>
             </a:r>
             <a:endParaRPr lang="zh-TW" altLang="en-US"/>
           </a:p>
@@ -2393,45 +2392,45 @@
           <a:lstStyle>
             <a:lvl1pPr marL="0" indent="0">
               <a:buNone/>
+              <a:defRPr sz="4267"/>
+            </a:lvl1pPr>
+            <a:lvl2pPr marL="609585" indent="0">
+              <a:buNone/>
+              <a:defRPr sz="3733"/>
+            </a:lvl2pPr>
+            <a:lvl3pPr marL="1219170" indent="0">
+              <a:buNone/>
               <a:defRPr sz="3200"/>
-            </a:lvl1pPr>
-            <a:lvl2pPr marL="457200" indent="0">
-              <a:buNone/>
-              <a:defRPr sz="2800"/>
-            </a:lvl2pPr>
-            <a:lvl3pPr marL="914400" indent="0">
-              <a:buNone/>
-              <a:defRPr sz="2400"/>
             </a:lvl3pPr>
-            <a:lvl4pPr marL="1371600" indent="0">
-              <a:buNone/>
-              <a:defRPr sz="2000"/>
+            <a:lvl4pPr marL="1828754" indent="0">
+              <a:buNone/>
+              <a:defRPr sz="2667"/>
             </a:lvl4pPr>
-            <a:lvl5pPr marL="1828800" indent="0">
-              <a:buNone/>
-              <a:defRPr sz="2000"/>
+            <a:lvl5pPr marL="2438339" indent="0">
+              <a:buNone/>
+              <a:defRPr sz="2667"/>
             </a:lvl5pPr>
-            <a:lvl6pPr marL="2286000" indent="0">
-              <a:buNone/>
-              <a:defRPr sz="2000"/>
+            <a:lvl6pPr marL="3047924" indent="0">
+              <a:buNone/>
+              <a:defRPr sz="2667"/>
             </a:lvl6pPr>
-            <a:lvl7pPr marL="2743200" indent="0">
-              <a:buNone/>
-              <a:defRPr sz="2000"/>
+            <a:lvl7pPr marL="3657509" indent="0">
+              <a:buNone/>
+              <a:defRPr sz="2667"/>
             </a:lvl7pPr>
-            <a:lvl8pPr marL="3200400" indent="0">
-              <a:buNone/>
-              <a:defRPr sz="2000"/>
+            <a:lvl8pPr marL="4267093" indent="0">
+              <a:buNone/>
+              <a:defRPr sz="2667"/>
             </a:lvl8pPr>
-            <a:lvl9pPr marL="3657600" indent="0">
-              <a:buNone/>
-              <a:defRPr sz="2000"/>
+            <a:lvl9pPr marL="4876678" indent="0">
+              <a:buNone/>
+              <a:defRPr sz="2667"/>
             </a:lvl9pPr>
           </a:lstStyle>
           <a:p>
             <a:r>
-              <a:rPr lang="zh-TW" altLang="en-US" smtClean="0"/>
-              <a:t>按一下圖示以新增圖片</a:t>
+              <a:rPr lang="en-US" altLang="zh-TW" smtClean="0"/>
+              <a:t>Click icon to add picture</a:t>
             </a:r>
             <a:endParaRPr lang="zh-TW" altLang="en-US"/>
           </a:p>
@@ -2450,7 +2449,7 @@
         <p:spPr>
           <a:xfrm>
             <a:off x="2389717" y="5367338"/>
-            <a:ext cx="7315200" cy="804862"/>
+            <a:ext cx="7315200" cy="804863"/>
           </a:xfrm>
         </p:spPr>
         <p:txBody>
@@ -2458,46 +2457,46 @@
           <a:lstStyle>
             <a:lvl1pPr marL="0" indent="0">
               <a:buNone/>
-              <a:defRPr sz="1400"/>
+              <a:defRPr sz="1867"/>
             </a:lvl1pPr>
-            <a:lvl2pPr marL="457200" indent="0">
+            <a:lvl2pPr marL="609585" indent="0">
+              <a:buNone/>
+              <a:defRPr sz="1600"/>
+            </a:lvl2pPr>
+            <a:lvl3pPr marL="1219170" indent="0">
+              <a:buNone/>
+              <a:defRPr sz="1333"/>
+            </a:lvl3pPr>
+            <a:lvl4pPr marL="1828754" indent="0">
               <a:buNone/>
               <a:defRPr sz="1200"/>
-            </a:lvl2pPr>
-            <a:lvl3pPr marL="914400" indent="0">
-              <a:buNone/>
-              <a:defRPr sz="1000"/>
-            </a:lvl3pPr>
-            <a:lvl4pPr marL="1371600" indent="0">
-              <a:buNone/>
-              <a:defRPr sz="900"/>
             </a:lvl4pPr>
-            <a:lvl5pPr marL="1828800" indent="0">
-              <a:buNone/>
-              <a:defRPr sz="900"/>
+            <a:lvl5pPr marL="2438339" indent="0">
+              <a:buNone/>
+              <a:defRPr sz="1200"/>
             </a:lvl5pPr>
-            <a:lvl6pPr marL="2286000" indent="0">
-              <a:buNone/>
-              <a:defRPr sz="900"/>
+            <a:lvl6pPr marL="3047924" indent="0">
+              <a:buNone/>
+              <a:defRPr sz="1200"/>
             </a:lvl6pPr>
-            <a:lvl7pPr marL="2743200" indent="0">
-              <a:buNone/>
-              <a:defRPr sz="900"/>
+            <a:lvl7pPr marL="3657509" indent="0">
+              <a:buNone/>
+              <a:defRPr sz="1200"/>
             </a:lvl7pPr>
-            <a:lvl8pPr marL="3200400" indent="0">
-              <a:buNone/>
-              <a:defRPr sz="900"/>
+            <a:lvl8pPr marL="4267093" indent="0">
+              <a:buNone/>
+              <a:defRPr sz="1200"/>
             </a:lvl8pPr>
-            <a:lvl9pPr marL="3657600" indent="0">
-              <a:buNone/>
-              <a:defRPr sz="900"/>
+            <a:lvl9pPr marL="4876678" indent="0">
+              <a:buNone/>
+              <a:defRPr sz="1200"/>
             </a:lvl9pPr>
           </a:lstStyle>
           <a:p>
             <a:pPr lvl="0"/>
             <a:r>
-              <a:rPr lang="zh-TW" altLang="en-US" smtClean="0"/>
-              <a:t>按一下以編輯母片文字樣式</a:t>
+              <a:rPr lang="en-US" altLang="zh-TW" smtClean="0"/>
+              <a:t>Edit Master text styles</a:t>
             </a:r>
           </a:p>
         </p:txBody>
@@ -2517,11 +2516,11 @@
           <a:bodyPr/>
           <a:lstStyle/>
           <a:p>
-            <a:fld id="{3E20FAF3-3B72-4A77-81E3-3A42C1E04649}" type="datetimeFigureOut">
-              <a:rPr lang="zh-TW" altLang="en-US" smtClean="0"/>
-              <a:t>2019/10/19</a:t>
+            <a:fld id="{E10093AE-C997-4515-AFDB-F32315071889}" type="datetimeFigureOut">
+              <a:rPr lang="vi-VN" smtClean="0"/>
+              <a:t>29/04/2022</a:t>
             </a:fld>
-            <a:endParaRPr lang="zh-TW" altLang="en-US"/>
+            <a:endParaRPr lang="vi-VN"/>
           </a:p>
         </p:txBody>
       </p:sp>
@@ -2540,7 +2539,7 @@
           <a:bodyPr/>
           <a:lstStyle/>
           <a:p>
-            <a:endParaRPr lang="zh-TW" altLang="en-US"/>
+            <a:endParaRPr lang="vi-VN"/>
           </a:p>
         </p:txBody>
       </p:sp>
@@ -2559,18 +2558,18 @@
           <a:bodyPr/>
           <a:lstStyle/>
           <a:p>
-            <a:fld id="{B3A30FE4-FA66-45D5-A040-3046D9CB4A42}" type="slidenum">
-              <a:rPr lang="zh-TW" altLang="en-US" smtClean="0"/>
+            <a:fld id="{87013BA9-E363-4992-95EA-E134D527EE7F}" type="slidenum">
+              <a:rPr lang="vi-VN" smtClean="0"/>
               <a:t>‹#›</a:t>
             </a:fld>
-            <a:endParaRPr lang="zh-TW" altLang="en-US"/>
+            <a:endParaRPr lang="vi-VN"/>
           </a:p>
         </p:txBody>
       </p:sp>
     </p:spTree>
     <p:extLst>
       <p:ext uri="{BB962C8B-B14F-4D97-AF65-F5344CB8AC3E}">
-        <p14:creationId xmlns:p14="http://schemas.microsoft.com/office/powerpoint/2010/main" val="4088441843"/>
+        <p14:creationId xmlns:p14="http://schemas.microsoft.com/office/powerpoint/2010/main" val="984778763"/>
       </p:ext>
     </p:extLst>
   </p:cSld>
@@ -2619,7 +2618,7 @@
         </p:nvSpPr>
         <p:spPr>
           <a:xfrm>
-            <a:off x="609600" y="274638"/>
+            <a:off x="609600" y="274639"/>
             <a:ext cx="10972800" cy="1143000"/>
           </a:xfrm>
           <a:prstGeom prst="rect">
@@ -2725,7 +2724,7 @@
           <a:bodyPr vert="horz" lIns="91440" tIns="45720" rIns="91440" bIns="45720" rtlCol="0" anchor="ctr"/>
           <a:lstStyle>
             <a:lvl1pPr algn="l">
-              <a:defRPr sz="1200">
+              <a:defRPr sz="1600">
                 <a:solidFill>
                   <a:schemeClr val="tx1">
                     <a:tint val="75000"/>
@@ -2735,11 +2734,11 @@
             </a:lvl1pPr>
           </a:lstStyle>
           <a:p>
-            <a:fld id="{3E20FAF3-3B72-4A77-81E3-3A42C1E04649}" type="datetimeFigureOut">
-              <a:rPr lang="zh-TW" altLang="en-US" smtClean="0"/>
-              <a:t>2019/10/19</a:t>
+            <a:fld id="{E10093AE-C997-4515-AFDB-F32315071889}" type="datetimeFigureOut">
+              <a:rPr lang="vi-VN" smtClean="0"/>
+              <a:t>29/04/2022</a:t>
             </a:fld>
-            <a:endParaRPr lang="zh-TW" altLang="en-US"/>
+            <a:endParaRPr lang="vi-VN"/>
           </a:p>
         </p:txBody>
       </p:sp>
@@ -2766,7 +2765,7 @@
           <a:bodyPr vert="horz" lIns="91440" tIns="45720" rIns="91440" bIns="45720" rtlCol="0" anchor="ctr"/>
           <a:lstStyle>
             <a:lvl1pPr algn="ctr">
-              <a:defRPr sz="1200">
+              <a:defRPr sz="1600">
                 <a:solidFill>
                   <a:schemeClr val="tx1">
                     <a:tint val="75000"/>
@@ -2776,7 +2775,7 @@
             </a:lvl1pPr>
           </a:lstStyle>
           <a:p>
-            <a:endParaRPr lang="zh-TW" altLang="en-US"/>
+            <a:endParaRPr lang="vi-VN"/>
           </a:p>
         </p:txBody>
       </p:sp>
@@ -2803,7 +2802,7 @@
           <a:bodyPr vert="horz" lIns="91440" tIns="45720" rIns="91440" bIns="45720" rtlCol="0" anchor="ctr"/>
           <a:lstStyle>
             <a:lvl1pPr algn="r">
-              <a:defRPr sz="1200">
+              <a:defRPr sz="1600">
                 <a:solidFill>
                   <a:schemeClr val="tx1">
                     <a:tint val="75000"/>
@@ -2813,18 +2812,18 @@
             </a:lvl1pPr>
           </a:lstStyle>
           <a:p>
-            <a:fld id="{B3A30FE4-FA66-45D5-A040-3046D9CB4A42}" type="slidenum">
-              <a:rPr lang="zh-TW" altLang="en-US" smtClean="0"/>
+            <a:fld id="{87013BA9-E363-4992-95EA-E134D527EE7F}" type="slidenum">
+              <a:rPr lang="vi-VN" smtClean="0"/>
               <a:t>‹#›</a:t>
             </a:fld>
-            <a:endParaRPr lang="zh-TW" altLang="en-US"/>
+            <a:endParaRPr lang="vi-VN"/>
           </a:p>
         </p:txBody>
       </p:sp>
     </p:spTree>
     <p:extLst>
       <p:ext uri="{BB962C8B-B14F-4D97-AF65-F5344CB8AC3E}">
-        <p14:creationId xmlns:p14="http://schemas.microsoft.com/office/powerpoint/2010/main" val="834821607"/>
+        <p14:creationId xmlns:p14="http://schemas.microsoft.com/office/powerpoint/2010/main" val="464860626"/>
       </p:ext>
     </p:extLst>
   </p:cSld>
@@ -2844,12 +2843,12 @@
   </p:sldLayoutIdLst>
   <p:txStyles>
     <p:titleStyle>
-      <a:lvl1pPr algn="ctr" defTabSz="914400" rtl="0" eaLnBrk="1" latinLnBrk="0" hangingPunct="1">
+      <a:lvl1pPr algn="ctr" defTabSz="1219170" rtl="0" eaLnBrk="1" latinLnBrk="0" hangingPunct="1">
         <a:spcBef>
           <a:spcPct val="0"/>
         </a:spcBef>
         <a:buNone/>
-        <a:defRPr sz="4400" kern="1200">
+        <a:defRPr sz="5867" kern="1200">
           <a:solidFill>
             <a:schemeClr val="tx1"/>
           </a:solidFill>
@@ -2860,7 +2859,37 @@
       </a:lvl1pPr>
     </p:titleStyle>
     <p:bodyStyle>
-      <a:lvl1pPr marL="342900" indent="-342900" algn="l" defTabSz="914400" rtl="0" eaLnBrk="1" latinLnBrk="0" hangingPunct="1">
+      <a:lvl1pPr marL="457189" indent="-457189" algn="l" defTabSz="1219170" rtl="0" eaLnBrk="1" latinLnBrk="0" hangingPunct="1">
+        <a:spcBef>
+          <a:spcPct val="20000"/>
+        </a:spcBef>
+        <a:buFont typeface="Arial" pitchFamily="34" charset="0"/>
+        <a:buChar char="•"/>
+        <a:defRPr sz="4267" kern="1200">
+          <a:solidFill>
+            <a:schemeClr val="tx1"/>
+          </a:solidFill>
+          <a:latin typeface="+mn-lt"/>
+          <a:ea typeface="+mn-ea"/>
+          <a:cs typeface="+mn-cs"/>
+        </a:defRPr>
+      </a:lvl1pPr>
+      <a:lvl2pPr marL="990575" indent="-380990" algn="l" defTabSz="1219170" rtl="0" eaLnBrk="1" latinLnBrk="0" hangingPunct="1">
+        <a:spcBef>
+          <a:spcPct val="20000"/>
+        </a:spcBef>
+        <a:buFont typeface="Arial" pitchFamily="34" charset="0"/>
+        <a:buChar char="–"/>
+        <a:defRPr sz="3733" kern="1200">
+          <a:solidFill>
+            <a:schemeClr val="tx1"/>
+          </a:solidFill>
+          <a:latin typeface="+mn-lt"/>
+          <a:ea typeface="+mn-ea"/>
+          <a:cs typeface="+mn-cs"/>
+        </a:defRPr>
+      </a:lvl2pPr>
+      <a:lvl3pPr marL="1523962" indent="-304792" algn="l" defTabSz="1219170" rtl="0" eaLnBrk="1" latinLnBrk="0" hangingPunct="1">
         <a:spcBef>
           <a:spcPct val="20000"/>
         </a:spcBef>
@@ -2874,44 +2903,14 @@
           <a:ea typeface="+mn-ea"/>
           <a:cs typeface="+mn-cs"/>
         </a:defRPr>
-      </a:lvl1pPr>
-      <a:lvl2pPr marL="742950" indent="-285750" algn="l" defTabSz="914400" rtl="0" eaLnBrk="1" latinLnBrk="0" hangingPunct="1">
+      </a:lvl3pPr>
+      <a:lvl4pPr marL="2133547" indent="-304792" algn="l" defTabSz="1219170" rtl="0" eaLnBrk="1" latinLnBrk="0" hangingPunct="1">
         <a:spcBef>
           <a:spcPct val="20000"/>
         </a:spcBef>
         <a:buFont typeface="Arial" pitchFamily="34" charset="0"/>
         <a:buChar char="–"/>
-        <a:defRPr sz="2800" kern="1200">
-          <a:solidFill>
-            <a:schemeClr val="tx1"/>
-          </a:solidFill>
-          <a:latin typeface="+mn-lt"/>
-          <a:ea typeface="+mn-ea"/>
-          <a:cs typeface="+mn-cs"/>
-        </a:defRPr>
-      </a:lvl2pPr>
-      <a:lvl3pPr marL="1143000" indent="-228600" algn="l" defTabSz="914400" rtl="0" eaLnBrk="1" latinLnBrk="0" hangingPunct="1">
-        <a:spcBef>
-          <a:spcPct val="20000"/>
-        </a:spcBef>
-        <a:buFont typeface="Arial" pitchFamily="34" charset="0"/>
-        <a:buChar char="•"/>
-        <a:defRPr sz="2400" kern="1200">
-          <a:solidFill>
-            <a:schemeClr val="tx1"/>
-          </a:solidFill>
-          <a:latin typeface="+mn-lt"/>
-          <a:ea typeface="+mn-ea"/>
-          <a:cs typeface="+mn-cs"/>
-        </a:defRPr>
-      </a:lvl3pPr>
-      <a:lvl4pPr marL="1600200" indent="-228600" algn="l" defTabSz="914400" rtl="0" eaLnBrk="1" latinLnBrk="0" hangingPunct="1">
-        <a:spcBef>
-          <a:spcPct val="20000"/>
-        </a:spcBef>
-        <a:buFont typeface="Arial" pitchFamily="34" charset="0"/>
-        <a:buChar char="–"/>
-        <a:defRPr sz="2000" kern="1200">
+        <a:defRPr sz="2667" kern="1200">
           <a:solidFill>
             <a:schemeClr val="tx1"/>
           </a:solidFill>
@@ -2920,13 +2919,13 @@
           <a:cs typeface="+mn-cs"/>
         </a:defRPr>
       </a:lvl4pPr>
-      <a:lvl5pPr marL="2057400" indent="-228600" algn="l" defTabSz="914400" rtl="0" eaLnBrk="1" latinLnBrk="0" hangingPunct="1">
+      <a:lvl5pPr marL="2743131" indent="-304792" algn="l" defTabSz="1219170" rtl="0" eaLnBrk="1" latinLnBrk="0" hangingPunct="1">
         <a:spcBef>
           <a:spcPct val="20000"/>
         </a:spcBef>
         <a:buFont typeface="Arial" pitchFamily="34" charset="0"/>
         <a:buChar char="»"/>
-        <a:defRPr sz="2000" kern="1200">
+        <a:defRPr sz="2667" kern="1200">
           <a:solidFill>
             <a:schemeClr val="tx1"/>
           </a:solidFill>
@@ -2935,13 +2934,13 @@
           <a:cs typeface="+mn-cs"/>
         </a:defRPr>
       </a:lvl5pPr>
-      <a:lvl6pPr marL="2514600" indent="-228600" algn="l" defTabSz="914400" rtl="0" eaLnBrk="1" latinLnBrk="0" hangingPunct="1">
+      <a:lvl6pPr marL="3352716" indent="-304792" algn="l" defTabSz="1219170" rtl="0" eaLnBrk="1" latinLnBrk="0" hangingPunct="1">
         <a:spcBef>
           <a:spcPct val="20000"/>
         </a:spcBef>
         <a:buFont typeface="Arial" pitchFamily="34" charset="0"/>
         <a:buChar char="•"/>
-        <a:defRPr sz="2000" kern="1200">
+        <a:defRPr sz="2667" kern="1200">
           <a:solidFill>
             <a:schemeClr val="tx1"/>
           </a:solidFill>
@@ -2950,13 +2949,13 @@
           <a:cs typeface="+mn-cs"/>
         </a:defRPr>
       </a:lvl6pPr>
-      <a:lvl7pPr marL="2971800" indent="-228600" algn="l" defTabSz="914400" rtl="0" eaLnBrk="1" latinLnBrk="0" hangingPunct="1">
+      <a:lvl7pPr marL="3962301" indent="-304792" algn="l" defTabSz="1219170" rtl="0" eaLnBrk="1" latinLnBrk="0" hangingPunct="1">
         <a:spcBef>
           <a:spcPct val="20000"/>
         </a:spcBef>
         <a:buFont typeface="Arial" pitchFamily="34" charset="0"/>
         <a:buChar char="•"/>
-        <a:defRPr sz="2000" kern="1200">
+        <a:defRPr sz="2667" kern="1200">
           <a:solidFill>
             <a:schemeClr val="tx1"/>
           </a:solidFill>
@@ -2965,13 +2964,13 @@
           <a:cs typeface="+mn-cs"/>
         </a:defRPr>
       </a:lvl7pPr>
-      <a:lvl8pPr marL="3429000" indent="-228600" algn="l" defTabSz="914400" rtl="0" eaLnBrk="1" latinLnBrk="0" hangingPunct="1">
+      <a:lvl8pPr marL="4571886" indent="-304792" algn="l" defTabSz="1219170" rtl="0" eaLnBrk="1" latinLnBrk="0" hangingPunct="1">
         <a:spcBef>
           <a:spcPct val="20000"/>
         </a:spcBef>
         <a:buFont typeface="Arial" pitchFamily="34" charset="0"/>
         <a:buChar char="•"/>
-        <a:defRPr sz="2000" kern="1200">
+        <a:defRPr sz="2667" kern="1200">
           <a:solidFill>
             <a:schemeClr val="tx1"/>
           </a:solidFill>
@@ -2980,13 +2979,13 @@
           <a:cs typeface="+mn-cs"/>
         </a:defRPr>
       </a:lvl8pPr>
-      <a:lvl9pPr marL="3886200" indent="-228600" algn="l" defTabSz="914400" rtl="0" eaLnBrk="1" latinLnBrk="0" hangingPunct="1">
+      <a:lvl9pPr marL="5181470" indent="-304792" algn="l" defTabSz="1219170" rtl="0" eaLnBrk="1" latinLnBrk="0" hangingPunct="1">
         <a:spcBef>
           <a:spcPct val="20000"/>
         </a:spcBef>
         <a:buFont typeface="Arial" pitchFamily="34" charset="0"/>
         <a:buChar char="•"/>
-        <a:defRPr sz="2000" kern="1200">
+        <a:defRPr sz="2667" kern="1200">
           <a:solidFill>
             <a:schemeClr val="tx1"/>
           </a:solidFill>
@@ -3000,8 +2999,8 @@
       <a:defPPr>
         <a:defRPr lang="zh-TW"/>
       </a:defPPr>
-      <a:lvl1pPr marL="0" algn="l" defTabSz="914400" rtl="0" eaLnBrk="1" latinLnBrk="0" hangingPunct="1">
-        <a:defRPr sz="1800" kern="1200">
+      <a:lvl1pPr marL="0" algn="l" defTabSz="1219170" rtl="0" eaLnBrk="1" latinLnBrk="0" hangingPunct="1">
+        <a:defRPr sz="2400" kern="1200">
           <a:solidFill>
             <a:schemeClr val="tx1"/>
           </a:solidFill>
@@ -3010,8 +3009,8 @@
           <a:cs typeface="+mn-cs"/>
         </a:defRPr>
       </a:lvl1pPr>
-      <a:lvl2pPr marL="457200" algn="l" defTabSz="914400" rtl="0" eaLnBrk="1" latinLnBrk="0" hangingPunct="1">
-        <a:defRPr sz="1800" kern="1200">
+      <a:lvl2pPr marL="609585" algn="l" defTabSz="1219170" rtl="0" eaLnBrk="1" latinLnBrk="0" hangingPunct="1">
+        <a:defRPr sz="2400" kern="1200">
           <a:solidFill>
             <a:schemeClr val="tx1"/>
           </a:solidFill>
@@ -3020,8 +3019,8 @@
           <a:cs typeface="+mn-cs"/>
         </a:defRPr>
       </a:lvl2pPr>
-      <a:lvl3pPr marL="914400" algn="l" defTabSz="914400" rtl="0" eaLnBrk="1" latinLnBrk="0" hangingPunct="1">
-        <a:defRPr sz="1800" kern="1200">
+      <a:lvl3pPr marL="1219170" algn="l" defTabSz="1219170" rtl="0" eaLnBrk="1" latinLnBrk="0" hangingPunct="1">
+        <a:defRPr sz="2400" kern="1200">
           <a:solidFill>
             <a:schemeClr val="tx1"/>
           </a:solidFill>
@@ -3030,8 +3029,8 @@
           <a:cs typeface="+mn-cs"/>
         </a:defRPr>
       </a:lvl3pPr>
-      <a:lvl4pPr marL="1371600" algn="l" defTabSz="914400" rtl="0" eaLnBrk="1" latinLnBrk="0" hangingPunct="1">
-        <a:defRPr sz="1800" kern="1200">
+      <a:lvl4pPr marL="1828754" algn="l" defTabSz="1219170" rtl="0" eaLnBrk="1" latinLnBrk="0" hangingPunct="1">
+        <a:defRPr sz="2400" kern="1200">
           <a:solidFill>
             <a:schemeClr val="tx1"/>
           </a:solidFill>
@@ -3040,8 +3039,8 @@
           <a:cs typeface="+mn-cs"/>
         </a:defRPr>
       </a:lvl4pPr>
-      <a:lvl5pPr marL="1828800" algn="l" defTabSz="914400" rtl="0" eaLnBrk="1" latinLnBrk="0" hangingPunct="1">
-        <a:defRPr sz="1800" kern="1200">
+      <a:lvl5pPr marL="2438339" algn="l" defTabSz="1219170" rtl="0" eaLnBrk="1" latinLnBrk="0" hangingPunct="1">
+        <a:defRPr sz="2400" kern="1200">
           <a:solidFill>
             <a:schemeClr val="tx1"/>
           </a:solidFill>
@@ -3050,8 +3049,8 @@
           <a:cs typeface="+mn-cs"/>
         </a:defRPr>
       </a:lvl5pPr>
-      <a:lvl6pPr marL="2286000" algn="l" defTabSz="914400" rtl="0" eaLnBrk="1" latinLnBrk="0" hangingPunct="1">
-        <a:defRPr sz="1800" kern="1200">
+      <a:lvl6pPr marL="3047924" algn="l" defTabSz="1219170" rtl="0" eaLnBrk="1" latinLnBrk="0" hangingPunct="1">
+        <a:defRPr sz="2400" kern="1200">
           <a:solidFill>
             <a:schemeClr val="tx1"/>
           </a:solidFill>
@@ -3060,8 +3059,8 @@
           <a:cs typeface="+mn-cs"/>
         </a:defRPr>
       </a:lvl6pPr>
-      <a:lvl7pPr marL="2743200" algn="l" defTabSz="914400" rtl="0" eaLnBrk="1" latinLnBrk="0" hangingPunct="1">
-        <a:defRPr sz="1800" kern="1200">
+      <a:lvl7pPr marL="3657509" algn="l" defTabSz="1219170" rtl="0" eaLnBrk="1" latinLnBrk="0" hangingPunct="1">
+        <a:defRPr sz="2400" kern="1200">
           <a:solidFill>
             <a:schemeClr val="tx1"/>
           </a:solidFill>
@@ -3070,8 +3069,8 @@
           <a:cs typeface="+mn-cs"/>
         </a:defRPr>
       </a:lvl7pPr>
-      <a:lvl8pPr marL="3200400" algn="l" defTabSz="914400" rtl="0" eaLnBrk="1" latinLnBrk="0" hangingPunct="1">
-        <a:defRPr sz="1800" kern="1200">
+      <a:lvl8pPr marL="4267093" algn="l" defTabSz="1219170" rtl="0" eaLnBrk="1" latinLnBrk="0" hangingPunct="1">
+        <a:defRPr sz="2400" kern="1200">
           <a:solidFill>
             <a:schemeClr val="tx1"/>
           </a:solidFill>
@@ -3080,8 +3079,8 @@
           <a:cs typeface="+mn-cs"/>
         </a:defRPr>
       </a:lvl8pPr>
-      <a:lvl9pPr marL="3657600" algn="l" defTabSz="914400" rtl="0" eaLnBrk="1" latinLnBrk="0" hangingPunct="1">
-        <a:defRPr sz="1800" kern="1200">
+      <a:lvl9pPr marL="4876678" algn="l" defTabSz="1219170" rtl="0" eaLnBrk="1" latinLnBrk="0" hangingPunct="1">
+        <a:defRPr sz="2400" kern="1200">
           <a:solidFill>
             <a:schemeClr val="tx1"/>
           </a:solidFill>
@@ -3114,49 +3113,18 @@
       </p:grpSpPr>
       <p:sp>
         <p:nvSpPr>
-          <p:cNvPr id="2" name="標題 1"/>
+          <p:cNvPr id="4" name="標題 3"/>
           <p:cNvSpPr>
             <a:spLocks noGrp="1"/>
           </p:cNvSpPr>
           <p:nvPr>
             <p:ph type="title"/>
-          </p:nvPr>
-        </p:nvSpPr>
-        <p:spPr/>
-        <p:txBody>
-          <a:bodyPr>
-            <a:normAutofit/>
-          </a:bodyPr>
-          <a:lstStyle/>
-          <a:p>
-            <a:r>
-              <a:rPr lang="zh-TW" altLang="zh-TW" sz="4800" b="1" dirty="0">
-                <a:latin typeface="微軟正黑體" panose="020B0604030504040204" pitchFamily="34" charset="-120"/>
-                <a:ea typeface="微軟正黑體" panose="020B0604030504040204" pitchFamily="34" charset="-120"/>
-              </a:rPr>
-              <a:t>我神真偉大</a:t>
-            </a:r>
-            <a:endParaRPr lang="zh-TW" altLang="en-US" sz="4800" b="1" dirty="0">
-              <a:latin typeface="微軟正黑體" panose="020B0604030504040204" pitchFamily="34" charset="-120"/>
-              <a:ea typeface="微軟正黑體" panose="020B0604030504040204" pitchFamily="34" charset="-120"/>
-            </a:endParaRPr>
-          </a:p>
-        </p:txBody>
-      </p:sp>
-      <p:sp>
-        <p:nvSpPr>
-          <p:cNvPr id="3" name="內容版面配置區 2"/>
-          <p:cNvSpPr>
-            <a:spLocks noGrp="1"/>
-          </p:cNvSpPr>
-          <p:nvPr>
-            <p:ph idx="1"/>
           </p:nvPr>
         </p:nvSpPr>
         <p:spPr>
           <a:xfrm>
-            <a:off x="0" y="1600201"/>
-            <a:ext cx="12192000" cy="4525963"/>
+            <a:off x="0" y="2660915"/>
+            <a:ext cx="12192000" cy="1143000"/>
           </a:xfrm>
         </p:spPr>
         <p:txBody>
@@ -3165,160 +3133,47 @@
           </a:bodyPr>
           <a:lstStyle/>
           <a:p>
-            <a:pPr marL="0" indent="0" algn="ctr">
-              <a:buNone/>
-            </a:pPr>
-            <a:r>
-              <a:rPr lang="zh-TW" altLang="zh-TW" sz="6000" b="1" dirty="0" smtClean="0">
-                <a:latin typeface="微軟正黑體" panose="020B0604030504040204" pitchFamily="34" charset="-120"/>
-                <a:ea typeface="微軟正黑體" panose="020B0604030504040204" pitchFamily="34" charset="-120"/>
-              </a:rPr>
-              <a:t>尊</a:t>
-            </a:r>
-            <a:r>
-              <a:rPr lang="zh-TW" altLang="zh-TW" sz="6000" b="1" dirty="0" smtClean="0">
-                <a:latin typeface="微軟正黑體" panose="020B0604030504040204" pitchFamily="34" charset="-120"/>
-                <a:ea typeface="微軟正黑體" panose="020B0604030504040204" pitchFamily="34" charset="-120"/>
-              </a:rPr>
-              <a:t>貴</a:t>
-            </a:r>
-            <a:r>
-              <a:rPr lang="zh-TW" altLang="zh-TW" sz="6000" b="1" dirty="0">
-                <a:latin typeface="微軟正黑體" panose="020B0604030504040204" pitchFamily="34" charset="-120"/>
-                <a:ea typeface="微軟正黑體" panose="020B0604030504040204" pitchFamily="34" charset="-120"/>
-              </a:rPr>
-              <a:t>榮耀君王 </a:t>
-            </a:r>
-            <a:endParaRPr lang="en-US" altLang="zh-TW" sz="6000" b="1" dirty="0" smtClean="0">
-              <a:latin typeface="微軟正黑體" panose="020B0604030504040204" pitchFamily="34" charset="-120"/>
-              <a:ea typeface="微軟正黑體" panose="020B0604030504040204" pitchFamily="34" charset="-120"/>
-            </a:endParaRPr>
-          </a:p>
-          <a:p>
-            <a:pPr marL="0" indent="0" algn="ctr">
-              <a:buNone/>
-            </a:pPr>
-            <a:r>
-              <a:rPr lang="zh-TW" altLang="zh-TW" sz="6000" b="1" dirty="0" smtClean="0">
-                <a:latin typeface="微軟正黑體" panose="020B0604030504040204" pitchFamily="34" charset="-120"/>
-                <a:ea typeface="微軟正黑體" panose="020B0604030504040204" pitchFamily="34" charset="-120"/>
-              </a:rPr>
-              <a:t>在</a:t>
-            </a:r>
-            <a:r>
-              <a:rPr lang="zh-TW" altLang="zh-TW" sz="6000" b="1" dirty="0">
-                <a:latin typeface="微軟正黑體" panose="020B0604030504040204" pitchFamily="34" charset="-120"/>
-                <a:ea typeface="微軟正黑體" panose="020B0604030504040204" pitchFamily="34" charset="-120"/>
-              </a:rPr>
-              <a:t>全地</a:t>
-            </a:r>
-            <a:r>
-              <a:rPr lang="zh-TW" altLang="zh-TW" sz="6000" b="1" dirty="0" smtClean="0">
-                <a:latin typeface="微軟正黑體" panose="020B0604030504040204" pitchFamily="34" charset="-120"/>
-                <a:ea typeface="微軟正黑體" panose="020B0604030504040204" pitchFamily="34" charset="-120"/>
-              </a:rPr>
-              <a:t>之上</a:t>
-            </a:r>
-            <a:endParaRPr lang="en-US" altLang="zh-TW" sz="6000" b="1" dirty="0">
-              <a:latin typeface="微軟正黑體" panose="020B0604030504040204" pitchFamily="34" charset="-120"/>
-              <a:ea typeface="微軟正黑體" panose="020B0604030504040204" pitchFamily="34" charset="-120"/>
-            </a:endParaRPr>
-          </a:p>
-          <a:p>
-            <a:pPr marL="0" indent="0" algn="ctr">
-              <a:buNone/>
-            </a:pPr>
-            <a:r>
-              <a:rPr lang="zh-TW" altLang="zh-TW" sz="6000" b="1" dirty="0" smtClean="0">
-                <a:latin typeface="微軟正黑體" panose="020B0604030504040204" pitchFamily="34" charset="-120"/>
-                <a:ea typeface="微軟正黑體" panose="020B0604030504040204" pitchFamily="34" charset="-120"/>
-              </a:rPr>
-              <a:t>願</a:t>
-            </a:r>
-            <a:r>
-              <a:rPr lang="zh-TW" altLang="zh-TW" sz="6000" b="1" dirty="0">
-                <a:latin typeface="微軟正黑體" panose="020B0604030504040204" pitchFamily="34" charset="-120"/>
-                <a:ea typeface="微軟正黑體" panose="020B0604030504040204" pitchFamily="34" charset="-120"/>
-              </a:rPr>
-              <a:t>萬民都喜</a:t>
-            </a:r>
-            <a:r>
-              <a:rPr lang="zh-TW" altLang="zh-TW" sz="6000" b="1" dirty="0" smtClean="0">
-                <a:latin typeface="微軟正黑體" panose="020B0604030504040204" pitchFamily="34" charset="-120"/>
-                <a:ea typeface="微軟正黑體" panose="020B0604030504040204" pitchFamily="34" charset="-120"/>
-              </a:rPr>
-              <a:t>樂</a:t>
-            </a:r>
-            <a:endParaRPr lang="en-US" altLang="zh-TW" sz="6000" b="1" dirty="0" smtClean="0">
-              <a:latin typeface="微軟正黑體" panose="020B0604030504040204" pitchFamily="34" charset="-120"/>
-              <a:ea typeface="微軟正黑體" panose="020B0604030504040204" pitchFamily="34" charset="-120"/>
-            </a:endParaRPr>
-          </a:p>
-          <a:p>
-            <a:pPr marL="0" indent="0" algn="ctr">
-              <a:buNone/>
-            </a:pPr>
-            <a:r>
-              <a:rPr lang="zh-TW" altLang="zh-TW" sz="6000" b="1" dirty="0">
-                <a:latin typeface="微軟正黑體" panose="020B0604030504040204" pitchFamily="34" charset="-120"/>
-                <a:ea typeface="微軟正黑體" panose="020B0604030504040204" pitchFamily="34" charset="-120"/>
-              </a:rPr>
-              <a:t>全地都喜</a:t>
-            </a:r>
-            <a:r>
-              <a:rPr lang="zh-TW" altLang="zh-TW" sz="6000" b="1" dirty="0" smtClean="0">
-                <a:latin typeface="微軟正黑體" panose="020B0604030504040204" pitchFamily="34" charset="-120"/>
-                <a:ea typeface="微軟正黑體" panose="020B0604030504040204" pitchFamily="34" charset="-120"/>
-              </a:rPr>
-              <a:t>樂</a:t>
-            </a:r>
-            <a:endParaRPr lang="en-US" altLang="zh-TW" sz="6000" b="1" dirty="0">
-              <a:latin typeface="微軟正黑體" panose="020B0604030504040204" pitchFamily="34" charset="-120"/>
-              <a:ea typeface="微軟正黑體" panose="020B0604030504040204" pitchFamily="34" charset="-120"/>
-            </a:endParaRPr>
-          </a:p>
-        </p:txBody>
-      </p:sp>
-      <p:sp>
-        <p:nvSpPr>
-          <p:cNvPr id="4" name="文字方塊 3"/>
-          <p:cNvSpPr txBox="1"/>
-          <p:nvPr/>
-        </p:nvSpPr>
-        <p:spPr>
-          <a:xfrm>
-            <a:off x="2227810" y="1716580"/>
-            <a:ext cx="1080654" cy="923330"/>
-          </a:xfrm>
-          <a:prstGeom prst="rect">
-            <a:avLst/>
-          </a:prstGeom>
-          <a:noFill/>
-        </p:spPr>
-        <p:txBody>
-          <a:bodyPr wrap="square" rtlCol="0">
-            <a:spAutoFit/>
-          </a:bodyPr>
-          <a:lstStyle/>
-          <a:p>
-            <a:r>
-              <a:rPr lang="en-US" altLang="zh-TW" sz="5400" b="1" dirty="0" smtClean="0">
-                <a:latin typeface="微軟正黑體" panose="020B0604030504040204" pitchFamily="34" charset="-120"/>
-                <a:ea typeface="微軟正黑體" panose="020B0604030504040204" pitchFamily="34" charset="-120"/>
-              </a:rPr>
-              <a:t>1.</a:t>
-            </a:r>
-            <a:endParaRPr lang="zh-TW" altLang="en-US" sz="5400" b="1" dirty="0">
-              <a:latin typeface="微軟正黑體" panose="020B0604030504040204" pitchFamily="34" charset="-120"/>
-              <a:ea typeface="微軟正黑體" panose="020B0604030504040204" pitchFamily="34" charset="-120"/>
-            </a:endParaRPr>
+            <a:r>
+              <a:rPr lang="zh-CN" altLang="en-US" sz="7200" b="1" i="1" dirty="0" smtClean="0">
+                <a:solidFill>
+                  <a:srgbClr val="660033"/>
+                </a:solidFill>
+                <a:effectLst>
+                  <a:outerShdw blurRad="38100" dist="38100" dir="2700000" algn="tl">
+                    <a:srgbClr val="000000">
+                      <a:alpha val="43137"/>
+                    </a:srgbClr>
+                  </a:outerShdw>
+                </a:effectLst>
+                <a:latin typeface="微軟正黑體" pitchFamily="34" charset="-120"/>
+                <a:ea typeface="微軟正黑體" pitchFamily="34" charset="-120"/>
+              </a:rPr>
+              <a:t>我</a:t>
+            </a:r>
+            <a:r>
+              <a:rPr lang="zh-CN" altLang="en-US" sz="7200" b="1" i="1" dirty="0">
+                <a:solidFill>
+                  <a:srgbClr val="660033"/>
+                </a:solidFill>
+                <a:effectLst>
+                  <a:outerShdw blurRad="38100" dist="38100" dir="2700000" algn="tl">
+                    <a:srgbClr val="000000">
+                      <a:alpha val="43137"/>
+                    </a:srgbClr>
+                  </a:outerShdw>
+                </a:effectLst>
+                <a:latin typeface="微軟正黑體" pitchFamily="34" charset="-120"/>
+                <a:ea typeface="微軟正黑體" pitchFamily="34" charset="-120"/>
+              </a:rPr>
+              <a:t>神真偉大</a:t>
+            </a:r>
           </a:p>
         </p:txBody>
       </p:sp>
     </p:spTree>
     <p:extLst>
       <p:ext uri="{BB962C8B-B14F-4D97-AF65-F5344CB8AC3E}">
-        <p14:creationId xmlns:p14="http://schemas.microsoft.com/office/powerpoint/2010/main" val="1611568218"/>
+        <p14:creationId xmlns:p14="http://schemas.microsoft.com/office/powerpoint/2010/main" val="3607666763"/>
       </p:ext>
     </p:extLst>
   </p:cSld>
@@ -3347,153 +3202,151 @@
       </p:grpSpPr>
       <p:sp>
         <p:nvSpPr>
-          <p:cNvPr id="2" name="標題 1"/>
-          <p:cNvSpPr>
-            <a:spLocks noGrp="1"/>
-          </p:cNvSpPr>
-          <p:nvPr>
-            <p:ph type="title"/>
-          </p:nvPr>
-        </p:nvSpPr>
-        <p:spPr/>
-        <p:txBody>
-          <a:bodyPr>
+          <p:cNvPr id="5" name="內容版面配置區 4"/>
+          <p:cNvSpPr>
+            <a:spLocks noGrp="1"/>
+          </p:cNvSpPr>
+          <p:nvPr>
+            <p:ph idx="1"/>
+          </p:nvPr>
+        </p:nvSpPr>
+        <p:spPr>
+          <a:xfrm>
+            <a:off x="0" y="2084851"/>
+            <a:ext cx="12192000" cy="2404863"/>
+          </a:xfrm>
+        </p:spPr>
+        <p:txBody>
+          <a:bodyPr anchor="ctr">
             <a:normAutofit/>
           </a:bodyPr>
           <a:lstStyle/>
           <a:p>
-            <a:r>
-              <a:rPr lang="zh-TW" altLang="zh-TW" sz="4800" b="1" dirty="0">
-                <a:latin typeface="微軟正黑體" panose="020B0604030504040204" pitchFamily="34" charset="-120"/>
-                <a:ea typeface="微軟正黑體" panose="020B0604030504040204" pitchFamily="34" charset="-120"/>
-              </a:rPr>
-              <a:t>我神真偉大</a:t>
-            </a:r>
-            <a:endParaRPr lang="zh-TW" altLang="en-US" sz="4800" b="1" dirty="0">
-              <a:latin typeface="微軟正黑體" panose="020B0604030504040204" pitchFamily="34" charset="-120"/>
-              <a:ea typeface="微軟正黑體" panose="020B0604030504040204" pitchFamily="34" charset="-120"/>
+            <a:pPr algn="ctr">
+              <a:buNone/>
+            </a:pPr>
+            <a:r>
+              <a:rPr lang="zh-TW" altLang="en-US" sz="6400" b="1" dirty="0" smtClean="0">
+                <a:solidFill>
+                  <a:srgbClr val="660033"/>
+                </a:solidFill>
+                <a:latin typeface="微軟正黑體" pitchFamily="34" charset="-120"/>
+                <a:ea typeface="微軟正黑體" pitchFamily="34" charset="-120"/>
+              </a:rPr>
+              <a:t>尊</a:t>
+            </a:r>
+            <a:r>
+              <a:rPr lang="zh-TW" altLang="en-US" sz="6400" b="1" dirty="0">
+                <a:solidFill>
+                  <a:srgbClr val="660033"/>
+                </a:solidFill>
+                <a:latin typeface="微軟正黑體" pitchFamily="34" charset="-120"/>
+                <a:ea typeface="微軟正黑體" pitchFamily="34" charset="-120"/>
+              </a:rPr>
+              <a:t>貴榮耀君王 </a:t>
+            </a:r>
+            <a:r>
+              <a:rPr lang="zh-TW" altLang="en-US" sz="6400" b="1" dirty="0" smtClean="0">
+                <a:solidFill>
+                  <a:srgbClr val="660033"/>
+                </a:solidFill>
+                <a:latin typeface="微軟正黑體" pitchFamily="34" charset="-120"/>
+                <a:ea typeface="微軟正黑體" pitchFamily="34" charset="-120"/>
+              </a:rPr>
+              <a:t>  在</a:t>
+            </a:r>
+            <a:r>
+              <a:rPr lang="zh-TW" altLang="en-US" sz="6400" b="1" dirty="0">
+                <a:solidFill>
+                  <a:srgbClr val="660033"/>
+                </a:solidFill>
+                <a:latin typeface="微軟正黑體" pitchFamily="34" charset="-120"/>
+                <a:ea typeface="微軟正黑體" pitchFamily="34" charset="-120"/>
+              </a:rPr>
+              <a:t>全地之</a:t>
+            </a:r>
+            <a:r>
+              <a:rPr lang="zh-TW" altLang="en-US" sz="6400" b="1" dirty="0" smtClean="0">
+                <a:solidFill>
+                  <a:srgbClr val="660033"/>
+                </a:solidFill>
+                <a:latin typeface="微軟正黑體" pitchFamily="34" charset="-120"/>
+                <a:ea typeface="微軟正黑體" pitchFamily="34" charset="-120"/>
+              </a:rPr>
+              <a:t>上</a:t>
+            </a:r>
+            <a:endParaRPr lang="en-US" altLang="zh-TW" sz="6400" b="1" dirty="0" smtClean="0">
+              <a:solidFill>
+                <a:srgbClr val="660033"/>
+              </a:solidFill>
+              <a:latin typeface="微軟正黑體" pitchFamily="34" charset="-120"/>
+              <a:ea typeface="微軟正黑體" pitchFamily="34" charset="-120"/>
             </a:endParaRPr>
           </a:p>
-        </p:txBody>
-      </p:sp>
-      <p:sp>
-        <p:nvSpPr>
-          <p:cNvPr id="3" name="內容版面配置區 2"/>
-          <p:cNvSpPr>
-            <a:spLocks noGrp="1"/>
-          </p:cNvSpPr>
-          <p:nvPr>
-            <p:ph idx="1"/>
-          </p:nvPr>
+          <a:p>
+            <a:pPr algn="ctr">
+              <a:buNone/>
+            </a:pPr>
+            <a:r>
+              <a:rPr lang="zh-TW" altLang="en-US" sz="6400" b="1" dirty="0" smtClean="0">
+                <a:solidFill>
+                  <a:srgbClr val="660033"/>
+                </a:solidFill>
+                <a:latin typeface="微軟正黑體" pitchFamily="34" charset="-120"/>
+                <a:ea typeface="微軟正黑體" pitchFamily="34" charset="-120"/>
+              </a:rPr>
+              <a:t>願</a:t>
+            </a:r>
+            <a:r>
+              <a:rPr lang="zh-TW" altLang="en-US" sz="6400" b="1" dirty="0">
+                <a:solidFill>
+                  <a:srgbClr val="660033"/>
+                </a:solidFill>
+                <a:latin typeface="微軟正黑體" pitchFamily="34" charset="-120"/>
+                <a:ea typeface="微軟正黑體" pitchFamily="34" charset="-120"/>
+              </a:rPr>
+              <a:t>萬民都喜樂 </a:t>
+            </a:r>
+            <a:r>
+              <a:rPr lang="zh-TW" altLang="en-US" sz="6400" b="1" dirty="0" smtClean="0">
+                <a:solidFill>
+                  <a:srgbClr val="660033"/>
+                </a:solidFill>
+                <a:latin typeface="微軟正黑體" pitchFamily="34" charset="-120"/>
+                <a:ea typeface="微軟正黑體" pitchFamily="34" charset="-120"/>
+              </a:rPr>
+              <a:t>  全</a:t>
+            </a:r>
+            <a:r>
+              <a:rPr lang="zh-TW" altLang="en-US" sz="6400" b="1" dirty="0">
+                <a:solidFill>
+                  <a:srgbClr val="660033"/>
+                </a:solidFill>
+                <a:latin typeface="微軟正黑體" pitchFamily="34" charset="-120"/>
+                <a:ea typeface="微軟正黑體" pitchFamily="34" charset="-120"/>
+              </a:rPr>
+              <a:t>地都喜樂</a:t>
+            </a:r>
+            <a:endParaRPr lang="en-US" altLang="zh-TW" sz="6400" b="1" dirty="0">
+              <a:solidFill>
+                <a:srgbClr val="660033"/>
+              </a:solidFill>
+              <a:latin typeface="微軟正黑體" pitchFamily="34" charset="-120"/>
+              <a:ea typeface="微軟正黑體" pitchFamily="34" charset="-120"/>
+            </a:endParaRPr>
+          </a:p>
+        </p:txBody>
+      </p:sp>
+      <p:sp>
+        <p:nvSpPr>
+          <p:cNvPr id="3" name="TextBox 2"/>
+          <p:cNvSpPr txBox="1"/>
+          <p:nvPr/>
         </p:nvSpPr>
         <p:spPr>
           <a:xfrm>
-            <a:off x="0" y="1600201"/>
-            <a:ext cx="12192000" cy="4525963"/>
-          </a:xfrm>
-        </p:spPr>
-        <p:txBody>
-          <a:bodyPr>
-            <a:noAutofit/>
-          </a:bodyPr>
-          <a:lstStyle/>
-          <a:p>
-            <a:pPr marL="0" indent="0" algn="ctr">
-              <a:buNone/>
-            </a:pPr>
-            <a:r>
-              <a:rPr lang="zh-TW" altLang="zh-TW" sz="6000" b="1" dirty="0" smtClean="0">
-                <a:latin typeface="微軟正黑體" panose="020B0604030504040204" pitchFamily="34" charset="-120"/>
-                <a:ea typeface="微軟正黑體" panose="020B0604030504040204" pitchFamily="34" charset="-120"/>
-              </a:rPr>
-              <a:t>主</a:t>
-            </a:r>
-            <a:r>
-              <a:rPr lang="zh-TW" altLang="zh-TW" sz="6000" b="1" dirty="0">
-                <a:latin typeface="微軟正黑體" panose="020B0604030504040204" pitchFamily="34" charset="-120"/>
-                <a:ea typeface="微軟正黑體" panose="020B0604030504040204" pitchFamily="34" charset="-120"/>
-              </a:rPr>
-              <a:t>你滿有榮光 </a:t>
-            </a:r>
-            <a:endParaRPr lang="en-US" altLang="zh-TW" sz="6000" b="1" dirty="0">
-              <a:latin typeface="微軟正黑體" panose="020B0604030504040204" pitchFamily="34" charset="-120"/>
-              <a:ea typeface="微軟正黑體" panose="020B0604030504040204" pitchFamily="34" charset="-120"/>
-            </a:endParaRPr>
-          </a:p>
-          <a:p>
-            <a:pPr marL="0" indent="0" algn="ctr">
-              <a:buNone/>
-            </a:pPr>
-            <a:r>
-              <a:rPr lang="zh-TW" altLang="zh-TW" sz="6000" b="1" dirty="0">
-                <a:latin typeface="微軟正黑體" panose="020B0604030504040204" pitchFamily="34" charset="-120"/>
-                <a:ea typeface="微軟正黑體" panose="020B0604030504040204" pitchFamily="34" charset="-120"/>
-              </a:rPr>
-              <a:t>黑暗都躲藏</a:t>
-            </a:r>
-            <a:endParaRPr lang="en-US" altLang="zh-TW" sz="6000" b="1" dirty="0">
-              <a:latin typeface="微軟正黑體" panose="020B0604030504040204" pitchFamily="34" charset="-120"/>
-              <a:ea typeface="微軟正黑體" panose="020B0604030504040204" pitchFamily="34" charset="-120"/>
-            </a:endParaRPr>
-          </a:p>
-          <a:p>
-            <a:pPr marL="0" indent="0" algn="ctr">
-              <a:buNone/>
-            </a:pPr>
-            <a:r>
-              <a:rPr lang="zh-TW" altLang="zh-TW" sz="6000" b="1" dirty="0">
-                <a:latin typeface="微軟正黑體" panose="020B0604030504040204" pitchFamily="34" charset="-120"/>
-                <a:ea typeface="微軟正黑體" panose="020B0604030504040204" pitchFamily="34" charset="-120"/>
-              </a:rPr>
-              <a:t>萬民高聲唱</a:t>
-            </a:r>
-            <a:r>
-              <a:rPr lang="en-US" altLang="zh-TW" sz="6000" b="1" dirty="0">
-                <a:latin typeface="微軟正黑體" panose="020B0604030504040204" pitchFamily="34" charset="-120"/>
-                <a:ea typeface="微軟正黑體" panose="020B0604030504040204" pitchFamily="34" charset="-120"/>
-              </a:rPr>
-              <a:t>  </a:t>
-            </a:r>
-            <a:endParaRPr lang="en-US" altLang="zh-TW" sz="6000" b="1" dirty="0" smtClean="0">
-              <a:latin typeface="微軟正黑體" panose="020B0604030504040204" pitchFamily="34" charset="-120"/>
-              <a:ea typeface="微軟正黑體" panose="020B0604030504040204" pitchFamily="34" charset="-120"/>
-            </a:endParaRPr>
-          </a:p>
-          <a:p>
-            <a:pPr marL="0" indent="0" algn="ctr">
-              <a:buNone/>
-            </a:pPr>
-            <a:r>
-              <a:rPr lang="zh-TW" altLang="zh-TW" sz="6000" b="1" dirty="0" smtClean="0">
-                <a:latin typeface="微軟正黑體" panose="020B0604030504040204" pitchFamily="34" charset="-120"/>
-                <a:ea typeface="微軟正黑體" panose="020B0604030504040204" pitchFamily="34" charset="-120"/>
-              </a:rPr>
-              <a:t>齊</a:t>
-            </a:r>
-            <a:r>
-              <a:rPr lang="zh-TW" altLang="zh-TW" sz="6000" b="1" dirty="0">
-                <a:latin typeface="微軟正黑體" panose="020B0604030504040204" pitchFamily="34" charset="-120"/>
-                <a:ea typeface="微軟正黑體" panose="020B0604030504040204" pitchFamily="34" charset="-120"/>
-              </a:rPr>
-              <a:t>來高聲唱</a:t>
-            </a:r>
-            <a:endParaRPr lang="zh-TW" altLang="en-US" sz="6000" b="1" dirty="0">
-              <a:latin typeface="微軟正黑體" panose="020B0604030504040204" pitchFamily="34" charset="-120"/>
-              <a:ea typeface="微軟正黑體" panose="020B0604030504040204" pitchFamily="34" charset="-120"/>
-            </a:endParaRPr>
-          </a:p>
-        </p:txBody>
-      </p:sp>
-      <p:sp>
-        <p:nvSpPr>
-          <p:cNvPr id="4" name="文字方塊 3"/>
-          <p:cNvSpPr txBox="1"/>
-          <p:nvPr/>
-        </p:nvSpPr>
-        <p:spPr>
-          <a:xfrm>
-            <a:off x="2227810" y="1716580"/>
-            <a:ext cx="1080654" cy="923330"/>
+            <a:off x="0" y="5157192"/>
+            <a:ext cx="12192000" cy="748988"/>
           </a:xfrm>
           <a:prstGeom prst="rect">
             <a:avLst/>
@@ -3506,16 +3359,62 @@
           </a:bodyPr>
           <a:lstStyle/>
           <a:p>
-            <a:r>
-              <a:rPr lang="en-US" altLang="zh-TW" sz="5400" b="1" dirty="0" smtClean="0">
-                <a:latin typeface="微軟正黑體" panose="020B0604030504040204" pitchFamily="34" charset="-120"/>
-                <a:ea typeface="微軟正黑體" panose="020B0604030504040204" pitchFamily="34" charset="-120"/>
-              </a:rPr>
-              <a:t>1.</a:t>
-            </a:r>
-            <a:endParaRPr lang="zh-TW" altLang="en-US" sz="5400" b="1" dirty="0">
-              <a:latin typeface="微軟正黑體" panose="020B0604030504040204" pitchFamily="34" charset="-120"/>
-              <a:ea typeface="微軟正黑體" panose="020B0604030504040204" pitchFamily="34" charset="-120"/>
+            <a:pPr algn="ctr"/>
+            <a:r>
+              <a:rPr lang="en-US" sz="4267" b="1" dirty="0">
+                <a:solidFill>
+                  <a:srgbClr val="660033"/>
+                </a:solidFill>
+                <a:latin typeface="Microsoft JhengHei" panose="020B0604030504040204" pitchFamily="34" charset="-120"/>
+                <a:ea typeface="Microsoft JhengHei" panose="020B0604030504040204" pitchFamily="34" charset="-120"/>
+              </a:rPr>
+              <a:t>( </a:t>
+            </a:r>
+            <a:r>
+              <a:rPr lang="zh-CN" altLang="en-US" sz="4267" b="1" dirty="0" smtClean="0">
+                <a:solidFill>
+                  <a:srgbClr val="660033"/>
+                </a:solidFill>
+                <a:latin typeface="Microsoft JhengHei" panose="020B0604030504040204" pitchFamily="34" charset="-120"/>
+                <a:ea typeface="Microsoft JhengHei" panose="020B0604030504040204" pitchFamily="34" charset="-120"/>
+              </a:rPr>
+              <a:t>正</a:t>
+            </a:r>
+            <a:r>
+              <a:rPr lang="en-US" altLang="zh-CN" sz="4267" b="1" dirty="0" smtClean="0">
+                <a:solidFill>
+                  <a:srgbClr val="660033"/>
+                </a:solidFill>
+                <a:latin typeface="Microsoft JhengHei" panose="020B0604030504040204" pitchFamily="34" charset="-120"/>
+                <a:ea typeface="Microsoft JhengHei" panose="020B0604030504040204" pitchFamily="34" charset="-120"/>
+              </a:rPr>
+              <a:t> 1</a:t>
+            </a:r>
+            <a:r>
+              <a:rPr lang="en-US" sz="4267" b="1" dirty="0" smtClean="0">
+                <a:solidFill>
+                  <a:srgbClr val="660033"/>
+                </a:solidFill>
+                <a:latin typeface="Microsoft JhengHei" panose="020B0604030504040204" pitchFamily="34" charset="-120"/>
+                <a:ea typeface="Microsoft JhengHei" panose="020B0604030504040204" pitchFamily="34" charset="-120"/>
+              </a:rPr>
+              <a:t> </a:t>
+            </a:r>
+            <a:r>
+              <a:rPr lang="en-US" sz="4267" b="1" dirty="0">
+                <a:solidFill>
+                  <a:srgbClr val="660033"/>
+                </a:solidFill>
+                <a:latin typeface="Microsoft JhengHei" panose="020B0604030504040204" pitchFamily="34" charset="-120"/>
+                <a:ea typeface="Microsoft JhengHei" panose="020B0604030504040204" pitchFamily="34" charset="-120"/>
+              </a:rPr>
+              <a:t>)</a:t>
+            </a:r>
+            <a:endParaRPr lang="vi-VN" sz="4267" b="1" dirty="0">
+              <a:solidFill>
+                <a:srgbClr val="660033"/>
+              </a:solidFill>
+              <a:ea typeface="Microsoft JhengHei" panose="020B0604030504040204" pitchFamily="34" charset="-120"/>
             </a:endParaRPr>
           </a:p>
         </p:txBody>
@@ -3523,7 +3422,7 @@
     </p:spTree>
     <p:extLst>
       <p:ext uri="{BB962C8B-B14F-4D97-AF65-F5344CB8AC3E}">
-        <p14:creationId xmlns:p14="http://schemas.microsoft.com/office/powerpoint/2010/main" val="2599680584"/>
+        <p14:creationId xmlns:p14="http://schemas.microsoft.com/office/powerpoint/2010/main" val="4096275337"/>
       </p:ext>
     </p:extLst>
   </p:cSld>
@@ -3552,145 +3451,239 @@
       </p:grpSpPr>
       <p:sp>
         <p:nvSpPr>
-          <p:cNvPr id="2" name="標題 1"/>
-          <p:cNvSpPr>
-            <a:spLocks noGrp="1"/>
-          </p:cNvSpPr>
-          <p:nvPr>
-            <p:ph type="title"/>
-          </p:nvPr>
-        </p:nvSpPr>
-        <p:spPr/>
-        <p:txBody>
-          <a:bodyPr>
+          <p:cNvPr id="5" name="內容版面配置區 4"/>
+          <p:cNvSpPr>
+            <a:spLocks noGrp="1"/>
+          </p:cNvSpPr>
+          <p:nvPr>
+            <p:ph idx="1"/>
+          </p:nvPr>
+        </p:nvSpPr>
+        <p:spPr>
+          <a:xfrm>
+            <a:off x="0" y="2084851"/>
+            <a:ext cx="12192000" cy="2404863"/>
+          </a:xfrm>
+        </p:spPr>
+        <p:txBody>
+          <a:bodyPr anchor="ctr">
             <a:normAutofit/>
           </a:bodyPr>
           <a:lstStyle/>
           <a:p>
-            <a:r>
-              <a:rPr lang="zh-TW" altLang="zh-TW" sz="4800" b="1" dirty="0">
-                <a:latin typeface="微軟正黑體" panose="020B0604030504040204" pitchFamily="34" charset="-120"/>
-                <a:ea typeface="微軟正黑體" panose="020B0604030504040204" pitchFamily="34" charset="-120"/>
-              </a:rPr>
-              <a:t>我神真偉大</a:t>
-            </a:r>
-            <a:endParaRPr lang="zh-TW" altLang="en-US" sz="4800" b="1" dirty="0">
-              <a:latin typeface="微軟正黑體" panose="020B0604030504040204" pitchFamily="34" charset="-120"/>
-              <a:ea typeface="微軟正黑體" panose="020B0604030504040204" pitchFamily="34" charset="-120"/>
+            <a:pPr algn="ctr">
+              <a:buNone/>
+            </a:pPr>
+            <a:r>
+              <a:rPr lang="zh-TW" altLang="en-US" sz="6400" b="1" dirty="0" smtClean="0">
+                <a:solidFill>
+                  <a:srgbClr val="660033"/>
+                </a:solidFill>
+                <a:latin typeface="微軟正黑體" pitchFamily="34" charset="-120"/>
+                <a:ea typeface="微軟正黑體" pitchFamily="34" charset="-120"/>
+              </a:rPr>
+              <a:t>主</a:t>
+            </a:r>
+            <a:r>
+              <a:rPr lang="zh-CN" altLang="en-US" sz="6400" b="1" dirty="0" smtClean="0">
+                <a:solidFill>
+                  <a:srgbClr val="660033"/>
+                </a:solidFill>
+                <a:latin typeface="微軟正黑體" pitchFamily="34" charset="-120"/>
+                <a:ea typeface="微軟正黑體" pitchFamily="34" charset="-120"/>
+              </a:rPr>
+              <a:t>袮</a:t>
+            </a:r>
+            <a:r>
+              <a:rPr lang="zh-TW" altLang="en-US" sz="6400" b="1" dirty="0" smtClean="0">
+                <a:solidFill>
+                  <a:srgbClr val="660033"/>
+                </a:solidFill>
+                <a:latin typeface="微軟正黑體" pitchFamily="34" charset="-120"/>
+                <a:ea typeface="微軟正黑體" pitchFamily="34" charset="-120"/>
+              </a:rPr>
+              <a:t>滿</a:t>
+            </a:r>
+            <a:r>
+              <a:rPr lang="zh-TW" altLang="en-US" sz="6400" b="1" dirty="0">
+                <a:solidFill>
+                  <a:srgbClr val="660033"/>
+                </a:solidFill>
+                <a:latin typeface="微軟正黑體" pitchFamily="34" charset="-120"/>
+                <a:ea typeface="微軟正黑體" pitchFamily="34" charset="-120"/>
+              </a:rPr>
+              <a:t>有榮光 </a:t>
+            </a:r>
+            <a:r>
+              <a:rPr lang="zh-TW" altLang="en-US" sz="6400" b="1" dirty="0">
+                <a:solidFill>
+                  <a:srgbClr val="660033"/>
+                </a:solidFill>
+                <a:latin typeface="微軟正黑體" pitchFamily="34" charset="-120"/>
+                <a:ea typeface="微軟正黑體" pitchFamily="34" charset="-120"/>
+              </a:rPr>
+              <a:t> 黑</a:t>
+            </a:r>
+            <a:r>
+              <a:rPr lang="zh-TW" altLang="en-US" sz="6400" b="1" dirty="0">
+                <a:solidFill>
+                  <a:srgbClr val="660033"/>
+                </a:solidFill>
+                <a:latin typeface="微軟正黑體" pitchFamily="34" charset="-120"/>
+                <a:ea typeface="微軟正黑體" pitchFamily="34" charset="-120"/>
+              </a:rPr>
+              <a:t>暗都躲</a:t>
+            </a:r>
+            <a:r>
+              <a:rPr lang="zh-TW" altLang="en-US" sz="6400" b="1" dirty="0">
+                <a:solidFill>
+                  <a:srgbClr val="660033"/>
+                </a:solidFill>
+                <a:latin typeface="微軟正黑體" pitchFamily="34" charset="-120"/>
+                <a:ea typeface="微軟正黑體" pitchFamily="34" charset="-120"/>
+              </a:rPr>
+              <a:t>藏</a:t>
+            </a:r>
+            <a:endParaRPr lang="en-US" altLang="zh-TW" sz="6400" b="1" dirty="0">
+              <a:solidFill>
+                <a:srgbClr val="660033"/>
+              </a:solidFill>
+              <a:latin typeface="微軟正黑體" pitchFamily="34" charset="-120"/>
+              <a:ea typeface="微軟正黑體" pitchFamily="34" charset="-120"/>
             </a:endParaRPr>
           </a:p>
-        </p:txBody>
-      </p:sp>
-      <p:sp>
-        <p:nvSpPr>
-          <p:cNvPr id="3" name="內容版面配置區 2"/>
-          <p:cNvSpPr>
-            <a:spLocks noGrp="1"/>
-          </p:cNvSpPr>
-          <p:nvPr>
-            <p:ph idx="1"/>
-          </p:nvPr>
+          <a:p>
+            <a:pPr algn="ctr">
+              <a:buNone/>
+            </a:pPr>
+            <a:r>
+              <a:rPr lang="zh-TW" altLang="en-US" sz="6400" b="1" dirty="0">
+                <a:solidFill>
+                  <a:srgbClr val="660033"/>
+                </a:solidFill>
+                <a:latin typeface="微軟正黑體" pitchFamily="34" charset="-120"/>
+                <a:ea typeface="微軟正黑體" pitchFamily="34" charset="-120"/>
+              </a:rPr>
+              <a:t>萬</a:t>
+            </a:r>
+            <a:r>
+              <a:rPr lang="zh-TW" altLang="en-US" sz="6400" b="1" dirty="0">
+                <a:solidFill>
+                  <a:srgbClr val="660033"/>
+                </a:solidFill>
+                <a:latin typeface="微軟正黑體" pitchFamily="34" charset="-120"/>
+                <a:ea typeface="微軟正黑體" pitchFamily="34" charset="-120"/>
+              </a:rPr>
+              <a:t>民高聲</a:t>
+            </a:r>
+            <a:r>
+              <a:rPr lang="zh-TW" altLang="en-US" sz="6400" b="1" dirty="0">
+                <a:solidFill>
+                  <a:srgbClr val="660033"/>
+                </a:solidFill>
+                <a:latin typeface="微軟正黑體" pitchFamily="34" charset="-120"/>
+                <a:ea typeface="微軟正黑體" pitchFamily="34" charset="-120"/>
+              </a:rPr>
+              <a:t>唱  </a:t>
+            </a:r>
+            <a:r>
+              <a:rPr lang="zh-TW" altLang="en-US" sz="6400" b="1" dirty="0">
+                <a:solidFill>
+                  <a:srgbClr val="660033"/>
+                </a:solidFill>
+                <a:latin typeface="微軟正黑體" pitchFamily="34" charset="-120"/>
+                <a:ea typeface="微軟正黑體" pitchFamily="34" charset="-120"/>
+              </a:rPr>
+              <a:t>齊來高聲唱</a:t>
+            </a:r>
+            <a:endParaRPr lang="en-US" altLang="zh-TW" sz="6400" b="1" dirty="0">
+              <a:solidFill>
+                <a:srgbClr val="660033"/>
+              </a:solidFill>
+              <a:latin typeface="微軟正黑體" pitchFamily="34" charset="-120"/>
+              <a:ea typeface="微軟正黑體" pitchFamily="34" charset="-120"/>
+            </a:endParaRPr>
+          </a:p>
+        </p:txBody>
+      </p:sp>
+      <p:sp>
+        <p:nvSpPr>
+          <p:cNvPr id="3" name="TextBox 2"/>
+          <p:cNvSpPr txBox="1"/>
+          <p:nvPr/>
         </p:nvSpPr>
         <p:spPr>
           <a:xfrm>
-            <a:off x="0" y="1600201"/>
-            <a:ext cx="12192000" cy="4525963"/>
+            <a:off x="0" y="5157192"/>
+            <a:ext cx="12192000" cy="748988"/>
           </a:xfrm>
+          <a:prstGeom prst="rect">
+            <a:avLst/>
+          </a:prstGeom>
+          <a:noFill/>
         </p:spPr>
         <p:txBody>
-          <a:bodyPr>
-            <a:noAutofit/>
+          <a:bodyPr wrap="square" rtlCol="0">
+            <a:spAutoFit/>
           </a:bodyPr>
           <a:lstStyle/>
           <a:p>
-            <a:pPr marL="0" indent="0" algn="ctr">
-              <a:buNone/>
-            </a:pPr>
-            <a:r>
-              <a:rPr lang="zh-TW" altLang="zh-TW" sz="6000" b="1" dirty="0">
-                <a:latin typeface="微軟正黑體" panose="020B0604030504040204" pitchFamily="34" charset="-120"/>
-                <a:ea typeface="微軟正黑體" panose="020B0604030504040204" pitchFamily="34" charset="-120"/>
-              </a:rPr>
-              <a:t>我神</a:t>
-            </a:r>
-            <a:r>
-              <a:rPr lang="en-US" altLang="zh-TW" sz="6000" b="1" dirty="0">
-                <a:latin typeface="微軟正黑體" panose="020B0604030504040204" pitchFamily="34" charset="-120"/>
-                <a:ea typeface="微軟正黑體" panose="020B0604030504040204" pitchFamily="34" charset="-120"/>
-              </a:rPr>
-              <a:t>  </a:t>
-            </a:r>
-            <a:r>
-              <a:rPr lang="zh-TW" altLang="zh-TW" sz="6000" b="1" dirty="0">
-                <a:latin typeface="微軟正黑體" panose="020B0604030504040204" pitchFamily="34" charset="-120"/>
-                <a:ea typeface="微軟正黑體" panose="020B0604030504040204" pitchFamily="34" charset="-120"/>
-              </a:rPr>
-              <a:t>真偉大</a:t>
-            </a:r>
-          </a:p>
-          <a:p>
-            <a:pPr marL="0" indent="0" algn="ctr">
-              <a:buNone/>
-            </a:pPr>
-            <a:r>
-              <a:rPr lang="zh-TW" altLang="zh-TW" sz="6000" b="1" dirty="0">
-                <a:latin typeface="微軟正黑體" panose="020B0604030504040204" pitchFamily="34" charset="-120"/>
-                <a:ea typeface="微軟正黑體" panose="020B0604030504040204" pitchFamily="34" charset="-120"/>
-              </a:rPr>
-              <a:t>歌頌你聖名</a:t>
-            </a:r>
-            <a:r>
-              <a:rPr lang="en-US" altLang="zh-TW" sz="6000" b="1" dirty="0">
-                <a:latin typeface="微軟正黑體" panose="020B0604030504040204" pitchFamily="34" charset="-120"/>
-                <a:ea typeface="微軟正黑體" panose="020B0604030504040204" pitchFamily="34" charset="-120"/>
-              </a:rPr>
-              <a:t>  </a:t>
-            </a:r>
-            <a:r>
-              <a:rPr lang="zh-TW" altLang="zh-TW" sz="6000" b="1" dirty="0">
-                <a:latin typeface="微軟正黑體" panose="020B0604030504040204" pitchFamily="34" charset="-120"/>
-                <a:ea typeface="微軟正黑體" panose="020B0604030504040204" pitchFamily="34" charset="-120"/>
-              </a:rPr>
-              <a:t>真偉大</a:t>
-            </a:r>
-          </a:p>
-          <a:p>
-            <a:pPr marL="0" indent="0" algn="ctr">
-              <a:buNone/>
-            </a:pPr>
-            <a:r>
-              <a:rPr lang="zh-TW" altLang="zh-TW" sz="6000" b="1" dirty="0">
-                <a:latin typeface="微軟正黑體" panose="020B0604030504040204" pitchFamily="34" charset="-120"/>
-                <a:ea typeface="微軟正黑體" panose="020B0604030504040204" pitchFamily="34" charset="-120"/>
-              </a:rPr>
-              <a:t>全地都看見我神</a:t>
-            </a:r>
-            <a:r>
-              <a:rPr lang="en-US" altLang="zh-TW" sz="6000" b="1" dirty="0">
-                <a:latin typeface="微軟正黑體" panose="020B0604030504040204" pitchFamily="34" charset="-120"/>
-                <a:ea typeface="微軟正黑體" panose="020B0604030504040204" pitchFamily="34" charset="-120"/>
-              </a:rPr>
-              <a:t>  </a:t>
-            </a:r>
-            <a:r>
-              <a:rPr lang="zh-TW" altLang="zh-TW" sz="6000" b="1" dirty="0">
-                <a:latin typeface="微軟正黑體" panose="020B0604030504040204" pitchFamily="34" charset="-120"/>
-                <a:ea typeface="微軟正黑體" panose="020B0604030504040204" pitchFamily="34" charset="-120"/>
-              </a:rPr>
-              <a:t>真偉大</a:t>
-            </a:r>
-            <a:endParaRPr lang="en-US" altLang="zh-TW" sz="6000" b="1" dirty="0">
-              <a:latin typeface="微軟正黑體" panose="020B0604030504040204" pitchFamily="34" charset="-120"/>
-              <a:ea typeface="微軟正黑體" panose="020B0604030504040204" pitchFamily="34" charset="-120"/>
-            </a:endParaRPr>
-          </a:p>
-          <a:p>
-            <a:pPr marL="0" indent="0" algn="ctr">
-              <a:buNone/>
-            </a:pPr>
-            <a:endParaRPr lang="zh-TW" altLang="en-US" sz="6000" b="1" dirty="0">
-              <a:latin typeface="微軟正黑體" panose="020B0604030504040204" pitchFamily="34" charset="-120"/>
-              <a:ea typeface="微軟正黑體" panose="020B0604030504040204" pitchFamily="34" charset="-120"/>
+            <a:pPr algn="ctr"/>
+            <a:r>
+              <a:rPr lang="en-US" sz="4267" b="1" dirty="0">
+                <a:solidFill>
+                  <a:srgbClr val="660033"/>
+                </a:solidFill>
+                <a:latin typeface="Microsoft JhengHei" panose="020B0604030504040204" pitchFamily="34" charset="-120"/>
+                <a:ea typeface="Microsoft JhengHei" panose="020B0604030504040204" pitchFamily="34" charset="-120"/>
+              </a:rPr>
+              <a:t>( </a:t>
+            </a:r>
+            <a:r>
+              <a:rPr lang="zh-CN" altLang="en-US" sz="4267" b="1" dirty="0" smtClean="0">
+                <a:solidFill>
+                  <a:srgbClr val="660033"/>
+                </a:solidFill>
+                <a:latin typeface="Microsoft JhengHei" panose="020B0604030504040204" pitchFamily="34" charset="-120"/>
+                <a:ea typeface="Microsoft JhengHei" panose="020B0604030504040204" pitchFamily="34" charset="-120"/>
+              </a:rPr>
+              <a:t>正</a:t>
+            </a:r>
+            <a:r>
+              <a:rPr lang="en-US" altLang="zh-CN" sz="4267" b="1" dirty="0" smtClean="0">
+                <a:solidFill>
+                  <a:srgbClr val="660033"/>
+                </a:solidFill>
+                <a:latin typeface="Microsoft JhengHei" panose="020B0604030504040204" pitchFamily="34" charset="-120"/>
+                <a:ea typeface="Microsoft JhengHei" panose="020B0604030504040204" pitchFamily="34" charset="-120"/>
+              </a:rPr>
+              <a:t> 1</a:t>
+            </a:r>
+            <a:r>
+              <a:rPr lang="en-US" sz="4267" b="1" dirty="0" smtClean="0">
+                <a:solidFill>
+                  <a:srgbClr val="660033"/>
+                </a:solidFill>
+                <a:latin typeface="Microsoft JhengHei" panose="020B0604030504040204" pitchFamily="34" charset="-120"/>
+                <a:ea typeface="Microsoft JhengHei" panose="020B0604030504040204" pitchFamily="34" charset="-120"/>
+              </a:rPr>
+              <a:t> </a:t>
+            </a:r>
+            <a:r>
+              <a:rPr lang="en-US" sz="4267" b="1" dirty="0">
+                <a:solidFill>
+                  <a:srgbClr val="660033"/>
+                </a:solidFill>
+                <a:latin typeface="Microsoft JhengHei" panose="020B0604030504040204" pitchFamily="34" charset="-120"/>
+                <a:ea typeface="Microsoft JhengHei" panose="020B0604030504040204" pitchFamily="34" charset="-120"/>
+              </a:rPr>
+              <a:t>)</a:t>
+            </a:r>
+            <a:endParaRPr lang="vi-VN" sz="4267" b="1" dirty="0">
+              <a:solidFill>
+                <a:srgbClr val="660033"/>
+              </a:solidFill>
+              <a:ea typeface="Microsoft JhengHei" panose="020B0604030504040204" pitchFamily="34" charset="-120"/>
             </a:endParaRPr>
           </a:p>
         </p:txBody>
@@ -3698,7 +3691,7 @@
     </p:spTree>
     <p:extLst>
       <p:ext uri="{BB962C8B-B14F-4D97-AF65-F5344CB8AC3E}">
-        <p14:creationId xmlns:p14="http://schemas.microsoft.com/office/powerpoint/2010/main" val="2916984267"/>
+        <p14:creationId xmlns:p14="http://schemas.microsoft.com/office/powerpoint/2010/main" val="2810610872"/>
       </p:ext>
     </p:extLst>
   </p:cSld>
@@ -3727,137 +3720,189 @@
       </p:grpSpPr>
       <p:sp>
         <p:nvSpPr>
-          <p:cNvPr id="2" name="標題 1"/>
-          <p:cNvSpPr>
-            <a:spLocks noGrp="1"/>
-          </p:cNvSpPr>
-          <p:nvPr>
-            <p:ph type="title"/>
-          </p:nvPr>
-        </p:nvSpPr>
-        <p:spPr/>
-        <p:txBody>
-          <a:bodyPr>
+          <p:cNvPr id="5" name="內容版面配置區 4"/>
+          <p:cNvSpPr>
+            <a:spLocks noGrp="1"/>
+          </p:cNvSpPr>
+          <p:nvPr>
+            <p:ph idx="1"/>
+          </p:nvPr>
+        </p:nvSpPr>
+        <p:spPr>
+          <a:xfrm>
+            <a:off x="0" y="2084851"/>
+            <a:ext cx="12192000" cy="2404863"/>
+          </a:xfrm>
+        </p:spPr>
+        <p:txBody>
+          <a:bodyPr anchor="ctr">
             <a:normAutofit/>
           </a:bodyPr>
           <a:lstStyle/>
           <a:p>
-            <a:r>
-              <a:rPr lang="zh-TW" altLang="zh-TW" sz="4800" b="1" dirty="0">
-                <a:latin typeface="微軟正黑體" panose="020B0604030504040204" pitchFamily="34" charset="-120"/>
-                <a:ea typeface="微軟正黑體" panose="020B0604030504040204" pitchFamily="34" charset="-120"/>
-              </a:rPr>
-              <a:t>我神真偉大</a:t>
-            </a:r>
-            <a:endParaRPr lang="zh-TW" altLang="en-US" sz="4800" b="1" dirty="0">
-              <a:latin typeface="微軟正黑體" panose="020B0604030504040204" pitchFamily="34" charset="-120"/>
-              <a:ea typeface="微軟正黑體" panose="020B0604030504040204" pitchFamily="34" charset="-120"/>
+            <a:pPr algn="ctr">
+              <a:buNone/>
+            </a:pPr>
+            <a:r>
+              <a:rPr lang="zh-TW" altLang="en-US" sz="6400" b="1" dirty="0">
+                <a:solidFill>
+                  <a:srgbClr val="660033"/>
+                </a:solidFill>
+                <a:latin typeface="微軟正黑體" pitchFamily="34" charset="-120"/>
+                <a:ea typeface="微軟正黑體" pitchFamily="34" charset="-120"/>
+              </a:rPr>
+              <a:t>我</a:t>
+            </a:r>
+            <a:r>
+              <a:rPr lang="zh-TW" altLang="en-US" sz="6400" b="1" dirty="0" smtClean="0">
+                <a:solidFill>
+                  <a:srgbClr val="660033"/>
+                </a:solidFill>
+                <a:latin typeface="微軟正黑體" pitchFamily="34" charset="-120"/>
+                <a:ea typeface="微軟正黑體" pitchFamily="34" charset="-120"/>
+              </a:rPr>
+              <a:t>神   </a:t>
+            </a:r>
+            <a:r>
+              <a:rPr lang="zh-TW" altLang="en-US" sz="6400" b="1" dirty="0">
+                <a:solidFill>
+                  <a:srgbClr val="660033"/>
+                </a:solidFill>
+                <a:latin typeface="微軟正黑體" pitchFamily="34" charset="-120"/>
+                <a:ea typeface="微軟正黑體" pitchFamily="34" charset="-120"/>
+              </a:rPr>
+              <a:t>真偉大 </a:t>
+            </a:r>
+            <a:endParaRPr lang="en-US" altLang="zh-TW" sz="6400" b="1" dirty="0" smtClean="0">
+              <a:solidFill>
+                <a:srgbClr val="660033"/>
+              </a:solidFill>
+              <a:latin typeface="微軟正黑體" pitchFamily="34" charset="-120"/>
+              <a:ea typeface="微軟正黑體" pitchFamily="34" charset="-120"/>
             </a:endParaRPr>
           </a:p>
-        </p:txBody>
-      </p:sp>
-      <p:sp>
-        <p:nvSpPr>
-          <p:cNvPr id="3" name="內容版面配置區 2"/>
-          <p:cNvSpPr>
-            <a:spLocks noGrp="1"/>
-          </p:cNvSpPr>
-          <p:nvPr>
-            <p:ph idx="1"/>
-          </p:nvPr>
+          <a:p>
+            <a:pPr algn="ctr">
+              <a:buNone/>
+            </a:pPr>
+            <a:r>
+              <a:rPr lang="zh-TW" altLang="en-US" sz="6400" b="1" dirty="0" smtClean="0">
+                <a:solidFill>
+                  <a:srgbClr val="660033"/>
+                </a:solidFill>
+                <a:latin typeface="微軟正黑體" pitchFamily="34" charset="-120"/>
+                <a:ea typeface="微軟正黑體" pitchFamily="34" charset="-120"/>
+              </a:rPr>
+              <a:t>歌頌</a:t>
+            </a:r>
+            <a:r>
+              <a:rPr lang="zh-CN" altLang="en-US" sz="6400" b="1" dirty="0">
+                <a:solidFill>
+                  <a:srgbClr val="660033"/>
+                </a:solidFill>
+                <a:latin typeface="微軟正黑體" pitchFamily="34" charset="-120"/>
+                <a:ea typeface="微軟正黑體" pitchFamily="34" charset="-120"/>
+              </a:rPr>
+              <a:t>袮</a:t>
+            </a:r>
+            <a:r>
+              <a:rPr lang="zh-TW" altLang="en-US" sz="6400" b="1" dirty="0" smtClean="0">
+                <a:solidFill>
+                  <a:srgbClr val="660033"/>
+                </a:solidFill>
+                <a:latin typeface="微軟正黑體" pitchFamily="34" charset="-120"/>
+                <a:ea typeface="微軟正黑體" pitchFamily="34" charset="-120"/>
+              </a:rPr>
+              <a:t>聖名   </a:t>
+            </a:r>
+            <a:r>
+              <a:rPr lang="zh-TW" altLang="en-US" sz="6400" b="1" dirty="0">
+                <a:solidFill>
+                  <a:srgbClr val="660033"/>
+                </a:solidFill>
+                <a:latin typeface="微軟正黑體" pitchFamily="34" charset="-120"/>
+                <a:ea typeface="微軟正黑體" pitchFamily="34" charset="-120"/>
+              </a:rPr>
+              <a:t>真偉大</a:t>
+            </a:r>
+            <a:endParaRPr lang="en-US" altLang="zh-TW" sz="6400" b="1" dirty="0">
+              <a:solidFill>
+                <a:srgbClr val="660033"/>
+              </a:solidFill>
+              <a:latin typeface="微軟正黑體" pitchFamily="34" charset="-120"/>
+              <a:ea typeface="微軟正黑體" pitchFamily="34" charset="-120"/>
+            </a:endParaRPr>
+          </a:p>
+        </p:txBody>
+      </p:sp>
+      <p:sp>
+        <p:nvSpPr>
+          <p:cNvPr id="3" name="TextBox 2"/>
+          <p:cNvSpPr txBox="1"/>
+          <p:nvPr/>
         </p:nvSpPr>
         <p:spPr>
           <a:xfrm>
-            <a:off x="0" y="1600201"/>
-            <a:ext cx="12192000" cy="4525963"/>
+            <a:off x="0" y="5157192"/>
+            <a:ext cx="12192000" cy="748988"/>
           </a:xfrm>
+          <a:prstGeom prst="rect">
+            <a:avLst/>
+          </a:prstGeom>
+          <a:noFill/>
         </p:spPr>
         <p:txBody>
-          <a:bodyPr>
-            <a:noAutofit/>
+          <a:bodyPr wrap="square" rtlCol="0">
+            <a:spAutoFit/>
           </a:bodyPr>
           <a:lstStyle/>
           <a:p>
-            <a:pPr marL="0" indent="0" algn="ctr">
-              <a:buNone/>
-            </a:pPr>
-            <a:r>
-              <a:rPr lang="zh-TW" altLang="zh-TW" sz="6000" b="1" dirty="0">
-                <a:latin typeface="微軟正黑體" panose="020B0604030504040204" pitchFamily="34" charset="-120"/>
-                <a:ea typeface="微軟正黑體" panose="020B0604030504040204" pitchFamily="34" charset="-120"/>
-              </a:rPr>
-              <a:t>你至聖尊名</a:t>
-            </a:r>
-            <a:endParaRPr lang="en-US" altLang="zh-TW" sz="6000" b="1" dirty="0">
-              <a:latin typeface="微軟正黑體" panose="020B0604030504040204" pitchFamily="34" charset="-120"/>
-              <a:ea typeface="微軟正黑體" panose="020B0604030504040204" pitchFamily="34" charset="-120"/>
-            </a:endParaRPr>
-          </a:p>
-          <a:p>
-            <a:pPr marL="0" indent="0" algn="ctr">
-              <a:buNone/>
-            </a:pPr>
-            <a:r>
-              <a:rPr lang="zh-TW" altLang="zh-TW" sz="6000" b="1" dirty="0">
-                <a:latin typeface="微軟正黑體" panose="020B0604030504040204" pitchFamily="34" charset="-120"/>
-                <a:ea typeface="微軟正黑體" panose="020B0604030504040204" pitchFamily="34" charset="-120"/>
-              </a:rPr>
-              <a:t>配受大讚美</a:t>
-            </a:r>
-            <a:endParaRPr lang="en-US" altLang="zh-TW" sz="6000" b="1" dirty="0">
-              <a:latin typeface="微軟正黑體" panose="020B0604030504040204" pitchFamily="34" charset="-120"/>
-              <a:ea typeface="微軟正黑體" panose="020B0604030504040204" pitchFamily="34" charset="-120"/>
-            </a:endParaRPr>
-          </a:p>
-          <a:p>
-            <a:pPr marL="0" indent="0" algn="ctr">
-              <a:buNone/>
-            </a:pPr>
-            <a:r>
-              <a:rPr lang="zh-TW" altLang="zh-TW" sz="6000" b="1" dirty="0">
-                <a:latin typeface="微軟正黑體" panose="020B0604030504040204" pitchFamily="34" charset="-120"/>
-                <a:ea typeface="微軟正黑體" panose="020B0604030504040204" pitchFamily="34" charset="-120"/>
-              </a:rPr>
-              <a:t>全心歌頌</a:t>
-            </a:r>
-            <a:r>
-              <a:rPr lang="en-US" altLang="zh-TW" sz="6000" b="1" dirty="0">
-                <a:latin typeface="微軟正黑體" panose="020B0604030504040204" pitchFamily="34" charset="-120"/>
-                <a:ea typeface="微軟正黑體" panose="020B0604030504040204" pitchFamily="34" charset="-120"/>
-              </a:rPr>
-              <a:t>  </a:t>
-            </a:r>
-            <a:r>
-              <a:rPr lang="zh-TW" altLang="zh-TW" sz="6000" b="1" dirty="0">
-                <a:latin typeface="微軟正黑體" panose="020B0604030504040204" pitchFamily="34" charset="-120"/>
-                <a:ea typeface="微軟正黑體" panose="020B0604030504040204" pitchFamily="34" charset="-120"/>
-              </a:rPr>
-              <a:t>我神</a:t>
-            </a:r>
-            <a:r>
-              <a:rPr lang="en-US" altLang="zh-TW" sz="6000" b="1" dirty="0">
-                <a:latin typeface="微軟正黑體" panose="020B0604030504040204" pitchFamily="34" charset="-120"/>
-                <a:ea typeface="微軟正黑體" panose="020B0604030504040204" pitchFamily="34" charset="-120"/>
-              </a:rPr>
-              <a:t>  </a:t>
-            </a:r>
-            <a:r>
-              <a:rPr lang="zh-TW" altLang="zh-TW" sz="6000" b="1" dirty="0">
-                <a:latin typeface="微軟正黑體" panose="020B0604030504040204" pitchFamily="34" charset="-120"/>
-                <a:ea typeface="微軟正黑體" panose="020B0604030504040204" pitchFamily="34" charset="-120"/>
-              </a:rPr>
-              <a:t>真</a:t>
-            </a:r>
-            <a:r>
-              <a:rPr lang="zh-TW" altLang="zh-TW" sz="6000" b="1" dirty="0" smtClean="0">
-                <a:latin typeface="微軟正黑體" panose="020B0604030504040204" pitchFamily="34" charset="-120"/>
-                <a:ea typeface="微軟正黑體" panose="020B0604030504040204" pitchFamily="34" charset="-120"/>
-              </a:rPr>
-              <a:t>偉大</a:t>
-            </a:r>
-            <a:endParaRPr lang="zh-TW" altLang="en-US" sz="6000" b="1" dirty="0">
-              <a:latin typeface="微軟正黑體" panose="020B0604030504040204" pitchFamily="34" charset="-120"/>
-              <a:ea typeface="微軟正黑體" panose="020B0604030504040204" pitchFamily="34" charset="-120"/>
+            <a:pPr algn="ctr"/>
+            <a:r>
+              <a:rPr lang="en-US" sz="4267" b="1" dirty="0">
+                <a:solidFill>
+                  <a:srgbClr val="660033"/>
+                </a:solidFill>
+                <a:latin typeface="Microsoft JhengHei" panose="020B0604030504040204" pitchFamily="34" charset="-120"/>
+                <a:ea typeface="Microsoft JhengHei" panose="020B0604030504040204" pitchFamily="34" charset="-120"/>
+              </a:rPr>
+              <a:t>( </a:t>
+            </a:r>
+            <a:r>
+              <a:rPr lang="zh-CN" altLang="en-US" sz="4267" b="1" dirty="0" smtClean="0">
+                <a:solidFill>
+                  <a:srgbClr val="660033"/>
+                </a:solidFill>
+                <a:latin typeface="Microsoft JhengHei" panose="020B0604030504040204" pitchFamily="34" charset="-120"/>
+                <a:ea typeface="Microsoft JhengHei" panose="020B0604030504040204" pitchFamily="34" charset="-120"/>
+              </a:rPr>
+              <a:t>副</a:t>
+            </a:r>
+            <a:r>
+              <a:rPr lang="en-US" sz="4267" b="1" dirty="0" smtClean="0">
+                <a:solidFill>
+                  <a:srgbClr val="660033"/>
+                </a:solidFill>
+                <a:latin typeface="Microsoft JhengHei" panose="020B0604030504040204" pitchFamily="34" charset="-120"/>
+                <a:ea typeface="Microsoft JhengHei" panose="020B0604030504040204" pitchFamily="34" charset="-120"/>
+              </a:rPr>
+              <a:t> </a:t>
+            </a:r>
+            <a:r>
+              <a:rPr lang="en-US" sz="4267" b="1" dirty="0">
+                <a:solidFill>
+                  <a:srgbClr val="660033"/>
+                </a:solidFill>
+                <a:latin typeface="Microsoft JhengHei" panose="020B0604030504040204" pitchFamily="34" charset="-120"/>
+                <a:ea typeface="Microsoft JhengHei" panose="020B0604030504040204" pitchFamily="34" charset="-120"/>
+              </a:rPr>
+              <a:t>)</a:t>
+            </a:r>
+            <a:endParaRPr lang="vi-VN" sz="4267" b="1" dirty="0">
+              <a:solidFill>
+                <a:srgbClr val="660033"/>
+              </a:solidFill>
+              <a:ea typeface="Microsoft JhengHei" panose="020B0604030504040204" pitchFamily="34" charset="-120"/>
             </a:endParaRPr>
           </a:p>
         </p:txBody>
@@ -3865,7 +3910,7 @@
     </p:spTree>
     <p:extLst>
       <p:ext uri="{BB962C8B-B14F-4D97-AF65-F5344CB8AC3E}">
-        <p14:creationId xmlns:p14="http://schemas.microsoft.com/office/powerpoint/2010/main" val="3443762382"/>
+        <p14:creationId xmlns:p14="http://schemas.microsoft.com/office/powerpoint/2010/main" val="2399625992"/>
       </p:ext>
     </p:extLst>
   </p:cSld>
@@ -3894,132 +3939,121 @@
       </p:grpSpPr>
       <p:sp>
         <p:nvSpPr>
-          <p:cNvPr id="2" name="標題 1"/>
-          <p:cNvSpPr>
-            <a:spLocks noGrp="1"/>
-          </p:cNvSpPr>
-          <p:nvPr>
-            <p:ph type="title"/>
-          </p:nvPr>
-        </p:nvSpPr>
-        <p:spPr/>
-        <p:txBody>
-          <a:bodyPr>
+          <p:cNvPr id="5" name="內容版面配置區 4"/>
+          <p:cNvSpPr>
+            <a:spLocks noGrp="1"/>
+          </p:cNvSpPr>
+          <p:nvPr>
+            <p:ph idx="1"/>
+          </p:nvPr>
+        </p:nvSpPr>
+        <p:spPr>
+          <a:xfrm>
+            <a:off x="0" y="2084851"/>
+            <a:ext cx="12192000" cy="2404863"/>
+          </a:xfrm>
+        </p:spPr>
+        <p:txBody>
+          <a:bodyPr anchor="ctr">
             <a:normAutofit/>
           </a:bodyPr>
           <a:lstStyle/>
           <a:p>
-            <a:r>
-              <a:rPr lang="zh-TW" altLang="zh-TW" sz="4800" b="1" dirty="0">
-                <a:latin typeface="微軟正黑體" panose="020B0604030504040204" pitchFamily="34" charset="-120"/>
-                <a:ea typeface="微軟正黑體" panose="020B0604030504040204" pitchFamily="34" charset="-120"/>
-              </a:rPr>
-              <a:t>我神真偉大</a:t>
-            </a:r>
-            <a:endParaRPr lang="zh-TW" altLang="en-US" sz="4800" b="1" dirty="0">
-              <a:latin typeface="微軟正黑體" panose="020B0604030504040204" pitchFamily="34" charset="-120"/>
-              <a:ea typeface="微軟正黑體" panose="020B0604030504040204" pitchFamily="34" charset="-120"/>
+            <a:pPr algn="ctr">
+              <a:buNone/>
+            </a:pPr>
+            <a:r>
+              <a:rPr lang="zh-TW" altLang="en-US" sz="6400" b="1" dirty="0">
+                <a:solidFill>
+                  <a:srgbClr val="660033"/>
+                </a:solidFill>
+                <a:latin typeface="微軟正黑體" pitchFamily="34" charset="-120"/>
+                <a:ea typeface="微軟正黑體" pitchFamily="34" charset="-120"/>
+              </a:rPr>
+              <a:t>全地都看</a:t>
+            </a:r>
+            <a:r>
+              <a:rPr lang="zh-TW" altLang="en-US" sz="6400" b="1" dirty="0">
+                <a:solidFill>
+                  <a:srgbClr val="660033"/>
+                </a:solidFill>
+                <a:latin typeface="微軟正黑體" pitchFamily="34" charset="-120"/>
+                <a:ea typeface="微軟正黑體" pitchFamily="34" charset="-120"/>
+              </a:rPr>
+              <a:t>見</a:t>
+            </a:r>
+            <a:endParaRPr lang="en-US" altLang="zh-TW" sz="6400" b="1" dirty="0">
+              <a:solidFill>
+                <a:srgbClr val="660033"/>
+              </a:solidFill>
+              <a:latin typeface="微軟正黑體" pitchFamily="34" charset="-120"/>
+              <a:ea typeface="微軟正黑體" pitchFamily="34" charset="-120"/>
             </a:endParaRPr>
           </a:p>
-        </p:txBody>
-      </p:sp>
-      <p:sp>
-        <p:nvSpPr>
-          <p:cNvPr id="3" name="內容版面配置區 2"/>
-          <p:cNvSpPr>
-            <a:spLocks noGrp="1"/>
-          </p:cNvSpPr>
-          <p:nvPr>
-            <p:ph idx="1"/>
-          </p:nvPr>
+          <a:p>
+            <a:pPr algn="ctr">
+              <a:buNone/>
+            </a:pPr>
+            <a:r>
+              <a:rPr lang="zh-TW" altLang="en-US" sz="6400" b="1" dirty="0">
+                <a:solidFill>
+                  <a:srgbClr val="660033"/>
+                </a:solidFill>
+                <a:latin typeface="微軟正黑體" pitchFamily="34" charset="-120"/>
+                <a:ea typeface="微軟正黑體" pitchFamily="34" charset="-120"/>
+              </a:rPr>
+              <a:t>我</a:t>
+            </a:r>
+            <a:r>
+              <a:rPr lang="zh-TW" altLang="en-US" sz="6400" b="1" dirty="0">
+                <a:solidFill>
+                  <a:srgbClr val="660033"/>
+                </a:solidFill>
+                <a:latin typeface="微軟正黑體" pitchFamily="34" charset="-120"/>
+                <a:ea typeface="微軟正黑體" pitchFamily="34" charset="-120"/>
+              </a:rPr>
+              <a:t>神 </a:t>
+            </a:r>
+            <a:r>
+              <a:rPr lang="zh-TW" altLang="en-US" sz="6400" b="1" dirty="0" smtClean="0">
+                <a:solidFill>
+                  <a:srgbClr val="660033"/>
+                </a:solidFill>
+                <a:latin typeface="微軟正黑體" pitchFamily="34" charset="-120"/>
+                <a:ea typeface="微軟正黑體" pitchFamily="34" charset="-120"/>
+              </a:rPr>
+              <a:t>  真</a:t>
+            </a:r>
+            <a:r>
+              <a:rPr lang="zh-TW" altLang="en-US" sz="6400" b="1" dirty="0">
+                <a:solidFill>
+                  <a:srgbClr val="660033"/>
+                </a:solidFill>
+                <a:latin typeface="微軟正黑體" pitchFamily="34" charset="-120"/>
+                <a:ea typeface="微軟正黑體" pitchFamily="34" charset="-120"/>
+              </a:rPr>
+              <a:t>偉大</a:t>
+            </a:r>
+            <a:endParaRPr lang="en-US" altLang="zh-TW" sz="6400" b="1" dirty="0">
+              <a:solidFill>
+                <a:srgbClr val="660033"/>
+              </a:solidFill>
+              <a:latin typeface="微軟正黑體" pitchFamily="34" charset="-120"/>
+              <a:ea typeface="微軟正黑體" pitchFamily="34" charset="-120"/>
+            </a:endParaRPr>
+          </a:p>
+        </p:txBody>
+      </p:sp>
+      <p:sp>
+        <p:nvSpPr>
+          <p:cNvPr id="3" name="TextBox 2"/>
+          <p:cNvSpPr txBox="1"/>
+          <p:nvPr/>
         </p:nvSpPr>
         <p:spPr>
           <a:xfrm>
-            <a:off x="0" y="1600201"/>
-            <a:ext cx="12192000" cy="4525963"/>
-          </a:xfrm>
-        </p:spPr>
-        <p:txBody>
-          <a:bodyPr>
-            <a:noAutofit/>
-          </a:bodyPr>
-          <a:lstStyle/>
-          <a:p>
-            <a:pPr marL="0" indent="0" algn="ctr">
-              <a:buNone/>
-            </a:pPr>
-            <a:r>
-              <a:rPr lang="zh-TW" altLang="zh-TW" sz="6000" b="1" dirty="0">
-                <a:latin typeface="微軟正黑體" panose="020B0604030504040204" pitchFamily="34" charset="-120"/>
-                <a:ea typeface="微軟正黑體" panose="020B0604030504040204" pitchFamily="34" charset="-120"/>
-              </a:rPr>
-              <a:t>昔在永在君王 </a:t>
-            </a:r>
-            <a:endParaRPr lang="en-US" altLang="zh-TW" sz="6000" b="1" dirty="0">
-              <a:latin typeface="微軟正黑體" panose="020B0604030504040204" pitchFamily="34" charset="-120"/>
-              <a:ea typeface="微軟正黑體" panose="020B0604030504040204" pitchFamily="34" charset="-120"/>
-            </a:endParaRPr>
-          </a:p>
-          <a:p>
-            <a:pPr marL="0" indent="0" algn="ctr">
-              <a:buNone/>
-            </a:pPr>
-            <a:r>
-              <a:rPr lang="zh-TW" altLang="zh-TW" sz="6000" b="1" dirty="0">
-                <a:latin typeface="微軟正黑體" panose="020B0604030504040204" pitchFamily="34" charset="-120"/>
-                <a:ea typeface="微軟正黑體" panose="020B0604030504040204" pitchFamily="34" charset="-120"/>
-              </a:rPr>
-              <a:t>從今直到永遠</a:t>
-            </a:r>
-            <a:endParaRPr lang="en-US" altLang="zh-TW" sz="6000" b="1" dirty="0">
-              <a:latin typeface="微軟正黑體" panose="020B0604030504040204" pitchFamily="34" charset="-120"/>
-              <a:ea typeface="微軟正黑體" panose="020B0604030504040204" pitchFamily="34" charset="-120"/>
-            </a:endParaRPr>
-          </a:p>
-          <a:p>
-            <a:pPr marL="0" indent="0" algn="ctr">
-              <a:buNone/>
-            </a:pPr>
-            <a:r>
-              <a:rPr lang="zh-TW" altLang="zh-TW" sz="6000" b="1" dirty="0">
-                <a:latin typeface="微軟正黑體" panose="020B0604030504040204" pitchFamily="34" charset="-120"/>
-                <a:ea typeface="微軟正黑體" panose="020B0604030504040204" pitchFamily="34" charset="-120"/>
-              </a:rPr>
-              <a:t>你從不曾改變 </a:t>
-            </a:r>
-            <a:endParaRPr lang="en-US" altLang="zh-TW" sz="6000" b="1" dirty="0">
-              <a:latin typeface="微軟正黑體" panose="020B0604030504040204" pitchFamily="34" charset="-120"/>
-              <a:ea typeface="微軟正黑體" panose="020B0604030504040204" pitchFamily="34" charset="-120"/>
-            </a:endParaRPr>
-          </a:p>
-          <a:p>
-            <a:pPr marL="0" indent="0" algn="ctr">
-              <a:buNone/>
-            </a:pPr>
-            <a:r>
-              <a:rPr lang="zh-TW" altLang="zh-TW" sz="6000" b="1" dirty="0">
-                <a:latin typeface="微軟正黑體" panose="020B0604030504040204" pitchFamily="34" charset="-120"/>
-                <a:ea typeface="微軟正黑體" panose="020B0604030504040204" pitchFamily="34" charset="-120"/>
-              </a:rPr>
-              <a:t>永存在天地間</a:t>
-            </a:r>
-            <a:endParaRPr lang="zh-TW" altLang="en-US" sz="6000" b="1" dirty="0">
-              <a:latin typeface="微軟正黑體" panose="020B0604030504040204" pitchFamily="34" charset="-120"/>
-              <a:ea typeface="微軟正黑體" panose="020B0604030504040204" pitchFamily="34" charset="-120"/>
-            </a:endParaRPr>
-          </a:p>
-        </p:txBody>
-      </p:sp>
-      <p:sp>
-        <p:nvSpPr>
-          <p:cNvPr id="4" name="文字方塊 3"/>
-          <p:cNvSpPr txBox="1"/>
-          <p:nvPr/>
-        </p:nvSpPr>
-        <p:spPr>
-          <a:xfrm>
-            <a:off x="2227810" y="1716580"/>
-            <a:ext cx="1080654" cy="923330"/>
+            <a:off x="0" y="5157192"/>
+            <a:ext cx="12192000" cy="748988"/>
           </a:xfrm>
           <a:prstGeom prst="rect">
             <a:avLst/>
@@ -4032,23 +4066,52 @@
           </a:bodyPr>
           <a:lstStyle/>
           <a:p>
-            <a:r>
-              <a:rPr lang="en-US" altLang="zh-TW" sz="5400" b="1" dirty="0">
-                <a:latin typeface="微軟正黑體" panose="020B0604030504040204" pitchFamily="34" charset="-120"/>
-                <a:ea typeface="微軟正黑體" panose="020B0604030504040204" pitchFamily="34" charset="-120"/>
-              </a:rPr>
-              <a:t>2</a:t>
-            </a:r>
-            <a:r>
-              <a:rPr lang="en-US" altLang="zh-TW" sz="5400" b="1" dirty="0" smtClean="0">
-                <a:latin typeface="微軟正黑體" panose="020B0604030504040204" pitchFamily="34" charset="-120"/>
-                <a:ea typeface="微軟正黑體" panose="020B0604030504040204" pitchFamily="34" charset="-120"/>
-              </a:rPr>
-              <a:t>.</a:t>
-            </a:r>
-            <a:endParaRPr lang="zh-TW" altLang="en-US" sz="5400" b="1" dirty="0">
-              <a:latin typeface="微軟正黑體" panose="020B0604030504040204" pitchFamily="34" charset="-120"/>
-              <a:ea typeface="微軟正黑體" panose="020B0604030504040204" pitchFamily="34" charset="-120"/>
+            <a:pPr algn="ctr"/>
+            <a:r>
+              <a:rPr lang="en-US" sz="4267" b="1" dirty="0">
+                <a:solidFill>
+                  <a:srgbClr val="660033"/>
+                </a:solidFill>
+                <a:latin typeface="Microsoft JhengHei" panose="020B0604030504040204" pitchFamily="34" charset="-120"/>
+                <a:ea typeface="Microsoft JhengHei" panose="020B0604030504040204" pitchFamily="34" charset="-120"/>
+              </a:rPr>
+              <a:t>( </a:t>
+            </a:r>
+            <a:r>
+              <a:rPr lang="zh-CN" altLang="en-US" sz="4267" b="1" dirty="0" smtClean="0">
+                <a:solidFill>
+                  <a:srgbClr val="660033"/>
+                </a:solidFill>
+                <a:latin typeface="Microsoft JhengHei" panose="020B0604030504040204" pitchFamily="34" charset="-120"/>
+                <a:ea typeface="Microsoft JhengHei" panose="020B0604030504040204" pitchFamily="34" charset="-120"/>
+              </a:rPr>
+              <a:t>副</a:t>
+            </a:r>
+            <a:r>
+              <a:rPr lang="en-US" sz="4267" b="1" dirty="0" smtClean="0">
+                <a:solidFill>
+                  <a:srgbClr val="660033"/>
+                </a:solidFill>
+                <a:latin typeface="Microsoft JhengHei" panose="020B0604030504040204" pitchFamily="34" charset="-120"/>
+                <a:ea typeface="Microsoft JhengHei" panose="020B0604030504040204" pitchFamily="34" charset="-120"/>
+              </a:rPr>
+              <a:t> </a:t>
+            </a:r>
+            <a:r>
+              <a:rPr lang="en-US" sz="4267" b="1" dirty="0">
+                <a:solidFill>
+                  <a:srgbClr val="660033"/>
+                </a:solidFill>
+                <a:latin typeface="Microsoft JhengHei" panose="020B0604030504040204" pitchFamily="34" charset="-120"/>
+                <a:ea typeface="Microsoft JhengHei" panose="020B0604030504040204" pitchFamily="34" charset="-120"/>
+              </a:rPr>
+              <a:t>)</a:t>
+            </a:r>
+            <a:endParaRPr lang="vi-VN" sz="4267" b="1" dirty="0">
+              <a:solidFill>
+                <a:srgbClr val="660033"/>
+              </a:solidFill>
+              <a:ea typeface="Microsoft JhengHei" panose="020B0604030504040204" pitchFamily="34" charset="-120"/>
             </a:endParaRPr>
           </a:p>
         </p:txBody>
@@ -4056,7 +4119,7 @@
     </p:spTree>
     <p:extLst>
       <p:ext uri="{BB962C8B-B14F-4D97-AF65-F5344CB8AC3E}">
-        <p14:creationId xmlns:p14="http://schemas.microsoft.com/office/powerpoint/2010/main" val="2884185559"/>
+        <p14:creationId xmlns:p14="http://schemas.microsoft.com/office/powerpoint/2010/main" val="2147818189"/>
       </p:ext>
     </p:extLst>
   </p:cSld>
@@ -4085,132 +4148,151 @@
       </p:grpSpPr>
       <p:sp>
         <p:nvSpPr>
-          <p:cNvPr id="2" name="標題 1"/>
-          <p:cNvSpPr>
-            <a:spLocks noGrp="1"/>
-          </p:cNvSpPr>
-          <p:nvPr>
-            <p:ph type="title"/>
-          </p:nvPr>
-        </p:nvSpPr>
-        <p:spPr/>
-        <p:txBody>
-          <a:bodyPr>
+          <p:cNvPr id="5" name="內容版面配置區 4"/>
+          <p:cNvSpPr>
+            <a:spLocks noGrp="1"/>
+          </p:cNvSpPr>
+          <p:nvPr>
+            <p:ph idx="1"/>
+          </p:nvPr>
+        </p:nvSpPr>
+        <p:spPr>
+          <a:xfrm>
+            <a:off x="0" y="2084851"/>
+            <a:ext cx="12192000" cy="2404863"/>
+          </a:xfrm>
+        </p:spPr>
+        <p:txBody>
+          <a:bodyPr anchor="ctr">
             <a:normAutofit/>
           </a:bodyPr>
           <a:lstStyle/>
           <a:p>
-            <a:r>
-              <a:rPr lang="zh-TW" altLang="zh-TW" sz="4800" b="1" dirty="0">
-                <a:latin typeface="微軟正黑體" panose="020B0604030504040204" pitchFamily="34" charset="-120"/>
-                <a:ea typeface="微軟正黑體" panose="020B0604030504040204" pitchFamily="34" charset="-120"/>
-              </a:rPr>
-              <a:t>我神真偉大</a:t>
-            </a:r>
-            <a:endParaRPr lang="zh-TW" altLang="en-US" sz="4800" b="1" dirty="0">
-              <a:latin typeface="微軟正黑體" panose="020B0604030504040204" pitchFamily="34" charset="-120"/>
-              <a:ea typeface="微軟正黑體" panose="020B0604030504040204" pitchFamily="34" charset="-120"/>
+            <a:pPr algn="ctr">
+              <a:buNone/>
+            </a:pPr>
+            <a:r>
+              <a:rPr lang="zh-TW" altLang="en-US" sz="6400" b="1" dirty="0">
+                <a:solidFill>
+                  <a:srgbClr val="660033"/>
+                </a:solidFill>
+                <a:latin typeface="微軟正黑體" pitchFamily="34" charset="-120"/>
+                <a:ea typeface="微軟正黑體" pitchFamily="34" charset="-120"/>
+              </a:rPr>
+              <a:t>昔在永在君王 </a:t>
+            </a:r>
+            <a:r>
+              <a:rPr lang="zh-TW" altLang="en-US" sz="6400" b="1" dirty="0">
+                <a:solidFill>
+                  <a:srgbClr val="660033"/>
+                </a:solidFill>
+                <a:latin typeface="微軟正黑體" pitchFamily="34" charset="-120"/>
+                <a:ea typeface="微軟正黑體" pitchFamily="34" charset="-120"/>
+              </a:rPr>
+              <a:t>  從</a:t>
+            </a:r>
+            <a:r>
+              <a:rPr lang="zh-TW" altLang="en-US" sz="6400" b="1" dirty="0">
+                <a:solidFill>
+                  <a:srgbClr val="660033"/>
+                </a:solidFill>
+                <a:latin typeface="微軟正黑體" pitchFamily="34" charset="-120"/>
+                <a:ea typeface="微軟正黑體" pitchFamily="34" charset="-120"/>
+              </a:rPr>
+              <a:t>今直到永</a:t>
+            </a:r>
+            <a:r>
+              <a:rPr lang="zh-TW" altLang="en-US" sz="6400" b="1" dirty="0">
+                <a:solidFill>
+                  <a:srgbClr val="660033"/>
+                </a:solidFill>
+                <a:latin typeface="微軟正黑體" pitchFamily="34" charset="-120"/>
+                <a:ea typeface="微軟正黑體" pitchFamily="34" charset="-120"/>
+              </a:rPr>
+              <a:t>遠</a:t>
+            </a:r>
+            <a:endParaRPr lang="en-US" altLang="zh-TW" sz="6400" b="1" dirty="0">
+              <a:solidFill>
+                <a:srgbClr val="660033"/>
+              </a:solidFill>
+              <a:latin typeface="微軟正黑體" pitchFamily="34" charset="-120"/>
+              <a:ea typeface="微軟正黑體" pitchFamily="34" charset="-120"/>
             </a:endParaRPr>
           </a:p>
-        </p:txBody>
-      </p:sp>
-      <p:sp>
-        <p:nvSpPr>
-          <p:cNvPr id="3" name="內容版面配置區 2"/>
-          <p:cNvSpPr>
-            <a:spLocks noGrp="1"/>
-          </p:cNvSpPr>
-          <p:nvPr>
-            <p:ph idx="1"/>
-          </p:nvPr>
+          <a:p>
+            <a:pPr algn="ctr">
+              <a:buNone/>
+            </a:pPr>
+            <a:r>
+              <a:rPr lang="zh-CN" altLang="en-US" sz="6400" b="1" dirty="0">
+                <a:solidFill>
+                  <a:srgbClr val="660033"/>
+                </a:solidFill>
+                <a:latin typeface="微軟正黑體" pitchFamily="34" charset="-120"/>
+                <a:ea typeface="微軟正黑體" pitchFamily="34" charset="-120"/>
+              </a:rPr>
+              <a:t>袮</a:t>
+            </a:r>
+            <a:r>
+              <a:rPr lang="zh-TW" altLang="en-US" sz="6400" b="1" dirty="0" smtClean="0">
+                <a:solidFill>
+                  <a:srgbClr val="660033"/>
+                </a:solidFill>
+                <a:latin typeface="微軟正黑體" pitchFamily="34" charset="-120"/>
+                <a:ea typeface="微軟正黑體" pitchFamily="34" charset="-120"/>
+              </a:rPr>
+              <a:t>從</a:t>
+            </a:r>
+            <a:r>
+              <a:rPr lang="zh-TW" altLang="en-US" sz="6400" b="1" dirty="0">
+                <a:solidFill>
+                  <a:srgbClr val="660033"/>
+                </a:solidFill>
+                <a:latin typeface="微軟正黑體" pitchFamily="34" charset="-120"/>
+                <a:ea typeface="微軟正黑體" pitchFamily="34" charset="-120"/>
+              </a:rPr>
+              <a:t>不曾改變 </a:t>
+            </a:r>
+            <a:r>
+              <a:rPr lang="zh-TW" altLang="en-US" sz="6400" b="1" dirty="0">
+                <a:solidFill>
+                  <a:srgbClr val="660033"/>
+                </a:solidFill>
+                <a:latin typeface="微軟正黑體" pitchFamily="34" charset="-120"/>
+                <a:ea typeface="微軟正黑體" pitchFamily="34" charset="-120"/>
+              </a:rPr>
+              <a:t>  永</a:t>
+            </a:r>
+            <a:r>
+              <a:rPr lang="zh-TW" altLang="en-US" sz="6400" b="1" dirty="0">
+                <a:solidFill>
+                  <a:srgbClr val="660033"/>
+                </a:solidFill>
+                <a:latin typeface="微軟正黑體" pitchFamily="34" charset="-120"/>
+                <a:ea typeface="微軟正黑體" pitchFamily="34" charset="-120"/>
+              </a:rPr>
+              <a:t>存在天地間</a:t>
+            </a:r>
+            <a:endParaRPr lang="en-US" altLang="zh-TW" sz="6400" b="1" dirty="0">
+              <a:solidFill>
+                <a:srgbClr val="660033"/>
+              </a:solidFill>
+              <a:latin typeface="微軟正黑體" pitchFamily="34" charset="-120"/>
+              <a:ea typeface="微軟正黑體" pitchFamily="34" charset="-120"/>
+            </a:endParaRPr>
+          </a:p>
+        </p:txBody>
+      </p:sp>
+      <p:sp>
+        <p:nvSpPr>
+          <p:cNvPr id="3" name="TextBox 2"/>
+          <p:cNvSpPr txBox="1"/>
+          <p:nvPr/>
         </p:nvSpPr>
         <p:spPr>
           <a:xfrm>
-            <a:off x="0" y="1600201"/>
-            <a:ext cx="12192000" cy="4525963"/>
-          </a:xfrm>
-        </p:spPr>
-        <p:txBody>
-          <a:bodyPr>
-            <a:noAutofit/>
-          </a:bodyPr>
-          <a:lstStyle/>
-          <a:p>
-            <a:pPr marL="0" indent="0" algn="ctr">
-              <a:buNone/>
-            </a:pPr>
-            <a:r>
-              <a:rPr lang="zh-TW" altLang="zh-TW" sz="6000" b="1" dirty="0">
-                <a:latin typeface="微軟正黑體" panose="020B0604030504040204" pitchFamily="34" charset="-120"/>
-                <a:ea typeface="微軟正黑體" panose="020B0604030504040204" pitchFamily="34" charset="-120"/>
-              </a:rPr>
-              <a:t>你是三一真神 </a:t>
-            </a:r>
-            <a:endParaRPr lang="en-US" altLang="zh-TW" sz="6000" b="1" dirty="0">
-              <a:latin typeface="微軟正黑體" panose="020B0604030504040204" pitchFamily="34" charset="-120"/>
-              <a:ea typeface="微軟正黑體" panose="020B0604030504040204" pitchFamily="34" charset="-120"/>
-            </a:endParaRPr>
-          </a:p>
-          <a:p>
-            <a:pPr marL="0" indent="0" algn="ctr">
-              <a:buNone/>
-            </a:pPr>
-            <a:r>
-              <a:rPr lang="zh-TW" altLang="zh-TW" sz="6000" b="1" dirty="0">
-                <a:latin typeface="微軟正黑體" panose="020B0604030504040204" pitchFamily="34" charset="-120"/>
-                <a:ea typeface="微軟正黑體" panose="020B0604030504040204" pitchFamily="34" charset="-120"/>
-              </a:rPr>
-              <a:t>父子與聖靈</a:t>
-            </a:r>
-            <a:endParaRPr lang="en-US" altLang="zh-TW" sz="6000" b="1" dirty="0">
-              <a:latin typeface="微軟正黑體" panose="020B0604030504040204" pitchFamily="34" charset="-120"/>
-              <a:ea typeface="微軟正黑體" panose="020B0604030504040204" pitchFamily="34" charset="-120"/>
-            </a:endParaRPr>
-          </a:p>
-          <a:p>
-            <a:pPr marL="0" indent="0" algn="ctr">
-              <a:buNone/>
-            </a:pPr>
-            <a:r>
-              <a:rPr lang="zh-TW" altLang="zh-TW" sz="6000" b="1" dirty="0">
-                <a:latin typeface="微軟正黑體" panose="020B0604030504040204" pitchFamily="34" charset="-120"/>
-                <a:ea typeface="微軟正黑體" panose="020B0604030504040204" pitchFamily="34" charset="-120"/>
-              </a:rPr>
-              <a:t>真神的羔羊 </a:t>
-            </a:r>
-            <a:endParaRPr lang="en-US" altLang="zh-TW" sz="6000" b="1" dirty="0">
-              <a:latin typeface="微軟正黑體" panose="020B0604030504040204" pitchFamily="34" charset="-120"/>
-              <a:ea typeface="微軟正黑體" panose="020B0604030504040204" pitchFamily="34" charset="-120"/>
-            </a:endParaRPr>
-          </a:p>
-          <a:p>
-            <a:pPr marL="0" indent="0" algn="ctr">
-              <a:buNone/>
-            </a:pPr>
-            <a:r>
-              <a:rPr lang="zh-TW" altLang="zh-TW" sz="6000" b="1" dirty="0">
-                <a:latin typeface="微軟正黑體" panose="020B0604030504040204" pitchFamily="34" charset="-120"/>
-                <a:ea typeface="微軟正黑體" panose="020B0604030504040204" pitchFamily="34" charset="-120"/>
-              </a:rPr>
-              <a:t>全能神羔羊</a:t>
-            </a:r>
-            <a:endParaRPr lang="zh-TW" altLang="en-US" sz="6000" b="1" dirty="0">
-              <a:latin typeface="微軟正黑體" panose="020B0604030504040204" pitchFamily="34" charset="-120"/>
-              <a:ea typeface="微軟正黑體" panose="020B0604030504040204" pitchFamily="34" charset="-120"/>
-            </a:endParaRPr>
-          </a:p>
-        </p:txBody>
-      </p:sp>
-      <p:sp>
-        <p:nvSpPr>
-          <p:cNvPr id="4" name="文字方塊 3"/>
-          <p:cNvSpPr txBox="1"/>
-          <p:nvPr/>
-        </p:nvSpPr>
-        <p:spPr>
-          <a:xfrm>
-            <a:off x="2227810" y="1716580"/>
-            <a:ext cx="1080654" cy="923330"/>
+            <a:off x="0" y="5157192"/>
+            <a:ext cx="12192000" cy="748988"/>
           </a:xfrm>
           <a:prstGeom prst="rect">
             <a:avLst/>
@@ -4223,23 +4305,62 @@
           </a:bodyPr>
           <a:lstStyle/>
           <a:p>
-            <a:r>
-              <a:rPr lang="en-US" altLang="zh-TW" sz="5400" b="1" dirty="0">
-                <a:latin typeface="微軟正黑體" panose="020B0604030504040204" pitchFamily="34" charset="-120"/>
-                <a:ea typeface="微軟正黑體" panose="020B0604030504040204" pitchFamily="34" charset="-120"/>
+            <a:pPr algn="ctr"/>
+            <a:r>
+              <a:rPr lang="en-US" sz="4267" b="1" dirty="0">
+                <a:solidFill>
+                  <a:srgbClr val="660033"/>
+                </a:solidFill>
+                <a:latin typeface="Microsoft JhengHei" panose="020B0604030504040204" pitchFamily="34" charset="-120"/>
+                <a:ea typeface="Microsoft JhengHei" panose="020B0604030504040204" pitchFamily="34" charset="-120"/>
+              </a:rPr>
+              <a:t>( </a:t>
+            </a:r>
+            <a:r>
+              <a:rPr lang="zh-CN" altLang="en-US" sz="4267" b="1" dirty="0" smtClean="0">
+                <a:solidFill>
+                  <a:srgbClr val="660033"/>
+                </a:solidFill>
+                <a:latin typeface="Microsoft JhengHei" panose="020B0604030504040204" pitchFamily="34" charset="-120"/>
+                <a:ea typeface="Microsoft JhengHei" panose="020B0604030504040204" pitchFamily="34" charset="-120"/>
+              </a:rPr>
+              <a:t>正 </a:t>
+            </a:r>
+            <a:r>
+              <a:rPr lang="en-US" altLang="zh-CN" sz="4267" b="1" dirty="0" smtClean="0">
+                <a:solidFill>
+                  <a:srgbClr val="660033"/>
+                </a:solidFill>
+                <a:latin typeface="Microsoft JhengHei" panose="020B0604030504040204" pitchFamily="34" charset="-120"/>
+                <a:ea typeface="Microsoft JhengHei" panose="020B0604030504040204" pitchFamily="34" charset="-120"/>
               </a:rPr>
               <a:t>2</a:t>
             </a:r>
             <a:r>
-              <a:rPr lang="en-US" altLang="zh-TW" sz="5400" b="1" dirty="0" smtClean="0">
-                <a:latin typeface="微軟正黑體" panose="020B0604030504040204" pitchFamily="34" charset="-120"/>
-                <a:ea typeface="微軟正黑體" panose="020B0604030504040204" pitchFamily="34" charset="-120"/>
-              </a:rPr>
-              <a:t>.</a:t>
-            </a:r>
-            <a:endParaRPr lang="zh-TW" altLang="en-US" sz="5400" b="1" dirty="0">
-              <a:latin typeface="微軟正黑體" panose="020B0604030504040204" pitchFamily="34" charset="-120"/>
-              <a:ea typeface="微軟正黑體" panose="020B0604030504040204" pitchFamily="34" charset="-120"/>
+              <a:rPr lang="en-US" sz="4267" b="1" dirty="0" smtClean="0">
+                <a:solidFill>
+                  <a:srgbClr val="660033"/>
+                </a:solidFill>
+                <a:latin typeface="Microsoft JhengHei" panose="020B0604030504040204" pitchFamily="34" charset="-120"/>
+                <a:ea typeface="Microsoft JhengHei" panose="020B0604030504040204" pitchFamily="34" charset="-120"/>
+              </a:rPr>
+              <a:t> </a:t>
+            </a:r>
+            <a:r>
+              <a:rPr lang="en-US" sz="4267" b="1" dirty="0">
+                <a:solidFill>
+                  <a:srgbClr val="660033"/>
+                </a:solidFill>
+                <a:latin typeface="Microsoft JhengHei" panose="020B0604030504040204" pitchFamily="34" charset="-120"/>
+                <a:ea typeface="Microsoft JhengHei" panose="020B0604030504040204" pitchFamily="34" charset="-120"/>
+              </a:rPr>
+              <a:t>)</a:t>
+            </a:r>
+            <a:endParaRPr lang="vi-VN" sz="4267" b="1" dirty="0">
+              <a:solidFill>
+                <a:srgbClr val="660033"/>
+              </a:solidFill>
+              <a:ea typeface="Microsoft JhengHei" panose="020B0604030504040204" pitchFamily="34" charset="-120"/>
             </a:endParaRPr>
           </a:p>
         </p:txBody>
@@ -4247,7 +4368,7 @@
     </p:spTree>
     <p:extLst>
       <p:ext uri="{BB962C8B-B14F-4D97-AF65-F5344CB8AC3E}">
-        <p14:creationId xmlns:p14="http://schemas.microsoft.com/office/powerpoint/2010/main" val="398831140"/>
+        <p14:creationId xmlns:p14="http://schemas.microsoft.com/office/powerpoint/2010/main" val="913969971"/>
       </p:ext>
     </p:extLst>
   </p:cSld>
@@ -4276,145 +4397,229 @@
       </p:grpSpPr>
       <p:sp>
         <p:nvSpPr>
-          <p:cNvPr id="2" name="標題 1"/>
-          <p:cNvSpPr>
-            <a:spLocks noGrp="1"/>
-          </p:cNvSpPr>
-          <p:nvPr>
-            <p:ph type="title"/>
-          </p:nvPr>
-        </p:nvSpPr>
-        <p:spPr/>
-        <p:txBody>
-          <a:bodyPr>
+          <p:cNvPr id="5" name="內容版面配置區 4"/>
+          <p:cNvSpPr>
+            <a:spLocks noGrp="1"/>
+          </p:cNvSpPr>
+          <p:nvPr>
+            <p:ph idx="1"/>
+          </p:nvPr>
+        </p:nvSpPr>
+        <p:spPr>
+          <a:xfrm>
+            <a:off x="0" y="2084851"/>
+            <a:ext cx="12192000" cy="2404863"/>
+          </a:xfrm>
+        </p:spPr>
+        <p:txBody>
+          <a:bodyPr anchor="ctr">
             <a:normAutofit/>
           </a:bodyPr>
           <a:lstStyle/>
           <a:p>
-            <a:r>
-              <a:rPr lang="zh-TW" altLang="zh-TW" sz="4800" b="1" dirty="0">
-                <a:latin typeface="微軟正黑體" panose="020B0604030504040204" pitchFamily="34" charset="-120"/>
-                <a:ea typeface="微軟正黑體" panose="020B0604030504040204" pitchFamily="34" charset="-120"/>
-              </a:rPr>
-              <a:t>我神真偉大</a:t>
-            </a:r>
-            <a:endParaRPr lang="zh-TW" altLang="en-US" sz="4800" b="1" dirty="0">
-              <a:latin typeface="微軟正黑體" panose="020B0604030504040204" pitchFamily="34" charset="-120"/>
-              <a:ea typeface="微軟正黑體" panose="020B0604030504040204" pitchFamily="34" charset="-120"/>
+            <a:pPr algn="ctr">
+              <a:buNone/>
+            </a:pPr>
+            <a:r>
+              <a:rPr lang="zh-CN" altLang="en-US" sz="6400" b="1" dirty="0">
+                <a:solidFill>
+                  <a:srgbClr val="660033"/>
+                </a:solidFill>
+                <a:latin typeface="微軟正黑體" pitchFamily="34" charset="-120"/>
+                <a:ea typeface="微軟正黑體" pitchFamily="34" charset="-120"/>
+              </a:rPr>
+              <a:t>袮</a:t>
+            </a:r>
+            <a:r>
+              <a:rPr lang="zh-TW" altLang="en-US" sz="6400" b="1" dirty="0" smtClean="0">
+                <a:solidFill>
+                  <a:srgbClr val="660033"/>
+                </a:solidFill>
+                <a:latin typeface="微軟正黑體" pitchFamily="34" charset="-120"/>
+                <a:ea typeface="微軟正黑體" pitchFamily="34" charset="-120"/>
+              </a:rPr>
+              <a:t>是</a:t>
+            </a:r>
+            <a:r>
+              <a:rPr lang="zh-TW" altLang="en-US" sz="6400" b="1" dirty="0">
+                <a:solidFill>
+                  <a:srgbClr val="660033"/>
+                </a:solidFill>
+                <a:latin typeface="微軟正黑體" pitchFamily="34" charset="-120"/>
+                <a:ea typeface="微軟正黑體" pitchFamily="34" charset="-120"/>
+              </a:rPr>
+              <a:t>三一真神 </a:t>
+            </a:r>
+            <a:r>
+              <a:rPr lang="zh-TW" altLang="en-US" sz="6400" b="1" dirty="0">
+                <a:solidFill>
+                  <a:srgbClr val="660033"/>
+                </a:solidFill>
+                <a:latin typeface="微軟正黑體" pitchFamily="34" charset="-120"/>
+                <a:ea typeface="微軟正黑體" pitchFamily="34" charset="-120"/>
+              </a:rPr>
+              <a:t>  父</a:t>
+            </a:r>
+            <a:r>
+              <a:rPr lang="zh-TW" altLang="en-US" sz="6400" b="1" dirty="0">
+                <a:solidFill>
+                  <a:srgbClr val="660033"/>
+                </a:solidFill>
+                <a:latin typeface="微軟正黑體" pitchFamily="34" charset="-120"/>
+                <a:ea typeface="微軟正黑體" pitchFamily="34" charset="-120"/>
+              </a:rPr>
+              <a:t>子與聖</a:t>
+            </a:r>
+            <a:r>
+              <a:rPr lang="zh-TW" altLang="en-US" sz="6400" b="1" dirty="0">
+                <a:solidFill>
+                  <a:srgbClr val="660033"/>
+                </a:solidFill>
+                <a:latin typeface="微軟正黑體" pitchFamily="34" charset="-120"/>
+                <a:ea typeface="微軟正黑體" pitchFamily="34" charset="-120"/>
+              </a:rPr>
+              <a:t>靈</a:t>
+            </a:r>
+            <a:endParaRPr lang="en-US" altLang="zh-TW" sz="6400" b="1" dirty="0">
+              <a:solidFill>
+                <a:srgbClr val="660033"/>
+              </a:solidFill>
+              <a:latin typeface="微軟正黑體" pitchFamily="34" charset="-120"/>
+              <a:ea typeface="微軟正黑體" pitchFamily="34" charset="-120"/>
             </a:endParaRPr>
           </a:p>
-        </p:txBody>
-      </p:sp>
-      <p:sp>
-        <p:nvSpPr>
-          <p:cNvPr id="3" name="內容版面配置區 2"/>
-          <p:cNvSpPr>
-            <a:spLocks noGrp="1"/>
-          </p:cNvSpPr>
-          <p:nvPr>
-            <p:ph idx="1"/>
-          </p:nvPr>
+          <a:p>
+            <a:pPr algn="ctr">
+              <a:buNone/>
+            </a:pPr>
+            <a:r>
+              <a:rPr lang="zh-TW" altLang="en-US" sz="6400" b="1" dirty="0">
+                <a:solidFill>
+                  <a:srgbClr val="660033"/>
+                </a:solidFill>
+                <a:latin typeface="微軟正黑體" pitchFamily="34" charset="-120"/>
+                <a:ea typeface="微軟正黑體" pitchFamily="34" charset="-120"/>
+              </a:rPr>
+              <a:t>真</a:t>
+            </a:r>
+            <a:r>
+              <a:rPr lang="zh-TW" altLang="en-US" sz="6400" b="1" dirty="0">
+                <a:solidFill>
+                  <a:srgbClr val="660033"/>
+                </a:solidFill>
+                <a:latin typeface="微軟正黑體" pitchFamily="34" charset="-120"/>
+                <a:ea typeface="微軟正黑體" pitchFamily="34" charset="-120"/>
+              </a:rPr>
+              <a:t>神的羔羊 </a:t>
+            </a:r>
+            <a:r>
+              <a:rPr lang="zh-TW" altLang="en-US" sz="6400" b="1" dirty="0">
+                <a:solidFill>
+                  <a:srgbClr val="660033"/>
+                </a:solidFill>
+                <a:latin typeface="微軟正黑體" pitchFamily="34" charset="-120"/>
+                <a:ea typeface="微軟正黑體" pitchFamily="34" charset="-120"/>
+              </a:rPr>
+              <a:t>  全</a:t>
+            </a:r>
+            <a:r>
+              <a:rPr lang="zh-TW" altLang="en-US" sz="6400" b="1" dirty="0">
+                <a:solidFill>
+                  <a:srgbClr val="660033"/>
+                </a:solidFill>
+                <a:latin typeface="微軟正黑體" pitchFamily="34" charset="-120"/>
+                <a:ea typeface="微軟正黑體" pitchFamily="34" charset="-120"/>
+              </a:rPr>
+              <a:t>能神羔羊</a:t>
+            </a:r>
+            <a:endParaRPr lang="en-US" altLang="zh-TW" sz="6400" b="1" dirty="0">
+              <a:solidFill>
+                <a:srgbClr val="660033"/>
+              </a:solidFill>
+              <a:latin typeface="微軟正黑體" pitchFamily="34" charset="-120"/>
+              <a:ea typeface="微軟正黑體" pitchFamily="34" charset="-120"/>
+            </a:endParaRPr>
+          </a:p>
+        </p:txBody>
+      </p:sp>
+      <p:sp>
+        <p:nvSpPr>
+          <p:cNvPr id="3" name="TextBox 2"/>
+          <p:cNvSpPr txBox="1"/>
+          <p:nvPr/>
         </p:nvSpPr>
         <p:spPr>
           <a:xfrm>
-            <a:off x="0" y="1600201"/>
-            <a:ext cx="12192000" cy="4525963"/>
+            <a:off x="0" y="5157192"/>
+            <a:ext cx="12192000" cy="748988"/>
           </a:xfrm>
+          <a:prstGeom prst="rect">
+            <a:avLst/>
+          </a:prstGeom>
+          <a:noFill/>
         </p:spPr>
         <p:txBody>
-          <a:bodyPr>
-            <a:noAutofit/>
+          <a:bodyPr wrap="square" rtlCol="0">
+            <a:spAutoFit/>
           </a:bodyPr>
           <a:lstStyle/>
           <a:p>
-            <a:pPr marL="0" indent="0" algn="ctr">
-              <a:buNone/>
-            </a:pPr>
-            <a:r>
-              <a:rPr lang="zh-TW" altLang="zh-TW" sz="6000" b="1" dirty="0">
-                <a:latin typeface="微軟正黑體" panose="020B0604030504040204" pitchFamily="34" charset="-120"/>
-                <a:ea typeface="微軟正黑體" panose="020B0604030504040204" pitchFamily="34" charset="-120"/>
-              </a:rPr>
-              <a:t>我神</a:t>
-            </a:r>
-            <a:r>
-              <a:rPr lang="en-US" altLang="zh-TW" sz="6000" b="1" dirty="0">
-                <a:latin typeface="微軟正黑體" panose="020B0604030504040204" pitchFamily="34" charset="-120"/>
-                <a:ea typeface="微軟正黑體" panose="020B0604030504040204" pitchFamily="34" charset="-120"/>
-              </a:rPr>
-              <a:t>  </a:t>
-            </a:r>
-            <a:r>
-              <a:rPr lang="zh-TW" altLang="zh-TW" sz="6000" b="1" dirty="0">
-                <a:latin typeface="微軟正黑體" panose="020B0604030504040204" pitchFamily="34" charset="-120"/>
-                <a:ea typeface="微軟正黑體" panose="020B0604030504040204" pitchFamily="34" charset="-120"/>
-              </a:rPr>
-              <a:t>真偉大</a:t>
-            </a:r>
-          </a:p>
-          <a:p>
-            <a:pPr marL="0" indent="0" algn="ctr">
-              <a:buNone/>
-            </a:pPr>
-            <a:r>
-              <a:rPr lang="zh-TW" altLang="zh-TW" sz="6000" b="1" dirty="0">
-                <a:latin typeface="微軟正黑體" panose="020B0604030504040204" pitchFamily="34" charset="-120"/>
-                <a:ea typeface="微軟正黑體" panose="020B0604030504040204" pitchFamily="34" charset="-120"/>
-              </a:rPr>
-              <a:t>歌頌你聖名</a:t>
-            </a:r>
-            <a:r>
-              <a:rPr lang="en-US" altLang="zh-TW" sz="6000" b="1" dirty="0">
-                <a:latin typeface="微軟正黑體" panose="020B0604030504040204" pitchFamily="34" charset="-120"/>
-                <a:ea typeface="微軟正黑體" panose="020B0604030504040204" pitchFamily="34" charset="-120"/>
-              </a:rPr>
-              <a:t>  </a:t>
-            </a:r>
-            <a:r>
-              <a:rPr lang="zh-TW" altLang="zh-TW" sz="6000" b="1" dirty="0">
-                <a:latin typeface="微軟正黑體" panose="020B0604030504040204" pitchFamily="34" charset="-120"/>
-                <a:ea typeface="微軟正黑體" panose="020B0604030504040204" pitchFamily="34" charset="-120"/>
-              </a:rPr>
-              <a:t>真偉大</a:t>
-            </a:r>
-          </a:p>
-          <a:p>
-            <a:pPr marL="0" indent="0" algn="ctr">
-              <a:buNone/>
-            </a:pPr>
-            <a:r>
-              <a:rPr lang="zh-TW" altLang="zh-TW" sz="6000" b="1" dirty="0">
-                <a:latin typeface="微軟正黑體" panose="020B0604030504040204" pitchFamily="34" charset="-120"/>
-                <a:ea typeface="微軟正黑體" panose="020B0604030504040204" pitchFamily="34" charset="-120"/>
-              </a:rPr>
-              <a:t>全地都看見我神</a:t>
-            </a:r>
-            <a:r>
-              <a:rPr lang="en-US" altLang="zh-TW" sz="6000" b="1" dirty="0">
-                <a:latin typeface="微軟正黑體" panose="020B0604030504040204" pitchFamily="34" charset="-120"/>
-                <a:ea typeface="微軟正黑體" panose="020B0604030504040204" pitchFamily="34" charset="-120"/>
-              </a:rPr>
-              <a:t>  </a:t>
-            </a:r>
-            <a:r>
-              <a:rPr lang="zh-TW" altLang="zh-TW" sz="6000" b="1" dirty="0">
-                <a:latin typeface="微軟正黑體" panose="020B0604030504040204" pitchFamily="34" charset="-120"/>
-                <a:ea typeface="微軟正黑體" panose="020B0604030504040204" pitchFamily="34" charset="-120"/>
-              </a:rPr>
-              <a:t>真偉大</a:t>
-            </a:r>
-            <a:endParaRPr lang="en-US" altLang="zh-TW" sz="6000" b="1" dirty="0">
-              <a:latin typeface="微軟正黑體" panose="020B0604030504040204" pitchFamily="34" charset="-120"/>
-              <a:ea typeface="微軟正黑體" panose="020B0604030504040204" pitchFamily="34" charset="-120"/>
-            </a:endParaRPr>
-          </a:p>
-          <a:p>
-            <a:pPr marL="0" indent="0" algn="ctr">
-              <a:buNone/>
-            </a:pPr>
-            <a:endParaRPr lang="zh-TW" altLang="en-US" sz="6000" b="1" dirty="0">
-              <a:latin typeface="微軟正黑體" panose="020B0604030504040204" pitchFamily="34" charset="-120"/>
-              <a:ea typeface="微軟正黑體" panose="020B0604030504040204" pitchFamily="34" charset="-120"/>
+            <a:pPr algn="ctr"/>
+            <a:r>
+              <a:rPr lang="en-US" sz="4267" b="1" dirty="0">
+                <a:solidFill>
+                  <a:srgbClr val="660033"/>
+                </a:solidFill>
+                <a:latin typeface="Microsoft JhengHei" panose="020B0604030504040204" pitchFamily="34" charset="-120"/>
+                <a:ea typeface="Microsoft JhengHei" panose="020B0604030504040204" pitchFamily="34" charset="-120"/>
+              </a:rPr>
+              <a:t>( </a:t>
+            </a:r>
+            <a:r>
+              <a:rPr lang="zh-CN" altLang="en-US" sz="4267" b="1" dirty="0" smtClean="0">
+                <a:solidFill>
+                  <a:srgbClr val="660033"/>
+                </a:solidFill>
+                <a:latin typeface="Microsoft JhengHei" panose="020B0604030504040204" pitchFamily="34" charset="-120"/>
+                <a:ea typeface="Microsoft JhengHei" panose="020B0604030504040204" pitchFamily="34" charset="-120"/>
+              </a:rPr>
+              <a:t>正 </a:t>
+            </a:r>
+            <a:r>
+              <a:rPr lang="en-US" altLang="zh-CN" sz="4267" b="1" dirty="0" smtClean="0">
+                <a:solidFill>
+                  <a:srgbClr val="660033"/>
+                </a:solidFill>
+                <a:latin typeface="Microsoft JhengHei" panose="020B0604030504040204" pitchFamily="34" charset="-120"/>
+                <a:ea typeface="Microsoft JhengHei" panose="020B0604030504040204" pitchFamily="34" charset="-120"/>
+              </a:rPr>
+              <a:t>2</a:t>
+            </a:r>
+            <a:r>
+              <a:rPr lang="en-US" sz="4267" b="1" dirty="0" smtClean="0">
+                <a:solidFill>
+                  <a:srgbClr val="660033"/>
+                </a:solidFill>
+                <a:latin typeface="Microsoft JhengHei" panose="020B0604030504040204" pitchFamily="34" charset="-120"/>
+                <a:ea typeface="Microsoft JhengHei" panose="020B0604030504040204" pitchFamily="34" charset="-120"/>
+              </a:rPr>
+              <a:t> </a:t>
+            </a:r>
+            <a:r>
+              <a:rPr lang="en-US" sz="4267" b="1" dirty="0">
+                <a:solidFill>
+                  <a:srgbClr val="660033"/>
+                </a:solidFill>
+                <a:latin typeface="Microsoft JhengHei" panose="020B0604030504040204" pitchFamily="34" charset="-120"/>
+                <a:ea typeface="Microsoft JhengHei" panose="020B0604030504040204" pitchFamily="34" charset="-120"/>
+              </a:rPr>
+              <a:t>)</a:t>
+            </a:r>
+            <a:endParaRPr lang="vi-VN" sz="4267" b="1" dirty="0">
+              <a:solidFill>
+                <a:srgbClr val="660033"/>
+              </a:solidFill>
+              <a:ea typeface="Microsoft JhengHei" panose="020B0604030504040204" pitchFamily="34" charset="-120"/>
             </a:endParaRPr>
           </a:p>
         </p:txBody>
@@ -4422,7 +4627,7 @@
     </p:spTree>
     <p:extLst>
       <p:ext uri="{BB962C8B-B14F-4D97-AF65-F5344CB8AC3E}">
-        <p14:creationId xmlns:p14="http://schemas.microsoft.com/office/powerpoint/2010/main" val="2021487300"/>
+        <p14:creationId xmlns:p14="http://schemas.microsoft.com/office/powerpoint/2010/main" val="4269978063"/>
       </p:ext>
     </p:extLst>
   </p:cSld>
@@ -4451,137 +4656,239 @@
       </p:grpSpPr>
       <p:sp>
         <p:nvSpPr>
-          <p:cNvPr id="2" name="標題 1"/>
-          <p:cNvSpPr>
-            <a:spLocks noGrp="1"/>
-          </p:cNvSpPr>
-          <p:nvPr>
-            <p:ph type="title"/>
-          </p:nvPr>
-        </p:nvSpPr>
-        <p:spPr/>
-        <p:txBody>
-          <a:bodyPr>
+          <p:cNvPr id="5" name="內容版面配置區 4"/>
+          <p:cNvSpPr>
+            <a:spLocks noGrp="1"/>
+          </p:cNvSpPr>
+          <p:nvPr>
+            <p:ph idx="1"/>
+          </p:nvPr>
+        </p:nvSpPr>
+        <p:spPr>
+          <a:xfrm>
+            <a:off x="0" y="2084851"/>
+            <a:ext cx="12192000" cy="2404863"/>
+          </a:xfrm>
+        </p:spPr>
+        <p:txBody>
+          <a:bodyPr anchor="ctr">
             <a:normAutofit/>
           </a:bodyPr>
           <a:lstStyle/>
           <a:p>
-            <a:r>
-              <a:rPr lang="zh-TW" altLang="zh-TW" sz="4800" b="1" dirty="0">
-                <a:latin typeface="微軟正黑體" panose="020B0604030504040204" pitchFamily="34" charset="-120"/>
-                <a:ea typeface="微軟正黑體" panose="020B0604030504040204" pitchFamily="34" charset="-120"/>
-              </a:rPr>
-              <a:t>我神真偉大</a:t>
-            </a:r>
-            <a:endParaRPr lang="zh-TW" altLang="en-US" sz="4800" b="1" dirty="0">
-              <a:latin typeface="微軟正黑體" panose="020B0604030504040204" pitchFamily="34" charset="-120"/>
-              <a:ea typeface="微軟正黑體" panose="020B0604030504040204" pitchFamily="34" charset="-120"/>
+            <a:pPr algn="ctr">
+              <a:buNone/>
+            </a:pPr>
+            <a:r>
+              <a:rPr lang="zh-CN" altLang="en-US" sz="6400" b="1" dirty="0">
+                <a:solidFill>
+                  <a:srgbClr val="660033"/>
+                </a:solidFill>
+                <a:latin typeface="微軟正黑體" pitchFamily="34" charset="-120"/>
+                <a:ea typeface="微軟正黑體" pitchFamily="34" charset="-120"/>
+              </a:rPr>
+              <a:t>袮</a:t>
+            </a:r>
+            <a:r>
+              <a:rPr lang="zh-TW" altLang="en-US" sz="6400" b="1" dirty="0" smtClean="0">
+                <a:solidFill>
+                  <a:srgbClr val="660033"/>
+                </a:solidFill>
+                <a:latin typeface="微軟正黑體" pitchFamily="34" charset="-120"/>
+                <a:ea typeface="微軟正黑體" pitchFamily="34" charset="-120"/>
+              </a:rPr>
+              <a:t>至</a:t>
+            </a:r>
+            <a:r>
+              <a:rPr lang="zh-TW" altLang="en-US" sz="6400" b="1" dirty="0">
+                <a:solidFill>
+                  <a:srgbClr val="660033"/>
+                </a:solidFill>
+                <a:latin typeface="微軟正黑體" pitchFamily="34" charset="-120"/>
+                <a:ea typeface="微軟正黑體" pitchFamily="34" charset="-120"/>
+              </a:rPr>
+              <a:t>聖尊名 </a:t>
+            </a:r>
+            <a:r>
+              <a:rPr lang="zh-TW" altLang="en-US" sz="6400" b="1" dirty="0">
+                <a:solidFill>
+                  <a:srgbClr val="660033"/>
+                </a:solidFill>
+                <a:latin typeface="微軟正黑體" pitchFamily="34" charset="-120"/>
+                <a:ea typeface="微軟正黑體" pitchFamily="34" charset="-120"/>
+              </a:rPr>
+              <a:t> 配</a:t>
+            </a:r>
+            <a:r>
+              <a:rPr lang="zh-TW" altLang="en-US" sz="6400" b="1" dirty="0">
+                <a:solidFill>
+                  <a:srgbClr val="660033"/>
+                </a:solidFill>
+                <a:latin typeface="微軟正黑體" pitchFamily="34" charset="-120"/>
+                <a:ea typeface="微軟正黑體" pitchFamily="34" charset="-120"/>
+              </a:rPr>
+              <a:t>受大讚</a:t>
+            </a:r>
+            <a:r>
+              <a:rPr lang="zh-TW" altLang="en-US" sz="6400" b="1" dirty="0">
+                <a:solidFill>
+                  <a:srgbClr val="660033"/>
+                </a:solidFill>
+                <a:latin typeface="微軟正黑體" pitchFamily="34" charset="-120"/>
+                <a:ea typeface="微軟正黑體" pitchFamily="34" charset="-120"/>
+              </a:rPr>
+              <a:t>美</a:t>
+            </a:r>
+            <a:endParaRPr lang="en-US" altLang="zh-TW" sz="6400" b="1" dirty="0">
+              <a:solidFill>
+                <a:srgbClr val="660033"/>
+              </a:solidFill>
+              <a:latin typeface="微軟正黑體" pitchFamily="34" charset="-120"/>
+              <a:ea typeface="微軟正黑體" pitchFamily="34" charset="-120"/>
             </a:endParaRPr>
           </a:p>
-        </p:txBody>
-      </p:sp>
-      <p:sp>
-        <p:nvSpPr>
-          <p:cNvPr id="3" name="內容版面配置區 2"/>
-          <p:cNvSpPr>
-            <a:spLocks noGrp="1"/>
-          </p:cNvSpPr>
-          <p:nvPr>
-            <p:ph idx="1"/>
-          </p:nvPr>
+          <a:p>
+            <a:pPr algn="ctr">
+              <a:buNone/>
+            </a:pPr>
+            <a:r>
+              <a:rPr lang="zh-TW" altLang="en-US" sz="6400" b="1" dirty="0">
+                <a:solidFill>
+                  <a:srgbClr val="660033"/>
+                </a:solidFill>
+                <a:latin typeface="微軟正黑體" pitchFamily="34" charset="-120"/>
+                <a:ea typeface="微軟正黑體" pitchFamily="34" charset="-120"/>
+              </a:rPr>
+              <a:t>全</a:t>
+            </a:r>
+            <a:r>
+              <a:rPr lang="zh-TW" altLang="en-US" sz="6400" b="1" dirty="0">
+                <a:solidFill>
+                  <a:srgbClr val="660033"/>
+                </a:solidFill>
+                <a:latin typeface="微軟正黑體" pitchFamily="34" charset="-120"/>
+                <a:ea typeface="微軟正黑體" pitchFamily="34" charset="-120"/>
+              </a:rPr>
+              <a:t>心歌</a:t>
+            </a:r>
+            <a:r>
+              <a:rPr lang="zh-TW" altLang="en-US" sz="6400" b="1" dirty="0">
+                <a:solidFill>
+                  <a:srgbClr val="660033"/>
+                </a:solidFill>
+                <a:latin typeface="微軟正黑體" pitchFamily="34" charset="-120"/>
+                <a:ea typeface="微軟正黑體" pitchFamily="34" charset="-120"/>
+              </a:rPr>
+              <a:t>頌  </a:t>
+            </a:r>
+            <a:r>
+              <a:rPr lang="zh-TW" altLang="en-US" sz="6400" b="1" dirty="0">
+                <a:solidFill>
+                  <a:srgbClr val="660033"/>
+                </a:solidFill>
+                <a:latin typeface="微軟正黑體" pitchFamily="34" charset="-120"/>
+                <a:ea typeface="微軟正黑體" pitchFamily="34" charset="-120"/>
+              </a:rPr>
+              <a:t>我神 </a:t>
+            </a:r>
+            <a:r>
+              <a:rPr lang="zh-TW" altLang="en-US" sz="6400" b="1" dirty="0">
+                <a:solidFill>
+                  <a:srgbClr val="660033"/>
+                </a:solidFill>
+                <a:latin typeface="微軟正黑體" pitchFamily="34" charset="-120"/>
+                <a:ea typeface="微軟正黑體" pitchFamily="34" charset="-120"/>
+              </a:rPr>
+              <a:t> 真</a:t>
+            </a:r>
+            <a:r>
+              <a:rPr lang="zh-TW" altLang="en-US" sz="6400" b="1" dirty="0">
+                <a:solidFill>
+                  <a:srgbClr val="660033"/>
+                </a:solidFill>
+                <a:latin typeface="微軟正黑體" pitchFamily="34" charset="-120"/>
+                <a:ea typeface="微軟正黑體" pitchFamily="34" charset="-120"/>
+              </a:rPr>
+              <a:t>偉大</a:t>
+            </a:r>
+            <a:endParaRPr lang="en-US" altLang="zh-TW" sz="6400" b="1" dirty="0">
+              <a:solidFill>
+                <a:srgbClr val="660033"/>
+              </a:solidFill>
+              <a:latin typeface="微軟正黑體" pitchFamily="34" charset="-120"/>
+              <a:ea typeface="微軟正黑體" pitchFamily="34" charset="-120"/>
+            </a:endParaRPr>
+          </a:p>
+        </p:txBody>
+      </p:sp>
+      <p:sp>
+        <p:nvSpPr>
+          <p:cNvPr id="3" name="TextBox 2"/>
+          <p:cNvSpPr txBox="1"/>
+          <p:nvPr/>
         </p:nvSpPr>
         <p:spPr>
           <a:xfrm>
-            <a:off x="0" y="1600201"/>
-            <a:ext cx="12192000" cy="4525963"/>
+            <a:off x="0" y="5157192"/>
+            <a:ext cx="12192000" cy="748988"/>
           </a:xfrm>
+          <a:prstGeom prst="rect">
+            <a:avLst/>
+          </a:prstGeom>
+          <a:noFill/>
         </p:spPr>
         <p:txBody>
-          <a:bodyPr>
-            <a:noAutofit/>
+          <a:bodyPr wrap="square" rtlCol="0">
+            <a:spAutoFit/>
           </a:bodyPr>
           <a:lstStyle/>
           <a:p>
-            <a:pPr marL="0" indent="0" algn="ctr">
-              <a:buNone/>
-            </a:pPr>
-            <a:r>
-              <a:rPr lang="zh-TW" altLang="zh-TW" sz="6000" b="1" dirty="0">
-                <a:latin typeface="微軟正黑體" panose="020B0604030504040204" pitchFamily="34" charset="-120"/>
-                <a:ea typeface="微軟正黑體" panose="020B0604030504040204" pitchFamily="34" charset="-120"/>
-              </a:rPr>
-              <a:t>你至聖尊名</a:t>
-            </a:r>
-            <a:endParaRPr lang="en-US" altLang="zh-TW" sz="6000" b="1" dirty="0">
-              <a:latin typeface="微軟正黑體" panose="020B0604030504040204" pitchFamily="34" charset="-120"/>
-              <a:ea typeface="微軟正黑體" panose="020B0604030504040204" pitchFamily="34" charset="-120"/>
-            </a:endParaRPr>
-          </a:p>
-          <a:p>
-            <a:pPr marL="0" indent="0" algn="ctr">
-              <a:buNone/>
-            </a:pPr>
-            <a:r>
-              <a:rPr lang="zh-TW" altLang="zh-TW" sz="6000" b="1" dirty="0">
-                <a:latin typeface="微軟正黑體" panose="020B0604030504040204" pitchFamily="34" charset="-120"/>
-                <a:ea typeface="微軟正黑體" panose="020B0604030504040204" pitchFamily="34" charset="-120"/>
-              </a:rPr>
-              <a:t>配受大讚美</a:t>
-            </a:r>
-            <a:endParaRPr lang="en-US" altLang="zh-TW" sz="6000" b="1" dirty="0">
-              <a:latin typeface="微軟正黑體" panose="020B0604030504040204" pitchFamily="34" charset="-120"/>
-              <a:ea typeface="微軟正黑體" panose="020B0604030504040204" pitchFamily="34" charset="-120"/>
-            </a:endParaRPr>
-          </a:p>
-          <a:p>
-            <a:pPr marL="0" indent="0" algn="ctr">
-              <a:buNone/>
-            </a:pPr>
-            <a:r>
-              <a:rPr lang="zh-TW" altLang="zh-TW" sz="6000" b="1" dirty="0">
-                <a:latin typeface="微軟正黑體" panose="020B0604030504040204" pitchFamily="34" charset="-120"/>
-                <a:ea typeface="微軟正黑體" panose="020B0604030504040204" pitchFamily="34" charset="-120"/>
-              </a:rPr>
-              <a:t>全心歌頌</a:t>
-            </a:r>
-            <a:r>
-              <a:rPr lang="en-US" altLang="zh-TW" sz="6000" b="1" dirty="0">
-                <a:latin typeface="微軟正黑體" panose="020B0604030504040204" pitchFamily="34" charset="-120"/>
-                <a:ea typeface="微軟正黑體" panose="020B0604030504040204" pitchFamily="34" charset="-120"/>
-              </a:rPr>
-              <a:t>  </a:t>
-            </a:r>
-            <a:r>
-              <a:rPr lang="zh-TW" altLang="zh-TW" sz="6000" b="1" dirty="0">
-                <a:latin typeface="微軟正黑體" panose="020B0604030504040204" pitchFamily="34" charset="-120"/>
-                <a:ea typeface="微軟正黑體" panose="020B0604030504040204" pitchFamily="34" charset="-120"/>
-              </a:rPr>
-              <a:t>我神</a:t>
-            </a:r>
-            <a:r>
-              <a:rPr lang="en-US" altLang="zh-TW" sz="6000" b="1" dirty="0">
-                <a:latin typeface="微軟正黑體" panose="020B0604030504040204" pitchFamily="34" charset="-120"/>
-                <a:ea typeface="微軟正黑體" panose="020B0604030504040204" pitchFamily="34" charset="-120"/>
-              </a:rPr>
-              <a:t>  </a:t>
-            </a:r>
-            <a:r>
-              <a:rPr lang="zh-TW" altLang="zh-TW" sz="6000" b="1" dirty="0">
-                <a:latin typeface="微軟正黑體" panose="020B0604030504040204" pitchFamily="34" charset="-120"/>
-                <a:ea typeface="微軟正黑體" panose="020B0604030504040204" pitchFamily="34" charset="-120"/>
-              </a:rPr>
-              <a:t>真</a:t>
-            </a:r>
-            <a:r>
-              <a:rPr lang="zh-TW" altLang="zh-TW" sz="6000" b="1" dirty="0" smtClean="0">
-                <a:latin typeface="微軟正黑體" panose="020B0604030504040204" pitchFamily="34" charset="-120"/>
-                <a:ea typeface="微軟正黑體" panose="020B0604030504040204" pitchFamily="34" charset="-120"/>
-              </a:rPr>
-              <a:t>偉大</a:t>
-            </a:r>
-            <a:endParaRPr lang="zh-TW" altLang="en-US" sz="6000" b="1" dirty="0">
-              <a:latin typeface="微軟正黑體" panose="020B0604030504040204" pitchFamily="34" charset="-120"/>
-              <a:ea typeface="微軟正黑體" panose="020B0604030504040204" pitchFamily="34" charset="-120"/>
+            <a:pPr algn="ctr"/>
+            <a:r>
+              <a:rPr lang="en-US" sz="4267" b="1" dirty="0">
+                <a:solidFill>
+                  <a:srgbClr val="660033"/>
+                </a:solidFill>
+                <a:latin typeface="Microsoft JhengHei" panose="020B0604030504040204" pitchFamily="34" charset="-120"/>
+                <a:ea typeface="Microsoft JhengHei" panose="020B0604030504040204" pitchFamily="34" charset="-120"/>
+              </a:rPr>
+              <a:t>( </a:t>
+            </a:r>
+            <a:r>
+              <a:rPr lang="zh-CN" altLang="en-US" sz="4267" b="1" dirty="0" smtClean="0">
+                <a:solidFill>
+                  <a:srgbClr val="660033"/>
+                </a:solidFill>
+                <a:latin typeface="Microsoft JhengHei" panose="020B0604030504040204" pitchFamily="34" charset="-120"/>
+                <a:ea typeface="Microsoft JhengHei" panose="020B0604030504040204" pitchFamily="34" charset="-120"/>
+              </a:rPr>
+              <a:t>橋</a:t>
+            </a:r>
+            <a:r>
+              <a:rPr lang="en-US" sz="4267" b="1" dirty="0" smtClean="0">
+                <a:solidFill>
+                  <a:srgbClr val="660033"/>
+                </a:solidFill>
+                <a:latin typeface="Microsoft JhengHei" panose="020B0604030504040204" pitchFamily="34" charset="-120"/>
+                <a:ea typeface="Microsoft JhengHei" panose="020B0604030504040204" pitchFamily="34" charset="-120"/>
+              </a:rPr>
+              <a:t> </a:t>
+            </a:r>
+            <a:r>
+              <a:rPr lang="en-US" sz="4267" b="1" dirty="0">
+                <a:solidFill>
+                  <a:srgbClr val="660033"/>
+                </a:solidFill>
+                <a:latin typeface="Microsoft JhengHei" panose="020B0604030504040204" pitchFamily="34" charset="-120"/>
+                <a:ea typeface="Microsoft JhengHei" panose="020B0604030504040204" pitchFamily="34" charset="-120"/>
+              </a:rPr>
+              <a:t>)</a:t>
+            </a:r>
+            <a:endParaRPr lang="vi-VN" sz="4267" b="1" dirty="0">
+              <a:solidFill>
+                <a:srgbClr val="660033"/>
+              </a:solidFill>
+              <a:ea typeface="Microsoft JhengHei" panose="020B0604030504040204" pitchFamily="34" charset="-120"/>
             </a:endParaRPr>
           </a:p>
         </p:txBody>
@@ -4589,151 +4896,7 @@
     </p:spTree>
     <p:extLst>
       <p:ext uri="{BB962C8B-B14F-4D97-AF65-F5344CB8AC3E}">
-        <p14:creationId xmlns:p14="http://schemas.microsoft.com/office/powerpoint/2010/main" val="2427210192"/>
-      </p:ext>
-    </p:extLst>
-  </p:cSld>
-  <p:clrMapOvr>
-    <a:masterClrMapping/>
-  </p:clrMapOvr>
-</p:sld>
-</file>
-
-<file path=ppt/slides/slide9.xml><?xml version="1.0" encoding="utf-8"?>
-<p:sld xmlns:a="http://schemas.openxmlformats.org/drawingml/2006/main" xmlns:r="http://schemas.openxmlformats.org/officeDocument/2006/relationships" xmlns:p="http://schemas.openxmlformats.org/presentationml/2006/main">
-  <p:cSld>
-    <p:spTree>
-      <p:nvGrpSpPr>
-        <p:cNvPr id="1" name=""/>
-        <p:cNvGrpSpPr/>
-        <p:nvPr/>
-      </p:nvGrpSpPr>
-      <p:grpSpPr>
-        <a:xfrm>
-          <a:off x="0" y="0"/>
-          <a:ext cx="0" cy="0"/>
-          <a:chOff x="0" y="0"/>
-          <a:chExt cx="0" cy="0"/>
-        </a:xfrm>
-      </p:grpSpPr>
-      <p:sp>
-        <p:nvSpPr>
-          <p:cNvPr id="2" name="標題 1"/>
-          <p:cNvSpPr>
-            <a:spLocks noGrp="1"/>
-          </p:cNvSpPr>
-          <p:nvPr>
-            <p:ph type="title"/>
-          </p:nvPr>
-        </p:nvSpPr>
-        <p:spPr/>
-        <p:txBody>
-          <a:bodyPr>
-            <a:normAutofit/>
-          </a:bodyPr>
-          <a:lstStyle/>
-          <a:p>
-            <a:r>
-              <a:rPr lang="zh-TW" altLang="zh-TW" sz="4800" b="1" dirty="0">
-                <a:latin typeface="微軟正黑體" panose="020B0604030504040204" pitchFamily="34" charset="-120"/>
-                <a:ea typeface="微軟正黑體" panose="020B0604030504040204" pitchFamily="34" charset="-120"/>
-              </a:rPr>
-              <a:t>我神真偉大</a:t>
-            </a:r>
-            <a:endParaRPr lang="zh-TW" altLang="en-US" sz="4800" b="1" dirty="0">
-              <a:latin typeface="微軟正黑體" panose="020B0604030504040204" pitchFamily="34" charset="-120"/>
-              <a:ea typeface="微軟正黑體" panose="020B0604030504040204" pitchFamily="34" charset="-120"/>
-            </a:endParaRPr>
-          </a:p>
-        </p:txBody>
-      </p:sp>
-      <p:sp>
-        <p:nvSpPr>
-          <p:cNvPr id="3" name="內容版面配置區 2"/>
-          <p:cNvSpPr>
-            <a:spLocks noGrp="1"/>
-          </p:cNvSpPr>
-          <p:nvPr>
-            <p:ph idx="1"/>
-          </p:nvPr>
-        </p:nvSpPr>
-        <p:spPr>
-          <a:xfrm>
-            <a:off x="0" y="1600201"/>
-            <a:ext cx="12192000" cy="4525963"/>
-          </a:xfrm>
-        </p:spPr>
-        <p:txBody>
-          <a:bodyPr>
-            <a:noAutofit/>
-          </a:bodyPr>
-          <a:lstStyle/>
-          <a:p>
-            <a:pPr marL="0" indent="0" algn="ctr">
-              <a:buNone/>
-            </a:pPr>
-            <a:r>
-              <a:rPr lang="zh-TW" altLang="zh-TW" sz="6000" b="1" dirty="0">
-                <a:latin typeface="微軟正黑體" panose="020B0604030504040204" pitchFamily="34" charset="-120"/>
-                <a:ea typeface="微軟正黑體" panose="020B0604030504040204" pitchFamily="34" charset="-120"/>
-              </a:rPr>
-              <a:t>你至聖尊名 </a:t>
-            </a:r>
-            <a:endParaRPr lang="en-US" altLang="zh-TW" sz="6000" b="1" dirty="0">
-              <a:latin typeface="微軟正黑體" panose="020B0604030504040204" pitchFamily="34" charset="-120"/>
-              <a:ea typeface="微軟正黑體" panose="020B0604030504040204" pitchFamily="34" charset="-120"/>
-            </a:endParaRPr>
-          </a:p>
-          <a:p>
-            <a:pPr marL="0" indent="0" algn="ctr">
-              <a:buNone/>
-            </a:pPr>
-            <a:r>
-              <a:rPr lang="zh-TW" altLang="zh-TW" sz="6000" b="1" dirty="0">
-                <a:latin typeface="微軟正黑體" panose="020B0604030504040204" pitchFamily="34" charset="-120"/>
-                <a:ea typeface="微軟正黑體" panose="020B0604030504040204" pitchFamily="34" charset="-120"/>
-              </a:rPr>
-              <a:t>配受大讚美</a:t>
-            </a:r>
-          </a:p>
-          <a:p>
-            <a:pPr marL="0" indent="0" algn="ctr">
-              <a:buNone/>
-            </a:pPr>
-            <a:r>
-              <a:rPr lang="zh-TW" altLang="zh-TW" sz="6000" b="1" dirty="0">
-                <a:latin typeface="微軟正黑體" panose="020B0604030504040204" pitchFamily="34" charset="-120"/>
-                <a:ea typeface="微軟正黑體" panose="020B0604030504040204" pitchFamily="34" charset="-120"/>
-              </a:rPr>
-              <a:t>全心歌頌 </a:t>
-            </a:r>
-            <a:endParaRPr lang="en-US" altLang="zh-TW" sz="6000" b="1" dirty="0">
-              <a:latin typeface="微軟正黑體" panose="020B0604030504040204" pitchFamily="34" charset="-120"/>
-              <a:ea typeface="微軟正黑體" panose="020B0604030504040204" pitchFamily="34" charset="-120"/>
-            </a:endParaRPr>
-          </a:p>
-          <a:p>
-            <a:pPr marL="0" indent="0" algn="ctr">
-              <a:buNone/>
-            </a:pPr>
-            <a:r>
-              <a:rPr lang="zh-TW" altLang="zh-TW" sz="6000" b="1" dirty="0">
-                <a:latin typeface="微軟正黑體" panose="020B0604030504040204" pitchFamily="34" charset="-120"/>
-                <a:ea typeface="微軟正黑體" panose="020B0604030504040204" pitchFamily="34" charset="-120"/>
-              </a:rPr>
-              <a:t>我神 真偉大</a:t>
-            </a:r>
-            <a:endParaRPr lang="zh-TW" altLang="en-US" sz="6000" b="1" dirty="0">
-              <a:latin typeface="微軟正黑體" panose="020B0604030504040204" pitchFamily="34" charset="-120"/>
-              <a:ea typeface="微軟正黑體" panose="020B0604030504040204" pitchFamily="34" charset="-120"/>
-            </a:endParaRPr>
-          </a:p>
-        </p:txBody>
-      </p:sp>
-    </p:spTree>
-    <p:extLst>
-      <p:ext uri="{BB962C8B-B14F-4D97-AF65-F5344CB8AC3E}">
-        <p14:creationId xmlns:p14="http://schemas.microsoft.com/office/powerpoint/2010/main" val="1348880020"/>
+        <p14:creationId xmlns:p14="http://schemas.microsoft.com/office/powerpoint/2010/main" val="1857576376"/>
       </p:ext>
     </p:extLst>
   </p:cSld>
@@ -4744,7 +4907,7 @@
 </file>
 
 <file path=ppt/theme/theme1.xml><?xml version="1.0" encoding="utf-8"?>
-<a:theme xmlns:a="http://schemas.openxmlformats.org/drawingml/2006/main" name="佈景主題1">
+<a:theme xmlns:a="http://schemas.openxmlformats.org/drawingml/2006/main" name="Theme1">
   <a:themeElements>
     <a:clrScheme name="Office">
       <a:dk1>
@@ -5023,5 +5186,10 @@
   </a:themeElements>
   <a:objectDefaults/>
   <a:extraClrSchemeLst/>
+  <a:extLst>
+    <a:ext uri="{05A4C25C-085E-4340-85A3-A5531E510DB2}">
+      <thm15:themeFamily xmlns:thm15="http://schemas.microsoft.com/office/thememl/2012/main" name="Theme1" id="{1A8DE197-990E-4893-BF04-3823FBB50F9A}" vid="{430B7048-5A04-4BDB-939A-C7E865DB887B}"/>
+    </a:ext>
+  </a:extLst>
 </a:theme>
 </file>